--- a/_PowerPoints/1st Semester/Unit 2 Polynomials/PreCalc_Day_018 12.1 Limits Intro Calculus.pptx
+++ b/_PowerPoints/1st Semester/Unit 2 Polynomials/PreCalc_Day_018 12.1 Limits Intro Calculus.pptx
@@ -6,20 +6,26 @@
   </p:sldMasterIdLst>
   <p:sldIdLst>
     <p:sldId id="296" r:id="rId2"/>
-    <p:sldId id="321" r:id="rId3"/>
-    <p:sldId id="313" r:id="rId4"/>
-    <p:sldId id="256" r:id="rId5"/>
-    <p:sldId id="288" r:id="rId6"/>
-    <p:sldId id="299" r:id="rId7"/>
-    <p:sldId id="300" r:id="rId8"/>
-    <p:sldId id="314" r:id="rId9"/>
-    <p:sldId id="315" r:id="rId10"/>
-    <p:sldId id="316" r:id="rId11"/>
-    <p:sldId id="317" r:id="rId12"/>
-    <p:sldId id="318" r:id="rId13"/>
-    <p:sldId id="319" r:id="rId14"/>
-    <p:sldId id="320" r:id="rId15"/>
-    <p:sldId id="287" r:id="rId16"/>
+    <p:sldId id="322" r:id="rId3"/>
+    <p:sldId id="323" r:id="rId4"/>
+    <p:sldId id="321" r:id="rId5"/>
+    <p:sldId id="324" r:id="rId6"/>
+    <p:sldId id="313" r:id="rId7"/>
+    <p:sldId id="256" r:id="rId8"/>
+    <p:sldId id="288" r:id="rId9"/>
+    <p:sldId id="299" r:id="rId10"/>
+    <p:sldId id="325" r:id="rId11"/>
+    <p:sldId id="300" r:id="rId12"/>
+    <p:sldId id="314" r:id="rId13"/>
+    <p:sldId id="315" r:id="rId14"/>
+    <p:sldId id="316" r:id="rId15"/>
+    <p:sldId id="317" r:id="rId16"/>
+    <p:sldId id="318" r:id="rId17"/>
+    <p:sldId id="319" r:id="rId18"/>
+    <p:sldId id="327" r:id="rId19"/>
+    <p:sldId id="320" r:id="rId20"/>
+    <p:sldId id="328" r:id="rId21"/>
+    <p:sldId id="287" r:id="rId22"/>
   </p:sldIdLst>
   <p:sldSz cx="12192000" cy="6858000"/>
   <p:notesSz cx="6858000" cy="9144000"/>
@@ -296,7 +302,7 @@
             <a:fld id="{87DE6118-2437-4B30-8E3C-4D2BE6020583}" type="datetimeFigureOut">
               <a:rPr lang="en-US" dirty="0"/>
               <a:pPr/>
-              <a:t>10/10/2017</a:t>
+              <a:t>10/18/2018</a:t>
             </a:fld>
             <a:endParaRPr lang="en-US" dirty="0"/>
           </a:p>
@@ -622,7 +628,7 @@
           <a:p>
             <a:fld id="{87DE6118-2437-4B30-8E3C-4D2BE6020583}" type="datetimeFigureOut">
               <a:rPr lang="en-US" dirty="0"/>
-              <a:t>10/10/2017</a:t>
+              <a:t>10/18/2018</a:t>
             </a:fld>
             <a:endParaRPr lang="en-US" dirty="0"/>
           </a:p>
@@ -797,7 +803,7 @@
           <a:p>
             <a:fld id="{87DE6118-2437-4B30-8E3C-4D2BE6020583}" type="datetimeFigureOut">
               <a:rPr lang="en-US" dirty="0"/>
-              <a:t>10/10/2017</a:t>
+              <a:t>10/18/2018</a:t>
             </a:fld>
             <a:endParaRPr lang="en-US" dirty="0"/>
           </a:p>
@@ -962,7 +968,7 @@
           <a:p>
             <a:fld id="{87DE6118-2437-4B30-8E3C-4D2BE6020583}" type="datetimeFigureOut">
               <a:rPr lang="en-US" dirty="0"/>
-              <a:t>10/10/2017</a:t>
+              <a:t>10/18/2018</a:t>
             </a:fld>
             <a:endParaRPr lang="en-US" dirty="0"/>
           </a:p>
@@ -1235,7 +1241,7 @@
             <a:fld id="{87DE6118-2437-4B30-8E3C-4D2BE6020583}" type="datetimeFigureOut">
               <a:rPr lang="en-US" dirty="0"/>
               <a:pPr/>
-              <a:t>10/10/2017</a:t>
+              <a:t>10/18/2018</a:t>
             </a:fld>
             <a:endParaRPr lang="en-US" dirty="0"/>
           </a:p>
@@ -1625,7 +1631,7 @@
           <a:p>
             <a:fld id="{87DE6118-2437-4B30-8E3C-4D2BE6020583}" type="datetimeFigureOut">
               <a:rPr lang="en-US" dirty="0"/>
-              <a:t>10/10/2017</a:t>
+              <a:t>10/18/2018</a:t>
             </a:fld>
             <a:endParaRPr lang="en-US" dirty="0"/>
           </a:p>
@@ -2097,7 +2103,7 @@
           <a:p>
             <a:fld id="{87DE6118-2437-4B30-8E3C-4D2BE6020583}" type="datetimeFigureOut">
               <a:rPr lang="en-US" dirty="0"/>
-              <a:t>10/10/2017</a:t>
+              <a:t>10/18/2018</a:t>
             </a:fld>
             <a:endParaRPr lang="en-US" dirty="0"/>
           </a:p>
@@ -2210,7 +2216,7 @@
           <a:p>
             <a:fld id="{87DE6118-2437-4B30-8E3C-4D2BE6020583}" type="datetimeFigureOut">
               <a:rPr lang="en-US" dirty="0"/>
-              <a:t>10/10/2017</a:t>
+              <a:t>10/18/2018</a:t>
             </a:fld>
             <a:endParaRPr lang="en-US" dirty="0"/>
           </a:p>
@@ -2300,7 +2306,7 @@
           <a:p>
             <a:fld id="{87DE6118-2437-4B30-8E3C-4D2BE6020583}" type="datetimeFigureOut">
               <a:rPr lang="en-US" dirty="0"/>
-              <a:t>10/10/2017</a:t>
+              <a:t>10/18/2018</a:t>
             </a:fld>
             <a:endParaRPr lang="en-US" dirty="0"/>
           </a:p>
@@ -2642,7 +2648,7 @@
             <a:fld id="{87DE6118-2437-4B30-8E3C-4D2BE6020583}" type="datetimeFigureOut">
               <a:rPr lang="en-US" dirty="0"/>
               <a:pPr/>
-              <a:t>10/10/2017</a:t>
+              <a:t>10/18/2018</a:t>
             </a:fld>
             <a:endParaRPr lang="en-US" dirty="0"/>
           </a:p>
@@ -3027,7 +3033,7 @@
             <a:fld id="{87DE6118-2437-4B30-8E3C-4D2BE6020583}" type="datetimeFigureOut">
               <a:rPr lang="en-US" dirty="0"/>
               <a:pPr/>
-              <a:t>10/10/2017</a:t>
+              <a:t>10/18/2018</a:t>
             </a:fld>
             <a:endParaRPr lang="en-US" dirty="0"/>
           </a:p>
@@ -3302,7 +3308,7 @@
             <a:fld id="{87DE6118-2437-4B30-8E3C-4D2BE6020583}" type="datetimeFigureOut">
               <a:rPr lang="en-US" dirty="0"/>
               <a:pPr/>
-              <a:t>10/10/2017</a:t>
+              <a:t>10/18/2018</a:t>
             </a:fld>
             <a:endParaRPr lang="en-US" dirty="0"/>
           </a:p>
@@ -3820,14 +3826,23 @@
             <p:ph type="title"/>
           </p:nvPr>
         </p:nvSpPr>
-        <p:spPr/>
+        <p:spPr>
+          <a:xfrm>
+            <a:off x="1371599" y="685800"/>
+            <a:ext cx="10410669" cy="1485900"/>
+          </a:xfrm>
+        </p:spPr>
         <p:txBody>
           <a:bodyPr/>
           <a:lstStyle/>
           <a:p>
             <a:r>
               <a:rPr lang="en-US" dirty="0" smtClean="0"/>
-              <a:t>Bell Work</a:t>
+              <a:t>Bell </a:t>
+            </a:r>
+            <a:r>
+              <a:rPr lang="en-US" dirty="0" smtClean="0"/>
+              <a:t>Work (5 – 7 minutes) – Work in Groups</a:t>
             </a:r>
             <a:endParaRPr lang="en-US" dirty="0"/>
           </a:p>
@@ -3867,26 +3882,14 @@
             </a:br>
             <a:r>
               <a:rPr lang="en-US" sz="3400" i="1" dirty="0" smtClean="0"/>
-              <a:t>y-intercept, </a:t>
-            </a:r>
-            <a:r>
-              <a:rPr lang="en-US" sz="3400" i="1" dirty="0" smtClean="0"/>
-              <a:t>vertical and horizontal asymptotes</a:t>
-            </a:r>
-            <a:r>
-              <a:rPr lang="en-US" sz="3400" i="1" dirty="0" smtClean="0"/>
-              <a:t>, </a:t>
-            </a:r>
-            <a:r>
-              <a:rPr lang="en-US" sz="3400" i="1" dirty="0" smtClean="0"/>
-              <a:t>holes. If an item does not exist, write ‘none’</a:t>
+              <a:t>y-intercept, vertical and horizontal asymptotes, holes. If an item does not exist, write ‘none’</a:t>
             </a:r>
             <a:endParaRPr lang="en-US" sz="3400" dirty="0"/>
           </a:p>
         </p:txBody>
       </p:sp>
-      <mc:AlternateContent xmlns:mc="http://schemas.openxmlformats.org/markup-compatibility/2006">
-        <mc:Choice xmlns:a14="http://schemas.microsoft.com/office/drawing/2010/main" Requires="a14">
+      <mc:AlternateContent xmlns:mc="http://schemas.openxmlformats.org/markup-compatibility/2006" xmlns:a14="http://schemas.microsoft.com/office/drawing/2010/main">
+        <mc:Choice Requires="a14">
           <p:sp>
             <p:nvSpPr>
               <p:cNvPr id="4" name="TextBox 3"/>
@@ -3992,7 +3995,7 @@
             </p:txBody>
           </p:sp>
         </mc:Choice>
-        <mc:Fallback>
+        <mc:Fallback xmlns="">
           <p:sp>
             <p:nvSpPr>
               <p:cNvPr id="4" name="TextBox 3"/>
@@ -4052,6 +4055,1207 @@
 </file>
 
 <file path=ppt/slides/slide10.xml><?xml version="1.0" encoding="utf-8"?>
+<p:sld xmlns:a="http://schemas.openxmlformats.org/drawingml/2006/main" xmlns:r="http://schemas.openxmlformats.org/officeDocument/2006/relationships" xmlns:p="http://schemas.openxmlformats.org/presentationml/2006/main">
+  <p:cSld>
+    <p:spTree>
+      <p:nvGrpSpPr>
+        <p:cNvPr id="1" name=""/>
+        <p:cNvGrpSpPr/>
+        <p:nvPr/>
+      </p:nvGrpSpPr>
+      <p:grpSpPr>
+        <a:xfrm>
+          <a:off x="0" y="0"/>
+          <a:ext cx="0" cy="0"/>
+          <a:chOff x="0" y="0"/>
+          <a:chExt cx="0" cy="0"/>
+        </a:xfrm>
+      </p:grpSpPr>
+      <mc:AlternateContent xmlns:mc="http://schemas.openxmlformats.org/markup-compatibility/2006">
+        <mc:Choice xmlns:a14="http://schemas.microsoft.com/office/drawing/2010/main" Requires="a14">
+          <p:sp>
+            <p:nvSpPr>
+              <p:cNvPr id="2" name="Title 1"/>
+              <p:cNvSpPr>
+                <a:spLocks noGrp="1"/>
+              </p:cNvSpPr>
+              <p:nvPr>
+                <p:ph type="title"/>
+              </p:nvPr>
+            </p:nvSpPr>
+            <p:spPr/>
+            <p:txBody>
+              <a:bodyPr/>
+              <a:lstStyle/>
+              <a:p>
+                <a:r>
+                  <a:rPr lang="en-US" b="1" dirty="0"/>
+                  <a:t>Example </a:t>
+                </a:r>
+                <a:r>
+                  <a:rPr lang="en-US" b="1" dirty="0" smtClean="0"/>
+                  <a:t>1: Evaluate     </a:t>
+                </a:r>
+                <a14:m>
+                  <m:oMath xmlns:m="http://schemas.openxmlformats.org/officeDocument/2006/math">
+                    <m:func>
+                      <m:funcPr>
+                        <m:ctrlPr>
+                          <a:rPr lang="en-US" i="1">
+                            <a:latin typeface="Cambria Math" panose="02040503050406030204" pitchFamily="18" charset="0"/>
+                          </a:rPr>
+                        </m:ctrlPr>
+                      </m:funcPr>
+                      <m:fName>
+                        <m:limLow>
+                          <m:limLowPr>
+                            <m:ctrlPr>
+                              <a:rPr lang="en-US" i="1">
+                                <a:latin typeface="Cambria Math" panose="02040503050406030204" pitchFamily="18" charset="0"/>
+                              </a:rPr>
+                            </m:ctrlPr>
+                          </m:limLowPr>
+                          <m:e>
+                            <m:r>
+                              <a:rPr lang="en-US" i="1">
+                                <a:latin typeface="Cambria Math" panose="02040503050406030204" pitchFamily="18" charset="0"/>
+                              </a:rPr>
+                              <m:t>𝑙𝑖𝑚</m:t>
+                            </m:r>
+                          </m:e>
+                          <m:lim>
+                            <m:r>
+                              <a:rPr lang="en-US" i="1">
+                                <a:latin typeface="Cambria Math" panose="02040503050406030204" pitchFamily="18" charset="0"/>
+                              </a:rPr>
+                              <m:t>𝑥</m:t>
+                            </m:r>
+                            <m:r>
+                              <a:rPr lang="en-US" i="1">
+                                <a:latin typeface="Cambria Math" panose="02040503050406030204" pitchFamily="18" charset="0"/>
+                              </a:rPr>
+                              <m:t>→2</m:t>
+                            </m:r>
+                          </m:lim>
+                        </m:limLow>
+                      </m:fName>
+                      <m:e>
+                        <m:r>
+                          <a:rPr lang="en-US" i="1">
+                            <a:latin typeface="Cambria Math" panose="02040503050406030204" pitchFamily="18" charset="0"/>
+                          </a:rPr>
+                          <m:t> (3</m:t>
+                        </m:r>
+                        <m:r>
+                          <a:rPr lang="en-US" i="1">
+                            <a:latin typeface="Cambria Math" panose="02040503050406030204" pitchFamily="18" charset="0"/>
+                          </a:rPr>
+                          <m:t>𝑥</m:t>
+                        </m:r>
+                        <m:r>
+                          <a:rPr lang="en-US" i="1">
+                            <a:latin typeface="Cambria Math" panose="02040503050406030204" pitchFamily="18" charset="0"/>
+                          </a:rPr>
+                          <m:t>−2)</m:t>
+                        </m:r>
+                      </m:e>
+                    </m:func>
+                  </m:oMath>
+                </a14:m>
+                <a:endParaRPr lang="en-US" dirty="0"/>
+              </a:p>
+            </p:txBody>
+          </p:sp>
+        </mc:Choice>
+        <mc:Fallback>
+          <p:sp>
+            <p:nvSpPr>
+              <p:cNvPr id="2" name="Title 1"/>
+              <p:cNvSpPr>
+                <a:spLocks noGrp="1" noRot="1" noChangeAspect="1" noMove="1" noResize="1" noEditPoints="1" noAdjustHandles="1" noChangeArrowheads="1" noChangeShapeType="1" noTextEdit="1"/>
+              </p:cNvSpPr>
+              <p:nvPr>
+                <p:ph type="title"/>
+              </p:nvPr>
+            </p:nvSpPr>
+            <p:spPr>
+              <a:blipFill rotWithShape="0">
+                <a:blip r:embed="rId2"/>
+                <a:stretch>
+                  <a:fillRect l="-2540" t="-13992"/>
+                </a:stretch>
+              </a:blipFill>
+            </p:spPr>
+            <p:txBody>
+              <a:bodyPr/>
+              <a:lstStyle/>
+              <a:p>
+                <a:r>
+                  <a:rPr lang="en-US">
+                    <a:noFill/>
+                  </a:rPr>
+                  <a:t> </a:t>
+                </a:r>
+              </a:p>
+            </p:txBody>
+          </p:sp>
+        </mc:Fallback>
+      </mc:AlternateContent>
+      <p:sp>
+        <p:nvSpPr>
+          <p:cNvPr id="3" name="Content Placeholder 2"/>
+          <p:cNvSpPr>
+            <a:spLocks noGrp="1"/>
+          </p:cNvSpPr>
+          <p:nvPr>
+            <p:ph idx="1"/>
+          </p:nvPr>
+        </p:nvSpPr>
+        <p:spPr>
+          <a:xfrm>
+            <a:off x="1371599" y="2286000"/>
+            <a:ext cx="10410669" cy="4572000"/>
+          </a:xfrm>
+        </p:spPr>
+        <p:txBody>
+          <a:bodyPr>
+            <a:normAutofit/>
+          </a:bodyPr>
+          <a:lstStyle/>
+          <a:p>
+            <a:pPr marL="0" indent="0">
+              <a:buNone/>
+            </a:pPr>
+            <a:r>
+              <a:rPr lang="en-US" sz="3400" dirty="0" smtClean="0"/>
+              <a:t>Explanation of what they want… </a:t>
+            </a:r>
+          </a:p>
+          <a:p>
+            <a:r>
+              <a:rPr lang="en-US" sz="3400" dirty="0" smtClean="0"/>
+              <a:t>So we have f(x) = 3x – 2… and they want us to plug in x = 2… can we do this or does it break? </a:t>
+            </a:r>
+          </a:p>
+          <a:p>
+            <a:endParaRPr lang="en-US" sz="3400" dirty="0"/>
+          </a:p>
+          <a:p>
+            <a:r>
+              <a:rPr lang="en-US" sz="3400" dirty="0" smtClean="0"/>
+              <a:t>We know that it equal 4… so that is the answer! But lets pretend we couldn’t plug in 2 for whatever reason… then what would we do try and figure out the answer?  </a:t>
+            </a:r>
+            <a:endParaRPr lang="en-US" sz="3400" dirty="0"/>
+          </a:p>
+        </p:txBody>
+      </p:sp>
+    </p:spTree>
+    <p:extLst>
+      <p:ext uri="{BB962C8B-B14F-4D97-AF65-F5344CB8AC3E}">
+        <p14:creationId xmlns:p14="http://schemas.microsoft.com/office/powerpoint/2010/main" val="2848047637"/>
+      </p:ext>
+    </p:extLst>
+  </p:cSld>
+  <p:clrMapOvr>
+    <a:masterClrMapping/>
+  </p:clrMapOvr>
+</p:sld>
+</file>
+
+<file path=ppt/slides/slide11.xml><?xml version="1.0" encoding="utf-8"?>
+<p:sld xmlns:a="http://schemas.openxmlformats.org/drawingml/2006/main" xmlns:r="http://schemas.openxmlformats.org/officeDocument/2006/relationships" xmlns:p="http://schemas.openxmlformats.org/presentationml/2006/main">
+  <p:cSld>
+    <p:spTree>
+      <p:nvGrpSpPr>
+        <p:cNvPr id="1" name=""/>
+        <p:cNvGrpSpPr/>
+        <p:nvPr/>
+      </p:nvGrpSpPr>
+      <p:grpSpPr>
+        <a:xfrm>
+          <a:off x="0" y="0"/>
+          <a:ext cx="0" cy="0"/>
+          <a:chOff x="0" y="0"/>
+          <a:chExt cx="0" cy="0"/>
+        </a:xfrm>
+      </p:grpSpPr>
+      <p:sp>
+        <p:nvSpPr>
+          <p:cNvPr id="2" name="Title 1"/>
+          <p:cNvSpPr>
+            <a:spLocks noGrp="1"/>
+          </p:cNvSpPr>
+          <p:nvPr>
+            <p:ph type="title"/>
+          </p:nvPr>
+        </p:nvSpPr>
+        <p:spPr>
+          <a:xfrm>
+            <a:off x="1371600" y="400987"/>
+            <a:ext cx="10820400" cy="1485900"/>
+          </a:xfrm>
+        </p:spPr>
+        <p:txBody>
+          <a:bodyPr>
+            <a:normAutofit fontScale="90000"/>
+          </a:bodyPr>
+          <a:lstStyle/>
+          <a:p>
+            <a:r>
+              <a:rPr lang="en-US" b="1" dirty="0" smtClean="0"/>
+              <a:t>Answer: We would plug in numbers that are really close to 2 on both sides, and see what those values are equal to… </a:t>
+            </a:r>
+            <a:endParaRPr lang="en-US" dirty="0"/>
+          </a:p>
+        </p:txBody>
+      </p:sp>
+      <mc:AlternateContent xmlns:mc="http://schemas.openxmlformats.org/markup-compatibility/2006">
+        <mc:Choice xmlns:a14="http://schemas.microsoft.com/office/drawing/2010/main" Requires="a14">
+          <p:sp>
+            <p:nvSpPr>
+              <p:cNvPr id="3" name="Content Placeholder 2"/>
+              <p:cNvSpPr>
+                <a:spLocks noGrp="1"/>
+              </p:cNvSpPr>
+              <p:nvPr>
+                <p:ph idx="1"/>
+              </p:nvPr>
+            </p:nvSpPr>
+            <p:spPr>
+              <a:xfrm>
+                <a:off x="599608" y="2278506"/>
+                <a:ext cx="11592392" cy="4579494"/>
+              </a:xfrm>
+            </p:spPr>
+            <p:txBody>
+              <a:bodyPr>
+                <a:normAutofit lnSpcReduction="10000"/>
+              </a:bodyPr>
+              <a:lstStyle/>
+              <a:p>
+                <a:r>
+                  <a:rPr lang="en-US" sz="3200" b="1" dirty="0"/>
+                  <a:t>Example 1: </a:t>
+                </a:r>
+                <a:r>
+                  <a:rPr lang="en-US" sz="3200" b="1" dirty="0" smtClean="0"/>
+                  <a:t>    </a:t>
+                </a:r>
+                <a14:m>
+                  <m:oMath xmlns:m="http://schemas.openxmlformats.org/officeDocument/2006/math">
+                    <m:func>
+                      <m:funcPr>
+                        <m:ctrlPr>
+                          <a:rPr lang="en-US" sz="3200" i="1">
+                            <a:latin typeface="Cambria Math" panose="02040503050406030204" pitchFamily="18" charset="0"/>
+                          </a:rPr>
+                        </m:ctrlPr>
+                      </m:funcPr>
+                      <m:fName>
+                        <m:limLow>
+                          <m:limLowPr>
+                            <m:ctrlPr>
+                              <a:rPr lang="en-US" sz="3200" i="1">
+                                <a:latin typeface="Cambria Math" panose="02040503050406030204" pitchFamily="18" charset="0"/>
+                              </a:rPr>
+                            </m:ctrlPr>
+                          </m:limLowPr>
+                          <m:e>
+                            <m:r>
+                              <a:rPr lang="en-US" sz="3200" i="1">
+                                <a:latin typeface="Cambria Math" panose="02040503050406030204" pitchFamily="18" charset="0"/>
+                              </a:rPr>
+                              <m:t>𝑙𝑖𝑚</m:t>
+                            </m:r>
+                          </m:e>
+                          <m:lim>
+                            <m:r>
+                              <a:rPr lang="en-US" sz="3200" i="1">
+                                <a:latin typeface="Cambria Math" panose="02040503050406030204" pitchFamily="18" charset="0"/>
+                              </a:rPr>
+                              <m:t>𝑥</m:t>
+                            </m:r>
+                            <m:r>
+                              <a:rPr lang="en-US" sz="3200" i="1">
+                                <a:latin typeface="Cambria Math" panose="02040503050406030204" pitchFamily="18" charset="0"/>
+                              </a:rPr>
+                              <m:t>→2</m:t>
+                            </m:r>
+                          </m:lim>
+                        </m:limLow>
+                      </m:fName>
+                      <m:e>
+                        <m:r>
+                          <a:rPr lang="en-US" sz="3200" i="1">
+                            <a:latin typeface="Cambria Math" panose="02040503050406030204" pitchFamily="18" charset="0"/>
+                          </a:rPr>
+                          <m:t> (3</m:t>
+                        </m:r>
+                        <m:r>
+                          <a:rPr lang="en-US" sz="3200" i="1">
+                            <a:latin typeface="Cambria Math" panose="02040503050406030204" pitchFamily="18" charset="0"/>
+                          </a:rPr>
+                          <m:t>𝑥</m:t>
+                        </m:r>
+                        <m:r>
+                          <a:rPr lang="en-US" sz="3200" i="1">
+                            <a:latin typeface="Cambria Math" panose="02040503050406030204" pitchFamily="18" charset="0"/>
+                          </a:rPr>
+                          <m:t>−2)</m:t>
+                        </m:r>
+                      </m:e>
+                    </m:func>
+                  </m:oMath>
+                </a14:m>
+                <a:endParaRPr lang="en-US" sz="3000" dirty="0" smtClean="0"/>
+              </a:p>
+              <a:p>
+                <a:endParaRPr lang="en-US" sz="3000" dirty="0"/>
+              </a:p>
+              <a:p>
+                <a:r>
+                  <a:rPr lang="en-US" sz="3200" b="1" u="sng" dirty="0"/>
+                  <a:t> x   </a:t>
+                </a:r>
+                <a:r>
+                  <a:rPr lang="en-US" sz="3200" b="1" u="sng" dirty="0" smtClean="0"/>
+                  <a:t>|</a:t>
+                </a:r>
+                <a:r>
+                  <a:rPr lang="en-US" sz="3200" u="sng" dirty="0" smtClean="0"/>
+                  <a:t>1.9</a:t>
+                </a:r>
+                <a:r>
+                  <a:rPr lang="en-US" sz="3200" u="sng" dirty="0"/>
+                  <a:t>	    1.99	 1.999	</a:t>
+                </a:r>
+                <a:r>
+                  <a:rPr lang="en-US" sz="3200" b="1" u="sng" dirty="0"/>
+                  <a:t>2.0</a:t>
+                </a:r>
+                <a:r>
+                  <a:rPr lang="en-US" sz="3200" u="sng" dirty="0"/>
+                  <a:t>	</a:t>
+                </a:r>
+                <a:r>
+                  <a:rPr lang="en-US" sz="3200" u="sng" dirty="0" smtClean="0"/>
+                  <a:t> 2.001</a:t>
+                </a:r>
+                <a:r>
+                  <a:rPr lang="en-US" sz="3200" u="sng" dirty="0"/>
+                  <a:t>	2.01		2.1</a:t>
+                </a:r>
+                <a:endParaRPr lang="en-US" sz="3200" dirty="0"/>
+              </a:p>
+              <a:p>
+                <a:r>
+                  <a:rPr lang="en-US" sz="3200" b="1" dirty="0"/>
+                  <a:t>f(x) </a:t>
+                </a:r>
+                <a:r>
+                  <a:rPr lang="en-US" sz="3200" b="1" dirty="0" smtClean="0"/>
+                  <a:t>|</a:t>
+                </a:r>
+              </a:p>
+              <a:p>
+                <a:endParaRPr lang="en-US" sz="3200" b="1" dirty="0"/>
+              </a:p>
+              <a:p>
+                <a:pPr marL="0" indent="0">
+                  <a:buNone/>
+                </a:pPr>
+                <a:r>
+                  <a:rPr lang="en-US" sz="3200" b="1" dirty="0" smtClean="0"/>
+                  <a:t>Note: If you graph f(x) and trace to the values, it is easier than actually plugging them in and evaluating – although it is the same answer</a:t>
+                </a:r>
+                <a:endParaRPr lang="en-US" sz="3000" dirty="0"/>
+              </a:p>
+            </p:txBody>
+          </p:sp>
+        </mc:Choice>
+        <mc:Fallback>
+          <p:sp>
+            <p:nvSpPr>
+              <p:cNvPr id="3" name="Content Placeholder 2"/>
+              <p:cNvSpPr>
+                <a:spLocks noGrp="1" noRot="1" noChangeAspect="1" noMove="1" noResize="1" noEditPoints="1" noAdjustHandles="1" noChangeArrowheads="1" noChangeShapeType="1" noTextEdit="1"/>
+              </p:cNvSpPr>
+              <p:nvPr>
+                <p:ph idx="1"/>
+              </p:nvPr>
+            </p:nvSpPr>
+            <p:spPr>
+              <a:xfrm>
+                <a:off x="599608" y="2278506"/>
+                <a:ext cx="11592392" cy="4579494"/>
+              </a:xfrm>
+              <a:blipFill rotWithShape="0">
+                <a:blip r:embed="rId2"/>
+                <a:stretch>
+                  <a:fillRect l="-1314" t="-3462" r="-946"/>
+                </a:stretch>
+              </a:blipFill>
+            </p:spPr>
+            <p:txBody>
+              <a:bodyPr/>
+              <a:lstStyle/>
+              <a:p>
+                <a:r>
+                  <a:rPr lang="en-US">
+                    <a:noFill/>
+                  </a:rPr>
+                  <a:t> </a:t>
+                </a:r>
+              </a:p>
+            </p:txBody>
+          </p:sp>
+        </mc:Fallback>
+      </mc:AlternateContent>
+    </p:spTree>
+    <p:extLst>
+      <p:ext uri="{BB962C8B-B14F-4D97-AF65-F5344CB8AC3E}">
+        <p14:creationId xmlns:p14="http://schemas.microsoft.com/office/powerpoint/2010/main" val="2414323866"/>
+      </p:ext>
+    </p:extLst>
+  </p:cSld>
+  <p:clrMapOvr>
+    <a:masterClrMapping/>
+  </p:clrMapOvr>
+  <p:timing>
+    <p:tnLst>
+      <p:par>
+        <p:cTn id="1" dur="indefinite" restart="never" nodeType="tmRoot"/>
+      </p:par>
+    </p:tnLst>
+  </p:timing>
+</p:sld>
+</file>
+
+<file path=ppt/slides/slide12.xml><?xml version="1.0" encoding="utf-8"?>
+<p:sld xmlns:a="http://schemas.openxmlformats.org/drawingml/2006/main" xmlns:r="http://schemas.openxmlformats.org/officeDocument/2006/relationships" xmlns:p="http://schemas.openxmlformats.org/presentationml/2006/main">
+  <p:cSld>
+    <p:spTree>
+      <p:nvGrpSpPr>
+        <p:cNvPr id="1" name=""/>
+        <p:cNvGrpSpPr/>
+        <p:nvPr/>
+      </p:nvGrpSpPr>
+      <p:grpSpPr>
+        <a:xfrm>
+          <a:off x="0" y="0"/>
+          <a:ext cx="0" cy="0"/>
+          <a:chOff x="0" y="0"/>
+          <a:chExt cx="0" cy="0"/>
+        </a:xfrm>
+      </p:grpSpPr>
+      <p:sp>
+        <p:nvSpPr>
+          <p:cNvPr id="2" name="Title 1"/>
+          <p:cNvSpPr>
+            <a:spLocks noGrp="1"/>
+          </p:cNvSpPr>
+          <p:nvPr>
+            <p:ph type="title"/>
+          </p:nvPr>
+        </p:nvSpPr>
+        <p:spPr>
+          <a:xfrm>
+            <a:off x="1371600" y="400987"/>
+            <a:ext cx="9601200" cy="1485900"/>
+          </a:xfrm>
+        </p:spPr>
+        <p:txBody>
+          <a:bodyPr>
+            <a:normAutofit/>
+          </a:bodyPr>
+          <a:lstStyle/>
+          <a:p>
+            <a:r>
+              <a:rPr lang="en-US" b="1" dirty="0" smtClean="0"/>
+              <a:t>Estimating </a:t>
+            </a:r>
+            <a:r>
+              <a:rPr lang="en-US" b="1" dirty="0"/>
+              <a:t>a Limit Numerically </a:t>
+            </a:r>
+            <a:r>
+              <a:rPr lang="en-US" b="1" dirty="0" smtClean="0"/>
+              <a:t/>
+            </a:r>
+            <a:br>
+              <a:rPr lang="en-US" b="1" dirty="0" smtClean="0"/>
+            </a:br>
+            <a:r>
+              <a:rPr lang="en-US" b="1" dirty="0" smtClean="0"/>
+              <a:t>(</a:t>
+            </a:r>
+            <a:r>
+              <a:rPr lang="en-US" b="1" dirty="0"/>
+              <a:t>whether f(x) at x = c exists or not)</a:t>
+            </a:r>
+            <a:endParaRPr lang="en-US" dirty="0"/>
+          </a:p>
+        </p:txBody>
+      </p:sp>
+      <mc:AlternateContent xmlns:mc="http://schemas.openxmlformats.org/markup-compatibility/2006">
+        <mc:Choice xmlns:a14="http://schemas.microsoft.com/office/drawing/2010/main" Requires="a14">
+          <p:sp>
+            <p:nvSpPr>
+              <p:cNvPr id="3" name="Content Placeholder 2"/>
+              <p:cNvSpPr>
+                <a:spLocks noGrp="1"/>
+              </p:cNvSpPr>
+              <p:nvPr>
+                <p:ph idx="1"/>
+              </p:nvPr>
+            </p:nvSpPr>
+            <p:spPr>
+              <a:xfrm>
+                <a:off x="599608" y="2299117"/>
+                <a:ext cx="11592392" cy="4558883"/>
+              </a:xfrm>
+            </p:spPr>
+            <p:txBody>
+              <a:bodyPr>
+                <a:normAutofit lnSpcReduction="10000"/>
+              </a:bodyPr>
+              <a:lstStyle/>
+              <a:p>
+                <a:pPr marL="0" indent="0">
+                  <a:buNone/>
+                </a:pPr>
+                <a:r>
+                  <a:rPr lang="en-US" sz="3200" b="1" dirty="0" smtClean="0"/>
+                  <a:t> Example </a:t>
+                </a:r>
+                <a:r>
+                  <a:rPr lang="en-US" sz="3200" b="1" dirty="0"/>
+                  <a:t>1</a:t>
+                </a:r>
+                <a:r>
+                  <a:rPr lang="en-US" sz="3200" b="1" dirty="0" smtClean="0"/>
+                  <a:t>:     </a:t>
+                </a:r>
+                <a14:m>
+                  <m:oMath xmlns:m="http://schemas.openxmlformats.org/officeDocument/2006/math">
+                    <m:func>
+                      <m:funcPr>
+                        <m:ctrlPr>
+                          <a:rPr lang="en-US" sz="3200" i="1">
+                            <a:latin typeface="Cambria Math" panose="02040503050406030204" pitchFamily="18" charset="0"/>
+                          </a:rPr>
+                        </m:ctrlPr>
+                      </m:funcPr>
+                      <m:fName>
+                        <m:limLow>
+                          <m:limLowPr>
+                            <m:ctrlPr>
+                              <a:rPr lang="en-US" sz="3200" i="1">
+                                <a:latin typeface="Cambria Math" panose="02040503050406030204" pitchFamily="18" charset="0"/>
+                              </a:rPr>
+                            </m:ctrlPr>
+                          </m:limLowPr>
+                          <m:e>
+                            <m:r>
+                              <a:rPr lang="en-US" sz="3200" i="1">
+                                <a:latin typeface="Cambria Math" panose="02040503050406030204" pitchFamily="18" charset="0"/>
+                              </a:rPr>
+                              <m:t>𝑙𝑖𝑚</m:t>
+                            </m:r>
+                          </m:e>
+                          <m:lim>
+                            <m:r>
+                              <a:rPr lang="en-US" sz="3200" i="1">
+                                <a:latin typeface="Cambria Math" panose="02040503050406030204" pitchFamily="18" charset="0"/>
+                              </a:rPr>
+                              <m:t>𝑥</m:t>
+                            </m:r>
+                            <m:r>
+                              <a:rPr lang="en-US" sz="3200" i="1">
+                                <a:latin typeface="Cambria Math" panose="02040503050406030204" pitchFamily="18" charset="0"/>
+                              </a:rPr>
+                              <m:t>→2</m:t>
+                            </m:r>
+                          </m:lim>
+                        </m:limLow>
+                      </m:fName>
+                      <m:e>
+                        <m:r>
+                          <a:rPr lang="en-US" sz="3200" i="1">
+                            <a:latin typeface="Cambria Math" panose="02040503050406030204" pitchFamily="18" charset="0"/>
+                          </a:rPr>
+                          <m:t> (3</m:t>
+                        </m:r>
+                        <m:r>
+                          <a:rPr lang="en-US" sz="3200" i="1">
+                            <a:latin typeface="Cambria Math" panose="02040503050406030204" pitchFamily="18" charset="0"/>
+                          </a:rPr>
+                          <m:t>𝑥</m:t>
+                        </m:r>
+                        <m:r>
+                          <a:rPr lang="en-US" sz="3200" i="1">
+                            <a:latin typeface="Cambria Math" panose="02040503050406030204" pitchFamily="18" charset="0"/>
+                          </a:rPr>
+                          <m:t>−2)</m:t>
+                        </m:r>
+                      </m:e>
+                    </m:func>
+                  </m:oMath>
+                </a14:m>
+                <a:endParaRPr lang="en-US" sz="3000" dirty="0" smtClean="0"/>
+              </a:p>
+              <a:p>
+                <a:endParaRPr lang="en-US" sz="3000" dirty="0"/>
+              </a:p>
+              <a:p>
+                <a:pPr marL="0" indent="0">
+                  <a:buNone/>
+                </a:pPr>
+                <a:r>
+                  <a:rPr lang="en-US" sz="3200" b="1" u="sng" dirty="0"/>
+                  <a:t> </a:t>
+                </a:r>
+                <a:r>
+                  <a:rPr lang="en-US" sz="3200" b="1" u="sng" dirty="0" smtClean="0"/>
+                  <a:t>   x   |</a:t>
+                </a:r>
+                <a:r>
+                  <a:rPr lang="en-US" sz="3200" u="sng" dirty="0" smtClean="0"/>
+                  <a:t>1.9</a:t>
+                </a:r>
+                <a:r>
+                  <a:rPr lang="en-US" sz="3200" u="sng" dirty="0"/>
+                  <a:t>	    1.99	 1.999	</a:t>
+                </a:r>
+                <a:r>
+                  <a:rPr lang="en-US" sz="3200" b="1" u="sng" dirty="0"/>
+                  <a:t>2.0</a:t>
+                </a:r>
+                <a:r>
+                  <a:rPr lang="en-US" sz="3200" u="sng" dirty="0"/>
+                  <a:t>	</a:t>
+                </a:r>
+                <a:r>
+                  <a:rPr lang="en-US" sz="3200" u="sng" dirty="0" smtClean="0"/>
+                  <a:t> 2.001</a:t>
+                </a:r>
+                <a:r>
+                  <a:rPr lang="en-US" sz="3200" u="sng" dirty="0"/>
+                  <a:t>	2.01		2.1</a:t>
+                </a:r>
+                <a:endParaRPr lang="en-US" sz="3200" dirty="0"/>
+              </a:p>
+              <a:p>
+                <a:pPr marL="0" indent="0">
+                  <a:buNone/>
+                </a:pPr>
+                <a:r>
+                  <a:rPr lang="en-US" sz="3200" b="1" dirty="0" smtClean="0"/>
+                  <a:t>  f(x</a:t>
+                </a:r>
+                <a:r>
+                  <a:rPr lang="en-US" sz="3200" b="1" dirty="0"/>
+                  <a:t>) </a:t>
+                </a:r>
+                <a:r>
+                  <a:rPr lang="en-US" sz="3200" b="1" dirty="0" smtClean="0"/>
+                  <a:t>|</a:t>
+                </a:r>
+                <a:r>
+                  <a:rPr lang="en-US" sz="3200" dirty="0" smtClean="0"/>
+                  <a:t>3.7</a:t>
+                </a:r>
+                <a:r>
+                  <a:rPr lang="en-US" sz="3200" dirty="0"/>
+                  <a:t>	    3.97	 </a:t>
+                </a:r>
+                <a:r>
+                  <a:rPr lang="en-US" sz="3200" dirty="0" smtClean="0"/>
+                  <a:t>3.997     ____    4.003</a:t>
+                </a:r>
+                <a:r>
+                  <a:rPr lang="en-US" sz="3200" dirty="0"/>
+                  <a:t>	4.03		</a:t>
+                </a:r>
+                <a:r>
+                  <a:rPr lang="en-US" sz="3200" dirty="0" smtClean="0"/>
+                  <a:t>4.3</a:t>
+                </a:r>
+              </a:p>
+              <a:p>
+                <a:endParaRPr lang="en-US" sz="3200" dirty="0"/>
+              </a:p>
+              <a:p>
+                <a:pPr marL="0" indent="0">
+                  <a:buNone/>
+                </a:pPr>
+                <a:r>
+                  <a:rPr lang="en-US" sz="3200" dirty="0" smtClean="0"/>
+                  <a:t>  Two </a:t>
+                </a:r>
+                <a:r>
+                  <a:rPr lang="en-US" sz="3200" dirty="0"/>
+                  <a:t>sets (one from both the left and the right) of x-values </a:t>
+                </a:r>
+                <a:r>
+                  <a:rPr lang="en-US" sz="3200" dirty="0" smtClean="0"/>
+                  <a:t> </a:t>
+                </a:r>
+                <a:br>
+                  <a:rPr lang="en-US" sz="3200" dirty="0" smtClean="0"/>
+                </a:br>
+                <a:r>
+                  <a:rPr lang="en-US" sz="3200" dirty="0" smtClean="0"/>
+                  <a:t>  approach </a:t>
+                </a:r>
+                <a:r>
+                  <a:rPr lang="en-US" sz="3200" dirty="0"/>
+                  <a:t>4</a:t>
+                </a:r>
+                <a:r>
+                  <a:rPr lang="en-US" sz="3200" dirty="0" smtClean="0"/>
+                  <a:t>… so we can now say the </a:t>
+                </a:r>
+                <a14:m>
+                  <m:oMath xmlns:m="http://schemas.openxmlformats.org/officeDocument/2006/math">
+                    <m:func>
+                      <m:funcPr>
+                        <m:ctrlPr>
+                          <a:rPr lang="en-US" sz="2800" i="1">
+                            <a:latin typeface="Cambria Math" panose="02040503050406030204" pitchFamily="18" charset="0"/>
+                          </a:rPr>
+                        </m:ctrlPr>
+                      </m:funcPr>
+                      <m:fName>
+                        <m:limLow>
+                          <m:limLowPr>
+                            <m:ctrlPr>
+                              <a:rPr lang="en-US" sz="2800" i="1">
+                                <a:latin typeface="Cambria Math" panose="02040503050406030204" pitchFamily="18" charset="0"/>
+                              </a:rPr>
+                            </m:ctrlPr>
+                          </m:limLowPr>
+                          <m:e>
+                            <m:r>
+                              <a:rPr lang="en-US" sz="2800" i="1">
+                                <a:latin typeface="Cambria Math" panose="02040503050406030204" pitchFamily="18" charset="0"/>
+                              </a:rPr>
+                              <m:t>𝑙𝑖𝑚</m:t>
+                            </m:r>
+                          </m:e>
+                          <m:lim>
+                            <m:r>
+                              <a:rPr lang="en-US" sz="2800" i="1">
+                                <a:latin typeface="Cambria Math" panose="02040503050406030204" pitchFamily="18" charset="0"/>
+                              </a:rPr>
+                              <m:t>𝑥</m:t>
+                            </m:r>
+                            <m:r>
+                              <a:rPr lang="en-US" sz="2800" i="1">
+                                <a:latin typeface="Cambria Math" panose="02040503050406030204" pitchFamily="18" charset="0"/>
+                              </a:rPr>
+                              <m:t>→2</m:t>
+                            </m:r>
+                          </m:lim>
+                        </m:limLow>
+                      </m:fName>
+                      <m:e>
+                        <m:r>
+                          <a:rPr lang="en-US" sz="2800" i="1">
+                            <a:latin typeface="Cambria Math" panose="02040503050406030204" pitchFamily="18" charset="0"/>
+                          </a:rPr>
+                          <m:t> </m:t>
+                        </m:r>
+                        <m:d>
+                          <m:dPr>
+                            <m:ctrlPr>
+                              <a:rPr lang="en-US" sz="2800" i="1">
+                                <a:latin typeface="Cambria Math" panose="02040503050406030204" pitchFamily="18" charset="0"/>
+                              </a:rPr>
+                            </m:ctrlPr>
+                          </m:dPr>
+                          <m:e>
+                            <m:r>
+                              <a:rPr lang="en-US" sz="2800" i="1">
+                                <a:latin typeface="Cambria Math" panose="02040503050406030204" pitchFamily="18" charset="0"/>
+                              </a:rPr>
+                              <m:t>3</m:t>
+                            </m:r>
+                            <m:r>
+                              <a:rPr lang="en-US" sz="2800" i="1">
+                                <a:latin typeface="Cambria Math" panose="02040503050406030204" pitchFamily="18" charset="0"/>
+                              </a:rPr>
+                              <m:t>𝑥</m:t>
+                            </m:r>
+                            <m:r>
+                              <a:rPr lang="en-US" sz="2800" i="1">
+                                <a:latin typeface="Cambria Math" panose="02040503050406030204" pitchFamily="18" charset="0"/>
+                              </a:rPr>
+                              <m:t>−2</m:t>
+                            </m:r>
+                          </m:e>
+                        </m:d>
+                        <m:r>
+                          <a:rPr lang="en-US" sz="2800" b="0" i="1" smtClean="0">
+                            <a:latin typeface="Cambria Math" panose="02040503050406030204" pitchFamily="18" charset="0"/>
+                          </a:rPr>
+                          <m:t>=4</m:t>
+                        </m:r>
+                      </m:e>
+                    </m:func>
+                  </m:oMath>
+                </a14:m>
+                <a:r>
+                  <a:rPr lang="en-US" sz="3000" dirty="0" smtClean="0"/>
+                  <a:t> (but we   </a:t>
+                </a:r>
+                <a:br>
+                  <a:rPr lang="en-US" sz="3000" dirty="0" smtClean="0"/>
+                </a:br>
+                <a:r>
+                  <a:rPr lang="en-US" sz="3000" dirty="0" smtClean="0"/>
+                  <a:t>  already knew that right?)</a:t>
+                </a:r>
+                <a:endParaRPr lang="en-US" sz="3000" dirty="0"/>
+              </a:p>
+            </p:txBody>
+          </p:sp>
+        </mc:Choice>
+        <mc:Fallback>
+          <p:sp>
+            <p:nvSpPr>
+              <p:cNvPr id="3" name="Content Placeholder 2"/>
+              <p:cNvSpPr>
+                <a:spLocks noGrp="1" noRot="1" noChangeAspect="1" noMove="1" noResize="1" noEditPoints="1" noAdjustHandles="1" noChangeArrowheads="1" noChangeShapeType="1" noTextEdit="1"/>
+              </p:cNvSpPr>
+              <p:nvPr>
+                <p:ph idx="1"/>
+              </p:nvPr>
+            </p:nvSpPr>
+            <p:spPr>
+              <a:xfrm>
+                <a:off x="599608" y="2299117"/>
+                <a:ext cx="11592392" cy="4558883"/>
+              </a:xfrm>
+              <a:blipFill rotWithShape="0">
+                <a:blip r:embed="rId2"/>
+                <a:stretch>
+                  <a:fillRect l="-421" t="-3476"/>
+                </a:stretch>
+              </a:blipFill>
+            </p:spPr>
+            <p:txBody>
+              <a:bodyPr/>
+              <a:lstStyle/>
+              <a:p>
+                <a:r>
+                  <a:rPr lang="en-US">
+                    <a:noFill/>
+                  </a:rPr>
+                  <a:t> </a:t>
+                </a:r>
+              </a:p>
+            </p:txBody>
+          </p:sp>
+        </mc:Fallback>
+      </mc:AlternateContent>
+    </p:spTree>
+    <p:extLst>
+      <p:ext uri="{BB962C8B-B14F-4D97-AF65-F5344CB8AC3E}">
+        <p14:creationId xmlns:p14="http://schemas.microsoft.com/office/powerpoint/2010/main" val="3265417302"/>
+      </p:ext>
+    </p:extLst>
+  </p:cSld>
+  <p:clrMapOvr>
+    <a:masterClrMapping/>
+  </p:clrMapOvr>
+  <p:timing>
+    <p:tnLst>
+      <p:par>
+        <p:cTn id="1" dur="indefinite" restart="never" nodeType="tmRoot"/>
+      </p:par>
+    </p:tnLst>
+  </p:timing>
+</p:sld>
+</file>
+
+<file path=ppt/slides/slide13.xml><?xml version="1.0" encoding="utf-8"?>
+<p:sld xmlns:a="http://schemas.openxmlformats.org/drawingml/2006/main" xmlns:r="http://schemas.openxmlformats.org/officeDocument/2006/relationships" xmlns:p="http://schemas.openxmlformats.org/presentationml/2006/main">
+  <p:cSld>
+    <p:spTree>
+      <p:nvGrpSpPr>
+        <p:cNvPr id="1" name=""/>
+        <p:cNvGrpSpPr/>
+        <p:nvPr/>
+      </p:nvGrpSpPr>
+      <p:grpSpPr>
+        <a:xfrm>
+          <a:off x="0" y="0"/>
+          <a:ext cx="0" cy="0"/>
+          <a:chOff x="0" y="0"/>
+          <a:chExt cx="0" cy="0"/>
+        </a:xfrm>
+      </p:grpSpPr>
+      <p:sp>
+        <p:nvSpPr>
+          <p:cNvPr id="2" name="Title 1"/>
+          <p:cNvSpPr>
+            <a:spLocks noGrp="1"/>
+          </p:cNvSpPr>
+          <p:nvPr>
+            <p:ph type="title"/>
+          </p:nvPr>
+        </p:nvSpPr>
+        <p:spPr/>
+        <p:txBody>
+          <a:bodyPr/>
+          <a:lstStyle/>
+          <a:p>
+            <a:r>
+              <a:rPr lang="en-US" dirty="0" smtClean="0"/>
+              <a:t>Example 1 Solution: </a:t>
+            </a:r>
+            <a:endParaRPr lang="en-US" dirty="0"/>
+          </a:p>
+        </p:txBody>
+      </p:sp>
+      <mc:AlternateContent xmlns:mc="http://schemas.openxmlformats.org/markup-compatibility/2006">
+        <mc:Choice xmlns:a14="http://schemas.microsoft.com/office/drawing/2010/main" Requires="a14">
+          <p:sp>
+            <p:nvSpPr>
+              <p:cNvPr id="3" name="Content Placeholder 2"/>
+              <p:cNvSpPr>
+                <a:spLocks noGrp="1"/>
+              </p:cNvSpPr>
+              <p:nvPr>
+                <p:ph idx="1"/>
+              </p:nvPr>
+            </p:nvSpPr>
+            <p:spPr>
+              <a:xfrm>
+                <a:off x="1371600" y="2286000"/>
+                <a:ext cx="9601200" cy="4572000"/>
+              </a:xfrm>
+            </p:spPr>
+            <p:txBody>
+              <a:bodyPr>
+                <a:normAutofit/>
+              </a:bodyPr>
+              <a:lstStyle/>
+              <a:p>
+                <a:pPr marL="0" indent="0">
+                  <a:buNone/>
+                </a:pPr>
+                <a14:m>
+                  <m:oMathPara xmlns:m="http://schemas.openxmlformats.org/officeDocument/2006/math">
+                    <m:oMathParaPr>
+                      <m:jc m:val="left"/>
+                    </m:oMathParaPr>
+                    <m:oMath xmlns:m="http://schemas.openxmlformats.org/officeDocument/2006/math">
+                      <m:func>
+                        <m:funcPr>
+                          <m:ctrlPr>
+                            <a:rPr lang="en-US" sz="3400" b="1" i="1">
+                              <a:latin typeface="Cambria Math" panose="02040503050406030204" pitchFamily="18" charset="0"/>
+                            </a:rPr>
+                          </m:ctrlPr>
+                        </m:funcPr>
+                        <m:fName>
+                          <m:limLow>
+                            <m:limLowPr>
+                              <m:ctrlPr>
+                                <a:rPr lang="en-US" sz="3400" b="1" i="1">
+                                  <a:latin typeface="Cambria Math" panose="02040503050406030204" pitchFamily="18" charset="0"/>
+                                </a:rPr>
+                              </m:ctrlPr>
+                            </m:limLowPr>
+                            <m:e>
+                              <m:r>
+                                <a:rPr lang="en-US" sz="3400" b="1" i="1">
+                                  <a:latin typeface="Cambria Math" panose="02040503050406030204" pitchFamily="18" charset="0"/>
+                                </a:rPr>
+                                <m:t>𝒍𝒊𝒎</m:t>
+                              </m:r>
+                            </m:e>
+                            <m:lim>
+                              <m:r>
+                                <a:rPr lang="en-US" sz="3400" b="1" i="1">
+                                  <a:latin typeface="Cambria Math" panose="02040503050406030204" pitchFamily="18" charset="0"/>
+                                </a:rPr>
+                                <m:t>𝒙</m:t>
+                              </m:r>
+                              <m:r>
+                                <a:rPr lang="en-US" sz="3400" b="1" i="1">
+                                  <a:latin typeface="Cambria Math" panose="02040503050406030204" pitchFamily="18" charset="0"/>
+                                </a:rPr>
+                                <m:t>→</m:t>
+                              </m:r>
+                              <m:r>
+                                <a:rPr lang="en-US" sz="3400" b="1" i="1">
+                                  <a:latin typeface="Cambria Math" panose="02040503050406030204" pitchFamily="18" charset="0"/>
+                                </a:rPr>
+                                <m:t>𝟐</m:t>
+                              </m:r>
+                            </m:lim>
+                          </m:limLow>
+                        </m:fName>
+                        <m:e>
+                          <m:r>
+                            <a:rPr lang="en-US" sz="3400" b="1" i="1">
+                              <a:latin typeface="Cambria Math" panose="02040503050406030204" pitchFamily="18" charset="0"/>
+                            </a:rPr>
+                            <m:t> (</m:t>
+                          </m:r>
+                          <m:r>
+                            <a:rPr lang="en-US" sz="3400" b="1" i="1">
+                              <a:latin typeface="Cambria Math" panose="02040503050406030204" pitchFamily="18" charset="0"/>
+                            </a:rPr>
+                            <m:t>𝟑</m:t>
+                          </m:r>
+                          <m:r>
+                            <a:rPr lang="en-US" sz="3400" b="1" i="1">
+                              <a:latin typeface="Cambria Math" panose="02040503050406030204" pitchFamily="18" charset="0"/>
+                            </a:rPr>
+                            <m:t>𝒙</m:t>
+                          </m:r>
+                          <m:r>
+                            <a:rPr lang="en-US" sz="3400" b="1" i="1">
+                              <a:latin typeface="Cambria Math" panose="02040503050406030204" pitchFamily="18" charset="0"/>
+                            </a:rPr>
+                            <m:t>−</m:t>
+                          </m:r>
+                          <m:r>
+                            <a:rPr lang="en-US" sz="3400" b="1" i="1">
+                              <a:latin typeface="Cambria Math" panose="02040503050406030204" pitchFamily="18" charset="0"/>
+                            </a:rPr>
+                            <m:t>𝟐</m:t>
+                          </m:r>
+                          <m:r>
+                            <a:rPr lang="en-US" sz="3400" b="1" i="1">
+                              <a:latin typeface="Cambria Math" panose="02040503050406030204" pitchFamily="18" charset="0"/>
+                            </a:rPr>
+                            <m:t>)</m:t>
+                          </m:r>
+                        </m:e>
+                      </m:func>
+                      <m:r>
+                        <a:rPr lang="en-US" sz="3400" b="1" i="1">
+                          <a:latin typeface="Cambria Math" panose="02040503050406030204" pitchFamily="18" charset="0"/>
+                        </a:rPr>
+                        <m:t>=</m:t>
+                      </m:r>
+                      <m:r>
+                        <a:rPr lang="en-US" sz="3400" b="1" i="1">
+                          <a:latin typeface="Cambria Math" panose="02040503050406030204" pitchFamily="18" charset="0"/>
+                        </a:rPr>
+                        <m:t>𝟒</m:t>
+                      </m:r>
+                    </m:oMath>
+                  </m:oMathPara>
+                </a14:m>
+                <a:endParaRPr lang="en-US" sz="3400" dirty="0"/>
+              </a:p>
+              <a:p>
+                <a:endParaRPr lang="en-US" sz="3400" dirty="0"/>
+              </a:p>
+              <a:p>
+                <a:pPr>
+                  <a:buFont typeface="Arial" panose="020B0604020202020204" pitchFamily="34" charset="0"/>
+                  <a:buChar char="•"/>
+                </a:pPr>
+                <a:r>
+                  <a:rPr lang="en-US" sz="3400" dirty="0" smtClean="0"/>
+                  <a:t>Note</a:t>
+                </a:r>
+                <a:r>
+                  <a:rPr lang="en-US" sz="3400" dirty="0"/>
+                  <a:t>: You can find the limit with direct substitution 3(2) – 2 = </a:t>
+                </a:r>
+                <a:r>
+                  <a:rPr lang="en-US" sz="3400" dirty="0" smtClean="0"/>
+                  <a:t>4</a:t>
+                </a:r>
+              </a:p>
+              <a:p>
+                <a:pPr>
+                  <a:buFont typeface="Arial" panose="020B0604020202020204" pitchFamily="34" charset="0"/>
+                  <a:buChar char="•"/>
+                </a:pPr>
+                <a:endParaRPr lang="en-US" sz="3400" dirty="0"/>
+              </a:p>
+              <a:p>
+                <a:pPr>
+                  <a:buFont typeface="Arial" panose="020B0604020202020204" pitchFamily="34" charset="0"/>
+                  <a:buChar char="•"/>
+                </a:pPr>
+                <a:r>
+                  <a:rPr lang="en-US" sz="3400" dirty="0" smtClean="0"/>
+                  <a:t>So using a limit was not necessary here… lets explore when it is necessary now…  </a:t>
+                </a:r>
+                <a:endParaRPr lang="en-US" dirty="0"/>
+              </a:p>
+            </p:txBody>
+          </p:sp>
+        </mc:Choice>
+        <mc:Fallback>
+          <p:sp>
+            <p:nvSpPr>
+              <p:cNvPr id="3" name="Content Placeholder 2"/>
+              <p:cNvSpPr>
+                <a:spLocks noGrp="1" noRot="1" noChangeAspect="1" noMove="1" noResize="1" noEditPoints="1" noAdjustHandles="1" noChangeArrowheads="1" noChangeShapeType="1" noTextEdit="1"/>
+              </p:cNvSpPr>
+              <p:nvPr>
+                <p:ph idx="1"/>
+              </p:nvPr>
+            </p:nvSpPr>
+            <p:spPr>
+              <a:xfrm>
+                <a:off x="1371600" y="2286000"/>
+                <a:ext cx="9601200" cy="4572000"/>
+              </a:xfrm>
+              <a:blipFill rotWithShape="0">
+                <a:blip r:embed="rId2"/>
+                <a:stretch>
+                  <a:fillRect l="-1587"/>
+                </a:stretch>
+              </a:blipFill>
+            </p:spPr>
+            <p:txBody>
+              <a:bodyPr/>
+              <a:lstStyle/>
+              <a:p>
+                <a:r>
+                  <a:rPr lang="en-US">
+                    <a:noFill/>
+                  </a:rPr>
+                  <a:t> </a:t>
+                </a:r>
+              </a:p>
+            </p:txBody>
+          </p:sp>
+        </mc:Fallback>
+      </mc:AlternateContent>
+    </p:spTree>
+    <p:extLst>
+      <p:ext uri="{BB962C8B-B14F-4D97-AF65-F5344CB8AC3E}">
+        <p14:creationId xmlns:p14="http://schemas.microsoft.com/office/powerpoint/2010/main" val="2255725310"/>
+      </p:ext>
+    </p:extLst>
+  </p:cSld>
+  <p:clrMapOvr>
+    <a:masterClrMapping/>
+  </p:clrMapOvr>
+  <p:timing>
+    <p:tnLst>
+      <p:par>
+        <p:cTn id="1" dur="indefinite" restart="never" nodeType="tmRoot"/>
+      </p:par>
+    </p:tnLst>
+  </p:timing>
+</p:sld>
+</file>
+
+<file path=ppt/slides/slide14.xml><?xml version="1.0" encoding="utf-8"?>
 <p:sld xmlns:a="http://schemas.openxmlformats.org/drawingml/2006/main" xmlns:r="http://schemas.openxmlformats.org/officeDocument/2006/relationships" xmlns:p="http://schemas.openxmlformats.org/presentationml/2006/main">
   <p:cSld>
     <p:spTree>
@@ -4257,7 +5461,7 @@
         <p:spPr>
           <a:xfrm>
             <a:off x="719528" y="3117954"/>
-            <a:ext cx="11472472" cy="2749446"/>
+            <a:ext cx="11472472" cy="3740046"/>
           </a:xfrm>
         </p:spPr>
         <p:txBody>
@@ -4313,6 +5517,23 @@
               <a:rPr lang="en-US" dirty="0"/>
               <a:t> </a:t>
             </a:r>
+            <a:endParaRPr lang="en-US" dirty="0" smtClean="0"/>
+          </a:p>
+          <a:p>
+            <a:pPr marL="0" indent="0">
+              <a:buNone/>
+            </a:pPr>
+            <a:endParaRPr lang="en-US" dirty="0"/>
+          </a:p>
+          <a:p>
+            <a:pPr marL="0" indent="0">
+              <a:buNone/>
+            </a:pPr>
+            <a:r>
+              <a:rPr lang="en-US" sz="2400" dirty="0" smtClean="0"/>
+              <a:t>Note: If you try and plug 2 in for now… you will get an error  (you can NOT divide by zero!!!)  So now we must check what the values really close to 2 are equal to and see if we can notice a pattern, or find a number that they are approaching!</a:t>
+            </a:r>
+            <a:endParaRPr lang="en-US" sz="2400" dirty="0"/>
           </a:p>
         </p:txBody>
       </p:sp>
@@ -4336,7 +5557,7 @@
 </p:sld>
 </file>
 
-<file path=ppt/slides/slide11.xml><?xml version="1.0" encoding="utf-8"?>
+<file path=ppt/slides/slide15.xml><?xml version="1.0" encoding="utf-8"?>
 <p:sld xmlns:a="http://schemas.openxmlformats.org/drawingml/2006/main" xmlns:r="http://schemas.openxmlformats.org/officeDocument/2006/relationships" xmlns:p="http://schemas.openxmlformats.org/presentationml/2006/main">
   <p:cSld>
     <p:spTree>
@@ -4546,7 +5767,7 @@
         <p:spPr>
           <a:xfrm>
             <a:off x="719528" y="2998032"/>
-            <a:ext cx="11472472" cy="2869367"/>
+            <a:ext cx="11472472" cy="3859968"/>
           </a:xfrm>
         </p:spPr>
         <p:txBody>
@@ -4653,6 +5874,32 @@
               <a:rPr lang="en-US" dirty="0"/>
               <a:t> </a:t>
             </a:r>
+            <a:endParaRPr lang="en-US" dirty="0" smtClean="0"/>
+          </a:p>
+          <a:p>
+            <a:pPr marL="0" indent="0">
+              <a:buNone/>
+            </a:pPr>
+            <a:endParaRPr lang="en-US" sz="2400" dirty="0"/>
+          </a:p>
+          <a:p>
+            <a:pPr marL="0" indent="0">
+              <a:buNone/>
+            </a:pPr>
+            <a:r>
+              <a:rPr lang="en-US" sz="2400" dirty="0" smtClean="0"/>
+              <a:t>Note: If you can’t tell what it is approaching… pick some numbers even closer to 2… like 1.999999999 and 2.00000001 and see what they equal.</a:t>
+            </a:r>
+          </a:p>
+          <a:p>
+            <a:pPr marL="0" indent="0">
+              <a:buNone/>
+            </a:pPr>
+            <a:r>
+              <a:rPr lang="en-US" sz="2400" dirty="0" smtClean="0"/>
+              <a:t>It appears that the limit is approaching 0.25</a:t>
+            </a:r>
+            <a:endParaRPr lang="en-US" sz="2400" dirty="0"/>
           </a:p>
         </p:txBody>
       </p:sp>
@@ -4676,7 +5923,7 @@
 </p:sld>
 </file>
 
-<file path=ppt/slides/slide12.xml><?xml version="1.0" encoding="utf-8"?>
+<file path=ppt/slides/slide16.xml><?xml version="1.0" encoding="utf-8"?>
 <p:sld xmlns:a="http://schemas.openxmlformats.org/drawingml/2006/main" xmlns:r="http://schemas.openxmlformats.org/officeDocument/2006/relationships" xmlns:p="http://schemas.openxmlformats.org/presentationml/2006/main">
   <p:cSld>
     <p:spTree>
@@ -4716,8 +5963,8 @@
           </a:p>
         </p:txBody>
       </p:sp>
-      <mc:AlternateContent xmlns:mc="http://schemas.openxmlformats.org/markup-compatibility/2006" xmlns:a14="http://schemas.microsoft.com/office/drawing/2010/main">
-        <mc:Choice Requires="a14">
+      <mc:AlternateContent xmlns:mc="http://schemas.openxmlformats.org/markup-compatibility/2006">
+        <mc:Choice xmlns:a14="http://schemas.microsoft.com/office/drawing/2010/main" Requires="a14">
           <p:sp>
             <p:nvSpPr>
               <p:cNvPr id="3" name="Content Placeholder 2"/>
@@ -4730,13 +5977,13 @@
             </p:nvSpPr>
             <p:spPr>
               <a:xfrm>
-                <a:off x="884420" y="2286000"/>
-                <a:ext cx="11017770" cy="4279692"/>
+                <a:off x="884420" y="1499016"/>
+                <a:ext cx="11017770" cy="5358984"/>
               </a:xfrm>
             </p:spPr>
             <p:txBody>
               <a:bodyPr>
-                <a:normAutofit fontScale="92500" lnSpcReduction="10000"/>
+                <a:normAutofit lnSpcReduction="10000"/>
               </a:bodyPr>
               <a:lstStyle/>
               <a:p>
@@ -4940,8 +6187,20 @@
                 </a:pPr>
                 <a:r>
                   <a:rPr lang="en-US" sz="3400" dirty="0"/>
-                  <a:t>Even though x=2 is undefined we say the limit as x approaches 2 is 0.25</a:t>
-                </a:r>
+                  <a:t>Even though x=2 is undefined we say the limit as x approaches 2 is </a:t>
+                </a:r>
+                <a:r>
+                  <a:rPr lang="en-US" sz="3400" dirty="0" smtClean="0"/>
+                  <a:t>0.25… in other words, we can’t plug in </a:t>
+                </a:r>
+                <a:br>
+                  <a:rPr lang="en-US" sz="3400" dirty="0" smtClean="0"/>
+                </a:br>
+                <a:r>
+                  <a:rPr lang="en-US" sz="3400" dirty="0" smtClean="0"/>
+                  <a:t>x = 2, but if we could the answer would be 0.25</a:t>
+                </a:r>
+                <a:endParaRPr lang="en-US" sz="3400" dirty="0"/>
               </a:p>
               <a:p>
                 <a:pPr marL="0" indent="0">
@@ -4952,7 +6211,7 @@
             </p:txBody>
           </p:sp>
         </mc:Choice>
-        <mc:Fallback xmlns="">
+        <mc:Fallback>
           <p:sp>
             <p:nvSpPr>
               <p:cNvPr id="3" name="Content Placeholder 2"/>
@@ -4965,13 +6224,13 @@
             </p:nvSpPr>
             <p:spPr>
               <a:xfrm>
-                <a:off x="884420" y="2286000"/>
-                <a:ext cx="11017770" cy="4279692"/>
+                <a:off x="884420" y="1499016"/>
+                <a:ext cx="11017770" cy="5358984"/>
               </a:xfrm>
               <a:blipFill rotWithShape="0">
                 <a:blip r:embed="rId2"/>
                 <a:stretch>
-                  <a:fillRect l="-1328" t="-3561" r="-1273" b="-3561"/>
+                  <a:fillRect l="-1550" t="-3185"/>
                 </a:stretch>
               </a:blipFill>
             </p:spPr>
@@ -5010,7 +6269,7 @@
 </p:sld>
 </file>
 
-<file path=ppt/slides/slide13.xml><?xml version="1.0" encoding="utf-8"?>
+<file path=ppt/slides/slide17.xml><?xml version="1.0" encoding="utf-8"?>
 <p:sld xmlns:a="http://schemas.openxmlformats.org/drawingml/2006/main" xmlns:r="http://schemas.openxmlformats.org/officeDocument/2006/relationships" xmlns:p="http://schemas.openxmlformats.org/presentationml/2006/main">
   <p:cSld>
     <p:spTree>
@@ -5264,8 +6523,8 @@
           </p:sp>
         </mc:Fallback>
       </mc:AlternateContent>
-      <mc:AlternateContent xmlns:mc="http://schemas.openxmlformats.org/markup-compatibility/2006" xmlns:a14="http://schemas.microsoft.com/office/drawing/2010/main">
-        <mc:Choice Requires="a14">
+      <mc:AlternateContent xmlns:mc="http://schemas.openxmlformats.org/markup-compatibility/2006">
+        <mc:Choice xmlns:a14="http://schemas.microsoft.com/office/drawing/2010/main" Requires="a14">
           <p:sp>
             <p:nvSpPr>
               <p:cNvPr id="3" name="Content Placeholder 2"/>
@@ -5470,27 +6729,191 @@
                 </a14:m>
                 <a:r>
                   <a:rPr lang="en-US" sz="3000" dirty="0"/>
-                  <a:t>  	does not exists…</a:t>
-                </a:r>
-                <a:br>
+                  <a:t>  </a:t>
+                </a:r>
+                <a:r>
+                  <a:rPr lang="en-US" sz="3000" dirty="0" smtClean="0"/>
+                  <a:t>= ???</a:t>
+                </a:r>
+              </a:p>
+              <a:p>
+                <a:pPr marL="0" indent="0">
+                  <a:buNone/>
+                </a:pPr>
+                <a:endParaRPr lang="en-US" sz="3000" dirty="0"/>
+              </a:p>
+              <a:p>
+                <a:pPr marL="0" indent="0">
+                  <a:buNone/>
+                </a:pPr>
+                <a14:m>
+                  <m:oMathPara xmlns:m="http://schemas.openxmlformats.org/officeDocument/2006/math">
+                    <m:oMathParaPr>
+                      <m:jc m:val="centerGroup"/>
+                    </m:oMathParaPr>
+                    <m:oMath xmlns:m="http://schemas.openxmlformats.org/officeDocument/2006/math">
+                      <m:r>
+                        <a:rPr lang="en-US" sz="3000" i="1">
+                          <a:latin typeface="Cambria Math" panose="02040503050406030204" pitchFamily="18" charset="0"/>
+                        </a:rPr>
+                        <m:t>𝑁𝑜𝑡𝑒</m:t>
+                      </m:r>
+                      <m:r>
+                        <a:rPr lang="en-US" sz="3000" i="1">
+                          <a:latin typeface="Cambria Math" panose="02040503050406030204" pitchFamily="18" charset="0"/>
+                        </a:rPr>
+                        <m:t>:</m:t>
+                      </m:r>
+                      <m:r>
+                        <a:rPr lang="en-US" sz="3000" i="1">
+                          <a:latin typeface="Cambria Math" panose="02040503050406030204" pitchFamily="18" charset="0"/>
+                        </a:rPr>
+                        <m:t>𝐴𝑟𝑒</m:t>
+                      </m:r>
+                      <m:r>
+                        <a:rPr lang="en-US" sz="3000" i="1">
+                          <a:latin typeface="Cambria Math" panose="02040503050406030204" pitchFamily="18" charset="0"/>
+                        </a:rPr>
+                        <m:t> </m:t>
+                      </m:r>
+                      <m:r>
+                        <a:rPr lang="en-US" sz="3000" i="1">
+                          <a:latin typeface="Cambria Math" panose="02040503050406030204" pitchFamily="18" charset="0"/>
+                        </a:rPr>
+                        <m:t>𝑤𝑒</m:t>
+                      </m:r>
+                      <m:r>
+                        <a:rPr lang="en-US" sz="3000" i="1">
+                          <a:latin typeface="Cambria Math" panose="02040503050406030204" pitchFamily="18" charset="0"/>
+                        </a:rPr>
+                        <m:t> </m:t>
+                      </m:r>
+                      <m:r>
+                        <a:rPr lang="en-US" sz="3000" i="1">
+                          <a:latin typeface="Cambria Math" panose="02040503050406030204" pitchFamily="18" charset="0"/>
+                        </a:rPr>
+                        <m:t>𝑎𝑏𝑙𝑒</m:t>
+                      </m:r>
+                      <m:r>
+                        <a:rPr lang="en-US" sz="3000" i="1">
+                          <a:latin typeface="Cambria Math" panose="02040503050406030204" pitchFamily="18" charset="0"/>
+                        </a:rPr>
+                        <m:t> </m:t>
+                      </m:r>
+                      <m:r>
+                        <a:rPr lang="en-US" sz="3000" i="1">
+                          <a:latin typeface="Cambria Math" panose="02040503050406030204" pitchFamily="18" charset="0"/>
+                        </a:rPr>
+                        <m:t>𝑡𝑜</m:t>
+                      </m:r>
+                      <m:r>
+                        <a:rPr lang="en-US" sz="3000" i="1">
+                          <a:latin typeface="Cambria Math" panose="02040503050406030204" pitchFamily="18" charset="0"/>
+                        </a:rPr>
+                        <m:t> </m:t>
+                      </m:r>
+                      <m:r>
+                        <a:rPr lang="en-US" sz="3000" i="1">
+                          <a:latin typeface="Cambria Math" panose="02040503050406030204" pitchFamily="18" charset="0"/>
+                        </a:rPr>
+                        <m:t>𝑠𝑒𝑒</m:t>
+                      </m:r>
+                      <m:r>
+                        <a:rPr lang="en-US" sz="3000" i="1">
+                          <a:latin typeface="Cambria Math" panose="02040503050406030204" pitchFamily="18" charset="0"/>
+                        </a:rPr>
+                        <m:t> </m:t>
+                      </m:r>
+                      <m:r>
+                        <a:rPr lang="en-US" sz="3000" i="1">
+                          <a:latin typeface="Cambria Math" panose="02040503050406030204" pitchFamily="18" charset="0"/>
+                        </a:rPr>
+                        <m:t>𝑎</m:t>
+                      </m:r>
+                      <m:r>
+                        <a:rPr lang="en-US" sz="3000" i="1">
+                          <a:latin typeface="Cambria Math" panose="02040503050406030204" pitchFamily="18" charset="0"/>
+                        </a:rPr>
+                        <m:t> </m:t>
+                      </m:r>
+                      <m:r>
+                        <a:rPr lang="en-US" sz="3000" i="1">
+                          <a:latin typeface="Cambria Math" panose="02040503050406030204" pitchFamily="18" charset="0"/>
+                        </a:rPr>
+                        <m:t>𝑢𝑛𝑖𝑞𝑢𝑒</m:t>
+                      </m:r>
+                      <m:r>
+                        <a:rPr lang="en-US" sz="3000" i="1">
+                          <a:latin typeface="Cambria Math" panose="02040503050406030204" pitchFamily="18" charset="0"/>
+                        </a:rPr>
+                        <m:t> </m:t>
+                      </m:r>
+                      <m:r>
+                        <a:rPr lang="en-US" sz="3000" i="1">
+                          <a:latin typeface="Cambria Math" panose="02040503050406030204" pitchFamily="18" charset="0"/>
+                        </a:rPr>
+                        <m:t>𝑛𝑢𝑚𝑏𝑒𝑟</m:t>
+                      </m:r>
+                      <m:r>
+                        <a:rPr lang="en-US" sz="3000" i="1">
+                          <a:latin typeface="Cambria Math" panose="02040503050406030204" pitchFamily="18" charset="0"/>
+                        </a:rPr>
+                        <m:t> </m:t>
+                      </m:r>
+                      <m:r>
+                        <a:rPr lang="en-US" sz="3000" i="1">
+                          <a:latin typeface="Cambria Math" panose="02040503050406030204" pitchFamily="18" charset="0"/>
+                        </a:rPr>
+                        <m:t>𝑡h𝑎𝑡</m:t>
+                      </m:r>
+                      <m:r>
+                        <a:rPr lang="en-US" sz="3000" i="1">
+                          <a:latin typeface="Cambria Math" panose="02040503050406030204" pitchFamily="18" charset="0"/>
+                        </a:rPr>
+                        <m:t> 3 </m:t>
+                      </m:r>
+                      <m:r>
+                        <a:rPr lang="en-US" sz="3000" i="1">
+                          <a:latin typeface="Cambria Math" panose="02040503050406030204" pitchFamily="18" charset="0"/>
+                        </a:rPr>
+                        <m:t>𝑖𝑠</m:t>
+                      </m:r>
+                      <m:r>
+                        <a:rPr lang="en-US" sz="3000" i="1">
+                          <a:latin typeface="Cambria Math" panose="02040503050406030204" pitchFamily="18" charset="0"/>
+                        </a:rPr>
+                        <m:t> </m:t>
+                      </m:r>
+                      <m:r>
+                        <a:rPr lang="en-US" sz="3000" i="1">
+                          <a:latin typeface="Cambria Math" panose="02040503050406030204" pitchFamily="18" charset="0"/>
+                        </a:rPr>
+                        <m:t>𝑎𝑝𝑝𝑟𝑜𝑎𝑐h𝑖𝑛𝑔</m:t>
+                      </m:r>
+                      <m:r>
+                        <a:rPr lang="en-US" sz="3000" i="1">
+                          <a:latin typeface="Cambria Math" panose="02040503050406030204" pitchFamily="18" charset="0"/>
+                        </a:rPr>
+                        <m:t>?</m:t>
+                      </m:r>
+                    </m:oMath>
+                  </m:oMathPara>
+                </a14:m>
+                <a:endParaRPr lang="en-US" sz="3000" dirty="0"/>
+              </a:p>
+              <a:p>
+                <a:pPr marL="0" indent="0">
+                  <a:buNone/>
+                </a:pPr>
+                <a:r>
                   <a:rPr lang="en-US" sz="3000" dirty="0"/>
-                </a:br>
-                <a:r>
-                  <a:rPr lang="en-US" sz="3000" dirty="0"/>
-                  <a:t/>
-                </a:r>
-                <a:br>
-                  <a:rPr lang="en-US" sz="3000" dirty="0"/>
-                </a:br>
-                <a:r>
-                  <a:rPr lang="en-US" sz="3000" dirty="0"/>
-                  <a:t>Because f(x) is not approaching a unique number L as x approaches 3 we can conclude that this limit does not exist.</a:t>
+                  <a:t>	</a:t>
                 </a:r>
               </a:p>
             </p:txBody>
           </p:sp>
         </mc:Choice>
-        <mc:Fallback xmlns="">
+        <mc:Fallback>
           <p:sp>
             <p:nvSpPr>
               <p:cNvPr id="3" name="Content Placeholder 2"/>
@@ -5509,7 +6932,7 @@
               <a:blipFill rotWithShape="0">
                 <a:blip r:embed="rId3"/>
                 <a:stretch>
-                  <a:fillRect l="-1528" t="-2707" r="-1200"/>
+                  <a:fillRect l="-1528" t="-2707" r="-491"/>
                 </a:stretch>
               </a:blipFill>
             </p:spPr>
@@ -5548,7 +6971,564 @@
 </p:sld>
 </file>
 
-<file path=ppt/slides/slide14.xml><?xml version="1.0" encoding="utf-8"?>
+<file path=ppt/slides/slide18.xml><?xml version="1.0" encoding="utf-8"?>
+<p:sld xmlns:a="http://schemas.openxmlformats.org/drawingml/2006/main" xmlns:r="http://schemas.openxmlformats.org/officeDocument/2006/relationships" xmlns:p="http://schemas.openxmlformats.org/presentationml/2006/main">
+  <p:cSld>
+    <p:spTree>
+      <p:nvGrpSpPr>
+        <p:cNvPr id="1" name=""/>
+        <p:cNvGrpSpPr/>
+        <p:nvPr/>
+      </p:nvGrpSpPr>
+      <p:grpSpPr>
+        <a:xfrm>
+          <a:off x="0" y="0"/>
+          <a:ext cx="0" cy="0"/>
+          <a:chOff x="0" y="0"/>
+          <a:chExt cx="0" cy="0"/>
+        </a:xfrm>
+      </p:grpSpPr>
+      <mc:AlternateContent xmlns:mc="http://schemas.openxmlformats.org/markup-compatibility/2006" xmlns:a14="http://schemas.microsoft.com/office/drawing/2010/main">
+        <mc:Choice Requires="a14">
+          <p:sp>
+            <p:nvSpPr>
+              <p:cNvPr id="2" name="Title 1"/>
+              <p:cNvSpPr>
+                <a:spLocks noGrp="1"/>
+              </p:cNvSpPr>
+              <p:nvPr>
+                <p:ph type="title"/>
+              </p:nvPr>
+            </p:nvSpPr>
+            <p:spPr/>
+            <p:txBody>
+              <a:bodyPr>
+                <a:normAutofit fontScale="90000"/>
+              </a:bodyPr>
+              <a:lstStyle/>
+              <a:p>
+                <a:r>
+                  <a:rPr lang="en-US" b="1" dirty="0" smtClean="0"/>
+                  <a:t>Example 3:    </a:t>
+                </a:r>
+                <a14:m>
+                  <m:oMath xmlns:m="http://schemas.openxmlformats.org/officeDocument/2006/math">
+                    <m:func>
+                      <m:funcPr>
+                        <m:ctrlPr>
+                          <a:rPr lang="en-US" i="1">
+                            <a:latin typeface="Cambria Math" panose="02040503050406030204" pitchFamily="18" charset="0"/>
+                          </a:rPr>
+                        </m:ctrlPr>
+                      </m:funcPr>
+                      <m:fName>
+                        <m:limLow>
+                          <m:limLowPr>
+                            <m:ctrlPr>
+                              <a:rPr lang="en-US" i="1">
+                                <a:latin typeface="Cambria Math" panose="02040503050406030204" pitchFamily="18" charset="0"/>
+                              </a:rPr>
+                            </m:ctrlPr>
+                          </m:limLowPr>
+                          <m:e>
+                            <m:r>
+                              <m:rPr>
+                                <m:sty m:val="p"/>
+                              </m:rPr>
+                              <a:rPr lang="en-US">
+                                <a:latin typeface="Cambria Math" panose="02040503050406030204" pitchFamily="18" charset="0"/>
+                              </a:rPr>
+                              <m:t>lim</m:t>
+                            </m:r>
+                          </m:e>
+                          <m:lim>
+                            <m:r>
+                              <a:rPr lang="en-US" i="1">
+                                <a:latin typeface="Cambria Math" panose="02040503050406030204" pitchFamily="18" charset="0"/>
+                              </a:rPr>
+                              <m:t>𝑥</m:t>
+                            </m:r>
+                            <m:r>
+                              <a:rPr lang="en-US" i="1">
+                                <a:latin typeface="Cambria Math" panose="02040503050406030204" pitchFamily="18" charset="0"/>
+                              </a:rPr>
+                              <m:t>→3</m:t>
+                            </m:r>
+                          </m:lim>
+                        </m:limLow>
+                      </m:fName>
+                      <m:e>
+                        <m:f>
+                          <m:fPr>
+                            <m:ctrlPr>
+                              <a:rPr lang="en-US" i="1">
+                                <a:latin typeface="Cambria Math" panose="02040503050406030204" pitchFamily="18" charset="0"/>
+                              </a:rPr>
+                            </m:ctrlPr>
+                          </m:fPr>
+                          <m:num>
+                            <m:r>
+                              <a:rPr lang="en-US" i="1">
+                                <a:latin typeface="Cambria Math" panose="02040503050406030204" pitchFamily="18" charset="0"/>
+                              </a:rPr>
+                              <m:t>𝑥</m:t>
+                            </m:r>
+                            <m:r>
+                              <a:rPr lang="en-US" i="1">
+                                <a:latin typeface="Cambria Math" panose="02040503050406030204" pitchFamily="18" charset="0"/>
+                              </a:rPr>
+                              <m:t>+3</m:t>
+                            </m:r>
+                          </m:num>
+                          <m:den>
+                            <m:sSup>
+                              <m:sSupPr>
+                                <m:ctrlPr>
+                                  <a:rPr lang="en-US" i="1">
+                                    <a:latin typeface="Cambria Math" panose="02040503050406030204" pitchFamily="18" charset="0"/>
+                                  </a:rPr>
+                                </m:ctrlPr>
+                              </m:sSupPr>
+                              <m:e>
+                                <m:r>
+                                  <a:rPr lang="en-US" i="1">
+                                    <a:latin typeface="Cambria Math" panose="02040503050406030204" pitchFamily="18" charset="0"/>
+                                  </a:rPr>
+                                  <m:t>𝑥</m:t>
+                                </m:r>
+                              </m:e>
+                              <m:sup>
+                                <m:r>
+                                  <a:rPr lang="en-US" i="1">
+                                    <a:latin typeface="Cambria Math" panose="02040503050406030204" pitchFamily="18" charset="0"/>
+                                  </a:rPr>
+                                  <m:t>2</m:t>
+                                </m:r>
+                              </m:sup>
+                            </m:sSup>
+                            <m:r>
+                              <a:rPr lang="en-US" i="1">
+                                <a:latin typeface="Cambria Math" panose="02040503050406030204" pitchFamily="18" charset="0"/>
+                              </a:rPr>
+                              <m:t>−9</m:t>
+                            </m:r>
+                          </m:den>
+                        </m:f>
+                        <m:r>
+                          <a:rPr lang="en-US" b="0" i="1" smtClean="0">
+                            <a:latin typeface="Cambria Math" panose="02040503050406030204" pitchFamily="18" charset="0"/>
+                          </a:rPr>
+                          <m:t>=</m:t>
+                        </m:r>
+                        <m:f>
+                          <m:fPr>
+                            <m:ctrlPr>
+                              <a:rPr lang="en-US" i="1">
+                                <a:latin typeface="Cambria Math" panose="02040503050406030204" pitchFamily="18" charset="0"/>
+                              </a:rPr>
+                            </m:ctrlPr>
+                          </m:fPr>
+                          <m:num>
+                            <m:r>
+                              <a:rPr lang="en-US" i="1">
+                                <a:latin typeface="Cambria Math" panose="02040503050406030204" pitchFamily="18" charset="0"/>
+                              </a:rPr>
+                              <m:t>𝑥</m:t>
+                            </m:r>
+                            <m:r>
+                              <a:rPr lang="en-US" i="1">
+                                <a:latin typeface="Cambria Math" panose="02040503050406030204" pitchFamily="18" charset="0"/>
+                              </a:rPr>
+                              <m:t>+3</m:t>
+                            </m:r>
+                          </m:num>
+                          <m:den>
+                            <m:r>
+                              <a:rPr lang="en-US" b="0" i="1" smtClean="0">
+                                <a:latin typeface="Cambria Math" panose="02040503050406030204" pitchFamily="18" charset="0"/>
+                              </a:rPr>
+                              <m:t>(</m:t>
+                            </m:r>
+                            <m:r>
+                              <a:rPr lang="en-US" b="0" i="1" smtClean="0">
+                                <a:latin typeface="Cambria Math" panose="02040503050406030204" pitchFamily="18" charset="0"/>
+                              </a:rPr>
+                              <m:t>𝑥</m:t>
+                            </m:r>
+                            <m:r>
+                              <a:rPr lang="en-US" b="0" i="1" smtClean="0">
+                                <a:latin typeface="Cambria Math" panose="02040503050406030204" pitchFamily="18" charset="0"/>
+                              </a:rPr>
+                              <m:t>+3)(</m:t>
+                            </m:r>
+                            <m:r>
+                              <a:rPr lang="en-US" b="0" i="1" smtClean="0">
+                                <a:latin typeface="Cambria Math" panose="02040503050406030204" pitchFamily="18" charset="0"/>
+                              </a:rPr>
+                              <m:t>𝑥</m:t>
+                            </m:r>
+                            <m:r>
+                              <a:rPr lang="en-US" b="0" i="1" smtClean="0">
+                                <a:latin typeface="Cambria Math" panose="02040503050406030204" pitchFamily="18" charset="0"/>
+                              </a:rPr>
+                              <m:t>−3)</m:t>
+                            </m:r>
+                          </m:den>
+                        </m:f>
+                      </m:e>
+                    </m:func>
+                  </m:oMath>
+                </a14:m>
+                <a:r>
+                  <a:rPr lang="en-US" dirty="0"/>
+                  <a:t/>
+                </a:r>
+                <a:br>
+                  <a:rPr lang="en-US" dirty="0"/>
+                </a:br>
+                <a:endParaRPr lang="en-US" dirty="0"/>
+              </a:p>
+            </p:txBody>
+          </p:sp>
+        </mc:Choice>
+        <mc:Fallback xmlns="">
+          <p:sp>
+            <p:nvSpPr>
+              <p:cNvPr id="2" name="Title 1"/>
+              <p:cNvSpPr>
+                <a:spLocks noGrp="1" noRot="1" noChangeAspect="1" noMove="1" noResize="1" noEditPoints="1" noAdjustHandles="1" noChangeArrowheads="1" noChangeShapeType="1" noTextEdit="1"/>
+              </p:cNvSpPr>
+              <p:nvPr>
+                <p:ph type="title"/>
+              </p:nvPr>
+            </p:nvSpPr>
+            <p:spPr>
+              <a:blipFill rotWithShape="0">
+                <a:blip r:embed="rId2"/>
+                <a:stretch>
+                  <a:fillRect l="-2222" t="-4115"/>
+                </a:stretch>
+              </a:blipFill>
+            </p:spPr>
+            <p:txBody>
+              <a:bodyPr/>
+              <a:lstStyle/>
+              <a:p>
+                <a:r>
+                  <a:rPr lang="en-US">
+                    <a:noFill/>
+                  </a:rPr>
+                  <a:t> </a:t>
+                </a:r>
+              </a:p>
+            </p:txBody>
+          </p:sp>
+        </mc:Fallback>
+      </mc:AlternateContent>
+      <mc:AlternateContent xmlns:mc="http://schemas.openxmlformats.org/markup-compatibility/2006">
+        <mc:Choice xmlns:a14="http://schemas.microsoft.com/office/drawing/2010/main" Requires="a14">
+          <p:sp>
+            <p:nvSpPr>
+              <p:cNvPr id="3" name="Content Placeholder 2"/>
+              <p:cNvSpPr>
+                <a:spLocks noGrp="1"/>
+              </p:cNvSpPr>
+              <p:nvPr>
+                <p:ph idx="1"/>
+              </p:nvPr>
+            </p:nvSpPr>
+            <p:spPr>
+              <a:xfrm>
+                <a:off x="749509" y="2286000"/>
+                <a:ext cx="11442492" cy="4279692"/>
+              </a:xfrm>
+            </p:spPr>
+            <p:txBody>
+              <a:bodyPr>
+                <a:normAutofit/>
+              </a:bodyPr>
+              <a:lstStyle/>
+              <a:p>
+                <a:pPr marL="0" indent="0">
+                  <a:buNone/>
+                </a:pPr>
+                <a:r>
+                  <a:rPr lang="en-US" sz="3400" b="1" u="sng" dirty="0" smtClean="0"/>
+                  <a:t> x   |</a:t>
+                </a:r>
+                <a:r>
+                  <a:rPr lang="en-US" sz="3400" u="sng" dirty="0"/>
+                  <a:t>	2.9	    2.99	 2.999	</a:t>
+                </a:r>
+                <a:r>
+                  <a:rPr lang="en-US" sz="3400" b="1" u="sng" dirty="0"/>
+                  <a:t>3.0</a:t>
+                </a:r>
+                <a:r>
+                  <a:rPr lang="en-US" sz="3400" u="sng" dirty="0"/>
+                  <a:t>	</a:t>
+                </a:r>
+                <a:r>
+                  <a:rPr lang="en-US" sz="3400" u="sng" dirty="0" smtClean="0"/>
+                  <a:t>  3.001</a:t>
+                </a:r>
+                <a:r>
+                  <a:rPr lang="en-US" sz="3400" u="sng" dirty="0"/>
+                  <a:t>	3.01		3.1  </a:t>
+                </a:r>
+                <a:endParaRPr lang="en-US" sz="3400" dirty="0"/>
+              </a:p>
+              <a:p>
+                <a:pPr marL="0" indent="0">
+                  <a:buNone/>
+                </a:pPr>
+                <a:r>
+                  <a:rPr lang="en-US" sz="3400" b="1" dirty="0"/>
+                  <a:t>f(x) |	</a:t>
+                </a:r>
+                <a:r>
+                  <a:rPr lang="en-US" sz="3400" dirty="0"/>
+                  <a:t>-10	    -100	 -1000     </a:t>
+                </a:r>
+                <a:r>
+                  <a:rPr lang="en-US" sz="3400" dirty="0" smtClean="0"/>
+                  <a:t>____   1000</a:t>
+                </a:r>
+                <a:r>
+                  <a:rPr lang="en-US" sz="3400" dirty="0"/>
+                  <a:t>	</a:t>
+                </a:r>
+                <a:r>
+                  <a:rPr lang="en-US" sz="3400" dirty="0" smtClean="0"/>
+                  <a:t>100</a:t>
+                </a:r>
+                <a:r>
+                  <a:rPr lang="en-US" sz="3400" dirty="0"/>
+                  <a:t>	          </a:t>
+                </a:r>
+                <a:r>
+                  <a:rPr lang="en-US" sz="3400" dirty="0" smtClean="0"/>
+                  <a:t>10</a:t>
+                </a:r>
+                <a:endParaRPr lang="en-US" dirty="0"/>
+              </a:p>
+              <a:p>
+                <a:pPr marL="0" indent="0">
+                  <a:buNone/>
+                </a:pPr>
+                <a:endParaRPr lang="en-US" sz="3000" i="1" dirty="0" smtClean="0"/>
+              </a:p>
+              <a:p>
+                <a:pPr marL="0" indent="0">
+                  <a:buNone/>
+                </a:pPr>
+                <a14:m>
+                  <m:oMath xmlns:m="http://schemas.openxmlformats.org/officeDocument/2006/math">
+                    <m:r>
+                      <a:rPr lang="en-US" sz="3000" b="0" i="1" smtClean="0">
+                        <a:latin typeface="Cambria Math" panose="02040503050406030204" pitchFamily="18" charset="0"/>
+                      </a:rPr>
+                      <m:t>𝑁𝑜</m:t>
+                    </m:r>
+                    <m:r>
+                      <a:rPr lang="en-US" sz="3000" i="1">
+                        <a:latin typeface="Cambria Math" panose="02040503050406030204" pitchFamily="18" charset="0"/>
+                      </a:rPr>
+                      <m:t>𝑡𝑒</m:t>
+                    </m:r>
+                    <m:r>
+                      <a:rPr lang="en-US" sz="3000" i="1">
+                        <a:latin typeface="Cambria Math" panose="02040503050406030204" pitchFamily="18" charset="0"/>
+                      </a:rPr>
+                      <m:t>:</m:t>
+                    </m:r>
+                  </m:oMath>
+                </a14:m>
+                <a:r>
+                  <a:rPr lang="en-US" sz="3000" dirty="0" smtClean="0"/>
+                  <a:t> Since it is not approaching a common number, we are forced to</a:t>
+                </a:r>
+              </a:p>
+              <a:p>
+                <a:pPr marL="0" indent="0">
+                  <a:buNone/>
+                </a:pPr>
+                <a:r>
+                  <a:rPr lang="en-US" sz="3000" dirty="0" smtClean="0"/>
+                  <a:t>quote </a:t>
+                </a:r>
+                <a:r>
+                  <a:rPr lang="en-US" sz="3000" i="1" dirty="0" smtClean="0"/>
+                  <a:t>Mean Girls</a:t>
+                </a:r>
+                <a:r>
+                  <a:rPr lang="en-US" sz="3000" dirty="0" smtClean="0"/>
+                  <a:t>… “the limit does not exist” for  </a:t>
+                </a:r>
+                <a14:m>
+                  <m:oMath xmlns:m="http://schemas.openxmlformats.org/officeDocument/2006/math">
+                    <m:limLow>
+                      <m:limLowPr>
+                        <m:ctrlPr>
+                          <a:rPr lang="en-US" sz="3200" i="1">
+                            <a:latin typeface="Cambria Math" panose="02040503050406030204" pitchFamily="18" charset="0"/>
+                          </a:rPr>
+                        </m:ctrlPr>
+                      </m:limLowPr>
+                      <m:e>
+                        <m:r>
+                          <m:rPr>
+                            <m:sty m:val="p"/>
+                          </m:rPr>
+                          <a:rPr lang="en-US" sz="3200">
+                            <a:latin typeface="Cambria Math" panose="02040503050406030204" pitchFamily="18" charset="0"/>
+                          </a:rPr>
+                          <m:t>lim</m:t>
+                        </m:r>
+                      </m:e>
+                      <m:lim>
+                        <m:r>
+                          <a:rPr lang="en-US" sz="3200" i="1">
+                            <a:latin typeface="Cambria Math" panose="02040503050406030204" pitchFamily="18" charset="0"/>
+                          </a:rPr>
+                          <m:t>𝑥</m:t>
+                        </m:r>
+                        <m:r>
+                          <a:rPr lang="en-US" sz="3200" i="1">
+                            <a:latin typeface="Cambria Math" panose="02040503050406030204" pitchFamily="18" charset="0"/>
+                          </a:rPr>
+                          <m:t>→3</m:t>
+                        </m:r>
+                      </m:lim>
+                    </m:limLow>
+                    <m:f>
+                      <m:fPr>
+                        <m:ctrlPr>
+                          <a:rPr lang="en-US" sz="3200" i="1">
+                            <a:latin typeface="Cambria Math" panose="02040503050406030204" pitchFamily="18" charset="0"/>
+                          </a:rPr>
+                        </m:ctrlPr>
+                      </m:fPr>
+                      <m:num>
+                        <m:r>
+                          <a:rPr lang="en-US" sz="3200" i="1">
+                            <a:latin typeface="Cambria Math" panose="02040503050406030204" pitchFamily="18" charset="0"/>
+                          </a:rPr>
+                          <m:t>𝑥</m:t>
+                        </m:r>
+                        <m:r>
+                          <a:rPr lang="en-US" sz="3200" i="1">
+                            <a:latin typeface="Cambria Math" panose="02040503050406030204" pitchFamily="18" charset="0"/>
+                          </a:rPr>
+                          <m:t>+3</m:t>
+                        </m:r>
+                      </m:num>
+                      <m:den>
+                        <m:sSup>
+                          <m:sSupPr>
+                            <m:ctrlPr>
+                              <a:rPr lang="en-US" sz="3200" i="1">
+                                <a:latin typeface="Cambria Math" panose="02040503050406030204" pitchFamily="18" charset="0"/>
+                              </a:rPr>
+                            </m:ctrlPr>
+                          </m:sSupPr>
+                          <m:e>
+                            <m:r>
+                              <a:rPr lang="en-US" sz="3200" i="1">
+                                <a:latin typeface="Cambria Math" panose="02040503050406030204" pitchFamily="18" charset="0"/>
+                              </a:rPr>
+                              <m:t>𝑥</m:t>
+                            </m:r>
+                          </m:e>
+                          <m:sup>
+                            <m:r>
+                              <a:rPr lang="en-US" sz="3200" i="1">
+                                <a:latin typeface="Cambria Math" panose="02040503050406030204" pitchFamily="18" charset="0"/>
+                              </a:rPr>
+                              <m:t>2</m:t>
+                            </m:r>
+                          </m:sup>
+                        </m:sSup>
+                        <m:r>
+                          <a:rPr lang="en-US" sz="3200" i="1">
+                            <a:latin typeface="Cambria Math" panose="02040503050406030204" pitchFamily="18" charset="0"/>
+                          </a:rPr>
+                          <m:t>−9</m:t>
+                        </m:r>
+                      </m:den>
+                    </m:f>
+                  </m:oMath>
+                </a14:m>
+                <a:endParaRPr lang="en-US" sz="3000" dirty="0"/>
+              </a:p>
+              <a:p>
+                <a:pPr marL="0" indent="0">
+                  <a:buNone/>
+                </a:pPr>
+                <a:endParaRPr lang="en-US" sz="3000" dirty="0"/>
+              </a:p>
+            </p:txBody>
+          </p:sp>
+        </mc:Choice>
+        <mc:Fallback>
+          <p:sp>
+            <p:nvSpPr>
+              <p:cNvPr id="3" name="Content Placeholder 2"/>
+              <p:cNvSpPr>
+                <a:spLocks noGrp="1" noRot="1" noChangeAspect="1" noMove="1" noResize="1" noEditPoints="1" noAdjustHandles="1" noChangeArrowheads="1" noChangeShapeType="1" noTextEdit="1"/>
+              </p:cNvSpPr>
+              <p:nvPr>
+                <p:ph idx="1"/>
+              </p:nvPr>
+            </p:nvSpPr>
+            <p:spPr>
+              <a:xfrm>
+                <a:off x="749509" y="2286000"/>
+                <a:ext cx="11442492" cy="4279692"/>
+              </a:xfrm>
+              <a:blipFill rotWithShape="0">
+                <a:blip r:embed="rId3"/>
+                <a:stretch>
+                  <a:fillRect l="-1492" t="-2707" r="-320"/>
+                </a:stretch>
+              </a:blipFill>
+            </p:spPr>
+            <p:txBody>
+              <a:bodyPr/>
+              <a:lstStyle/>
+              <a:p>
+                <a:r>
+                  <a:rPr lang="en-US">
+                    <a:noFill/>
+                  </a:rPr>
+                  <a:t> </a:t>
+                </a:r>
+              </a:p>
+            </p:txBody>
+          </p:sp>
+        </mc:Fallback>
+      </mc:AlternateContent>
+    </p:spTree>
+    <p:extLst>
+      <p:ext uri="{BB962C8B-B14F-4D97-AF65-F5344CB8AC3E}">
+        <p14:creationId xmlns:p14="http://schemas.microsoft.com/office/powerpoint/2010/main" val="3183288169"/>
+      </p:ext>
+    </p:extLst>
+  </p:cSld>
+  <p:clrMapOvr>
+    <a:masterClrMapping/>
+  </p:clrMapOvr>
+  <p:timing>
+    <p:tnLst>
+      <p:par>
+        <p:cTn id="1" dur="indefinite" restart="never" nodeType="tmRoot"/>
+      </p:par>
+    </p:tnLst>
+  </p:timing>
+</p:sld>
+</file>
+
+<file path=ppt/slides/slide19.xml><?xml version="1.0" encoding="utf-8"?>
 <p:sld xmlns:a="http://schemas.openxmlformats.org/drawingml/2006/main" xmlns:r="http://schemas.openxmlformats.org/officeDocument/2006/relationships" xmlns:p="http://schemas.openxmlformats.org/presentationml/2006/main">
   <p:cSld>
     <p:spTree>
@@ -5575,21 +7555,26 @@
             <p:ph type="title"/>
           </p:nvPr>
         </p:nvSpPr>
-        <p:spPr/>
+        <p:spPr>
+          <a:xfrm>
+            <a:off x="1371599" y="685800"/>
+            <a:ext cx="10635521" cy="1485900"/>
+          </a:xfrm>
+        </p:spPr>
         <p:txBody>
           <a:bodyPr/>
           <a:lstStyle/>
           <a:p>
             <a:r>
               <a:rPr lang="en-US" dirty="0" smtClean="0"/>
-              <a:t>Additional Note on Example 3</a:t>
+              <a:t>But what if we approached -3 instead of 3?</a:t>
             </a:r>
             <a:endParaRPr lang="en-US" dirty="0"/>
           </a:p>
         </p:txBody>
       </p:sp>
-      <mc:AlternateContent xmlns:mc="http://schemas.openxmlformats.org/markup-compatibility/2006" xmlns:a14="http://schemas.microsoft.com/office/drawing/2010/main">
-        <mc:Choice Requires="a14">
+      <mc:AlternateContent xmlns:mc="http://schemas.openxmlformats.org/markup-compatibility/2006">
+        <mc:Choice xmlns:a14="http://schemas.microsoft.com/office/drawing/2010/main" Requires="a14">
           <p:sp>
             <p:nvSpPr>
               <p:cNvPr id="3" name="Content Placeholder 2"/>
@@ -5608,10 +7593,690 @@
                 <a:pPr marL="0" indent="0">
                   <a:buNone/>
                 </a:pPr>
-                <a:r>
-                  <a:rPr lang="en-US" sz="3400" b="1" dirty="0" smtClean="0"/>
-                  <a:t>Note: </a:t>
-                </a:r>
+                <a14:m>
+                  <m:oMath xmlns:m="http://schemas.openxmlformats.org/officeDocument/2006/math">
+                    <m:func>
+                      <m:funcPr>
+                        <m:ctrlPr>
+                          <a:rPr lang="en-US" sz="3400" i="1" smtClean="0">
+                            <a:latin typeface="Cambria Math" panose="02040503050406030204" pitchFamily="18" charset="0"/>
+                          </a:rPr>
+                        </m:ctrlPr>
+                      </m:funcPr>
+                      <m:fName>
+                        <m:limLow>
+                          <m:limLowPr>
+                            <m:ctrlPr>
+                              <a:rPr lang="en-US" sz="3400" i="1">
+                                <a:latin typeface="Cambria Math" panose="02040503050406030204" pitchFamily="18" charset="0"/>
+                              </a:rPr>
+                            </m:ctrlPr>
+                          </m:limLowPr>
+                          <m:e>
+                            <m:r>
+                              <m:rPr>
+                                <m:sty m:val="p"/>
+                              </m:rPr>
+                              <a:rPr lang="en-US" sz="3400">
+                                <a:latin typeface="Cambria Math" panose="02040503050406030204" pitchFamily="18" charset="0"/>
+                              </a:rPr>
+                              <m:t>lim</m:t>
+                            </m:r>
+                          </m:e>
+                          <m:lim>
+                            <m:r>
+                              <a:rPr lang="en-US" sz="3400" i="1">
+                                <a:latin typeface="Cambria Math" panose="02040503050406030204" pitchFamily="18" charset="0"/>
+                              </a:rPr>
+                              <m:t>𝑥</m:t>
+                            </m:r>
+                            <m:r>
+                              <a:rPr lang="en-US" sz="3400" i="1">
+                                <a:latin typeface="Cambria Math" panose="02040503050406030204" pitchFamily="18" charset="0"/>
+                              </a:rPr>
+                              <m:t>→−3</m:t>
+                            </m:r>
+                          </m:lim>
+                        </m:limLow>
+                      </m:fName>
+                      <m:e>
+                        <m:r>
+                          <a:rPr lang="en-US" sz="3400" b="0" i="1" smtClean="0">
+                            <a:latin typeface="Cambria Math" panose="02040503050406030204" pitchFamily="18" charset="0"/>
+                          </a:rPr>
+                          <m:t> </m:t>
+                        </m:r>
+                        <m:f>
+                          <m:fPr>
+                            <m:ctrlPr>
+                              <a:rPr lang="en-US" sz="3400" i="1">
+                                <a:latin typeface="Cambria Math" panose="02040503050406030204" pitchFamily="18" charset="0"/>
+                              </a:rPr>
+                            </m:ctrlPr>
+                          </m:fPr>
+                          <m:num>
+                            <m:r>
+                              <a:rPr lang="en-US" sz="3400" i="1">
+                                <a:latin typeface="Cambria Math" panose="02040503050406030204" pitchFamily="18" charset="0"/>
+                              </a:rPr>
+                              <m:t>𝑥</m:t>
+                            </m:r>
+                            <m:r>
+                              <a:rPr lang="en-US" sz="3400" i="1">
+                                <a:latin typeface="Cambria Math" panose="02040503050406030204" pitchFamily="18" charset="0"/>
+                              </a:rPr>
+                              <m:t>+3</m:t>
+                            </m:r>
+                          </m:num>
+                          <m:den>
+                            <m:sSup>
+                              <m:sSupPr>
+                                <m:ctrlPr>
+                                  <a:rPr lang="en-US" sz="3400" i="1">
+                                    <a:latin typeface="Cambria Math" panose="02040503050406030204" pitchFamily="18" charset="0"/>
+                                  </a:rPr>
+                                </m:ctrlPr>
+                              </m:sSupPr>
+                              <m:e>
+                                <m:r>
+                                  <a:rPr lang="en-US" sz="3400" i="1">
+                                    <a:latin typeface="Cambria Math" panose="02040503050406030204" pitchFamily="18" charset="0"/>
+                                  </a:rPr>
+                                  <m:t>𝑥</m:t>
+                                </m:r>
+                              </m:e>
+                              <m:sup>
+                                <m:r>
+                                  <a:rPr lang="en-US" sz="3400" i="1">
+                                    <a:latin typeface="Cambria Math" panose="02040503050406030204" pitchFamily="18" charset="0"/>
+                                  </a:rPr>
+                                  <m:t>2</m:t>
+                                </m:r>
+                              </m:sup>
+                            </m:sSup>
+                            <m:r>
+                              <a:rPr lang="en-US" sz="3400" i="1">
+                                <a:latin typeface="Cambria Math" panose="02040503050406030204" pitchFamily="18" charset="0"/>
+                              </a:rPr>
+                              <m:t>−9</m:t>
+                            </m:r>
+                          </m:den>
+                        </m:f>
+                      </m:e>
+                    </m:func>
+                    <m:r>
+                      <a:rPr lang="en-US" sz="3400" i="1">
+                        <a:latin typeface="Cambria Math" panose="02040503050406030204" pitchFamily="18" charset="0"/>
+                      </a:rPr>
+                      <m:t>=</m:t>
+                    </m:r>
+                    <m:r>
+                      <a:rPr lang="en-US" sz="3400" b="0" i="1" smtClean="0">
+                        <a:latin typeface="Cambria Math" panose="02040503050406030204" pitchFamily="18" charset="0"/>
+                      </a:rPr>
+                      <m:t>???</m:t>
+                    </m:r>
+                  </m:oMath>
+                </a14:m>
+                <a:r>
+                  <a:rPr lang="en-US" sz="3400" dirty="0"/>
+                  <a:t>	</a:t>
+                </a:r>
+                <a:endParaRPr lang="en-US" sz="3400" dirty="0" smtClean="0"/>
+              </a:p>
+              <a:p>
+                <a:pPr marL="0" indent="0">
+                  <a:buNone/>
+                </a:pPr>
+                <a:endParaRPr lang="en-US" sz="3400" dirty="0"/>
+              </a:p>
+              <a:p>
+                <a:pPr marL="0" indent="0">
+                  <a:buNone/>
+                </a:pPr>
+                <a:endParaRPr lang="en-US" dirty="0"/>
+              </a:p>
+            </p:txBody>
+          </p:sp>
+        </mc:Choice>
+        <mc:Fallback>
+          <p:sp>
+            <p:nvSpPr>
+              <p:cNvPr id="3" name="Content Placeholder 2"/>
+              <p:cNvSpPr>
+                <a:spLocks noGrp="1" noRot="1" noChangeAspect="1" noMove="1" noResize="1" noEditPoints="1" noAdjustHandles="1" noChangeArrowheads="1" noChangeShapeType="1" noTextEdit="1"/>
+              </p:cNvSpPr>
+              <p:nvPr>
+                <p:ph idx="1"/>
+              </p:nvPr>
+            </p:nvSpPr>
+            <p:spPr>
+              <a:blipFill rotWithShape="0">
+                <a:blip r:embed="rId2"/>
+                <a:stretch>
+                  <a:fillRect/>
+                </a:stretch>
+              </a:blipFill>
+            </p:spPr>
+            <p:txBody>
+              <a:bodyPr/>
+              <a:lstStyle/>
+              <a:p>
+                <a:r>
+                  <a:rPr lang="en-US">
+                    <a:noFill/>
+                  </a:rPr>
+                  <a:t> </a:t>
+                </a:r>
+              </a:p>
+            </p:txBody>
+          </p:sp>
+        </mc:Fallback>
+      </mc:AlternateContent>
+    </p:spTree>
+    <p:extLst>
+      <p:ext uri="{BB962C8B-B14F-4D97-AF65-F5344CB8AC3E}">
+        <p14:creationId xmlns:p14="http://schemas.microsoft.com/office/powerpoint/2010/main" val="2578824395"/>
+      </p:ext>
+    </p:extLst>
+  </p:cSld>
+  <p:clrMapOvr>
+    <a:masterClrMapping/>
+  </p:clrMapOvr>
+  <p:timing>
+    <p:tnLst>
+      <p:par>
+        <p:cTn id="1" dur="indefinite" restart="never" nodeType="tmRoot"/>
+      </p:par>
+    </p:tnLst>
+  </p:timing>
+</p:sld>
+</file>
+
+<file path=ppt/slides/slide2.xml><?xml version="1.0" encoding="utf-8"?>
+<p:sld xmlns:a="http://schemas.openxmlformats.org/drawingml/2006/main" xmlns:r="http://schemas.openxmlformats.org/officeDocument/2006/relationships" xmlns:p="http://schemas.openxmlformats.org/presentationml/2006/main">
+  <p:cSld>
+    <p:spTree>
+      <p:nvGrpSpPr>
+        <p:cNvPr id="1" name=""/>
+        <p:cNvGrpSpPr/>
+        <p:nvPr/>
+      </p:nvGrpSpPr>
+      <p:grpSpPr>
+        <a:xfrm>
+          <a:off x="0" y="0"/>
+          <a:ext cx="0" cy="0"/>
+          <a:chOff x="0" y="0"/>
+          <a:chExt cx="0" cy="0"/>
+        </a:xfrm>
+      </p:grpSpPr>
+      <p:sp>
+        <p:nvSpPr>
+          <p:cNvPr id="2" name="Title 1"/>
+          <p:cNvSpPr>
+            <a:spLocks noGrp="1"/>
+          </p:cNvSpPr>
+          <p:nvPr>
+            <p:ph type="title"/>
+          </p:nvPr>
+        </p:nvSpPr>
+        <p:spPr>
+          <a:xfrm>
+            <a:off x="659567" y="68195"/>
+            <a:ext cx="9601200" cy="1485900"/>
+          </a:xfrm>
+        </p:spPr>
+        <p:txBody>
+          <a:bodyPr/>
+          <a:lstStyle/>
+          <a:p>
+            <a:r>
+              <a:rPr lang="en-US" dirty="0" smtClean="0"/>
+              <a:t>Answer:</a:t>
+            </a:r>
+            <a:br>
+              <a:rPr lang="en-US" dirty="0" smtClean="0"/>
+            </a:br>
+            <a:r>
+              <a:rPr lang="en-US" dirty="0" smtClean="0"/>
+              <a:t>(5 – 7 min)</a:t>
+            </a:r>
+            <a:endParaRPr lang="en-US" dirty="0"/>
+          </a:p>
+        </p:txBody>
+      </p:sp>
+      <p:sp>
+        <p:nvSpPr>
+          <p:cNvPr id="3" name="Content Placeholder 2"/>
+          <p:cNvSpPr>
+            <a:spLocks noGrp="1"/>
+          </p:cNvSpPr>
+          <p:nvPr>
+            <p:ph idx="1"/>
+          </p:nvPr>
+        </p:nvSpPr>
+        <p:spPr>
+          <a:xfrm>
+            <a:off x="659567" y="1424066"/>
+            <a:ext cx="11532433" cy="5433934"/>
+          </a:xfrm>
+        </p:spPr>
+        <p:txBody>
+          <a:bodyPr>
+            <a:noAutofit/>
+          </a:bodyPr>
+          <a:lstStyle/>
+          <a:p>
+            <a:pPr marL="0" indent="0">
+              <a:buNone/>
+            </a:pPr>
+            <a:r>
+              <a:rPr lang="en-US" sz="3400" dirty="0" smtClean="0"/>
+              <a:t>Domain: All Real Numbers except 5</a:t>
+            </a:r>
+            <a:r>
+              <a:rPr lang="en-US" sz="2800" dirty="0" smtClean="0"/>
+              <a:t> </a:t>
+            </a:r>
+            <a:r>
+              <a:rPr lang="en-US" sz="2400" dirty="0" smtClean="0"/>
+              <a:t>(what makes denominator 0? Can’t </a:t>
+            </a:r>
+            <a:br>
+              <a:rPr lang="en-US" sz="2400" dirty="0" smtClean="0"/>
+            </a:br>
+            <a:r>
+              <a:rPr lang="en-US" sz="2400" dirty="0" smtClean="0"/>
+              <a:t>                                                                                     use it)</a:t>
+            </a:r>
+          </a:p>
+          <a:p>
+            <a:pPr marL="0" indent="0">
+              <a:buNone/>
+            </a:pPr>
+            <a:r>
+              <a:rPr lang="en-US" sz="3400" dirty="0" smtClean="0"/>
+              <a:t>Range: All Real Numbers except 10 </a:t>
+            </a:r>
+            <a:r>
+              <a:rPr lang="en-US" sz="2400" dirty="0" smtClean="0"/>
+              <a:t>(10 would be answer if we could plug </a:t>
+            </a:r>
+            <a:br>
+              <a:rPr lang="en-US" sz="2400" dirty="0" smtClean="0"/>
+            </a:br>
+            <a:r>
+              <a:rPr lang="en-US" sz="2400" dirty="0" smtClean="0"/>
+              <a:t>                                       in 5, but since we can’t plug in 5… we can’t get 10 as an answer)</a:t>
+            </a:r>
+          </a:p>
+          <a:p>
+            <a:pPr marL="0" indent="0">
+              <a:buNone/>
+            </a:pPr>
+            <a:r>
+              <a:rPr lang="en-US" sz="3400" dirty="0" smtClean="0"/>
+              <a:t>X-intercept: (-5, 0)   </a:t>
+            </a:r>
+            <a:r>
+              <a:rPr lang="en-US" sz="2400" dirty="0" smtClean="0"/>
+              <a:t>(Calculator… F5 – Root)</a:t>
+            </a:r>
+          </a:p>
+          <a:p>
+            <a:pPr marL="0" indent="0">
+              <a:buNone/>
+            </a:pPr>
+            <a:r>
+              <a:rPr lang="en-US" sz="3400" dirty="0" smtClean="0"/>
+              <a:t>Y-intercept: (0, -5)   </a:t>
+            </a:r>
+            <a:r>
+              <a:rPr lang="en-US" sz="2400" dirty="0" smtClean="0"/>
+              <a:t>(Calculator… F5 – y-intercept)</a:t>
+            </a:r>
+          </a:p>
+          <a:p>
+            <a:pPr marL="0" indent="0">
+              <a:buNone/>
+            </a:pPr>
+            <a:r>
+              <a:rPr lang="en-US" sz="3400" dirty="0" smtClean="0"/>
+              <a:t>Vertical Asymptote: None   </a:t>
+            </a:r>
+            <a:r>
+              <a:rPr lang="en-US" sz="2400" dirty="0" smtClean="0"/>
+              <a:t>(it would have been at 5, but (x-5) cancels out so it   </a:t>
+            </a:r>
+            <a:br>
+              <a:rPr lang="en-US" sz="2400" dirty="0" smtClean="0"/>
+            </a:br>
+            <a:r>
+              <a:rPr lang="en-US" sz="2400" dirty="0" smtClean="0"/>
+              <a:t>                                                                 becomes a hole instead)</a:t>
+            </a:r>
+          </a:p>
+          <a:p>
+            <a:pPr marL="0" indent="0">
+              <a:buNone/>
+            </a:pPr>
+            <a:r>
+              <a:rPr lang="en-US" sz="3400" dirty="0" smtClean="0"/>
+              <a:t>Horizontal Asymptote: None   </a:t>
+            </a:r>
+            <a:r>
+              <a:rPr lang="en-US" sz="2400" dirty="0" smtClean="0"/>
+              <a:t>(review next slide from last class for H.A. rules)</a:t>
+            </a:r>
+          </a:p>
+          <a:p>
+            <a:pPr marL="0" indent="0">
+              <a:buNone/>
+            </a:pPr>
+            <a:r>
+              <a:rPr lang="en-US" sz="3400" dirty="0" smtClean="0"/>
+              <a:t>Hole(s): 5  </a:t>
+            </a:r>
+            <a:r>
+              <a:rPr lang="en-US" sz="2400" dirty="0" smtClean="0"/>
+              <a:t>(this would have been an V.A. but since (x-5) canceled it becomes a hole)</a:t>
+            </a:r>
+            <a:endParaRPr lang="en-US" sz="2400" dirty="0"/>
+          </a:p>
+        </p:txBody>
+      </p:sp>
+      <mc:AlternateContent xmlns:mc="http://schemas.openxmlformats.org/markup-compatibility/2006">
+        <mc:Choice xmlns:a14="http://schemas.microsoft.com/office/drawing/2010/main" Requires="a14">
+          <p:sp>
+            <p:nvSpPr>
+              <p:cNvPr id="4" name="TextBox 3"/>
+              <p:cNvSpPr txBox="1"/>
+              <p:nvPr/>
+            </p:nvSpPr>
+            <p:spPr>
+              <a:xfrm>
+                <a:off x="4926886" y="193540"/>
+                <a:ext cx="7265114" cy="1235210"/>
+              </a:xfrm>
+              <a:prstGeom prst="rect">
+                <a:avLst/>
+              </a:prstGeom>
+              <a:noFill/>
+            </p:spPr>
+            <p:txBody>
+              <a:bodyPr wrap="square" lIns="0" tIns="0" rIns="0" bIns="0" rtlCol="0">
+                <a:spAutoFit/>
+              </a:bodyPr>
+              <a:lstStyle/>
+              <a:p>
+                <a:pPr/>
+                <a14:m>
+                  <m:oMathPara xmlns:m="http://schemas.openxmlformats.org/officeDocument/2006/math">
+                    <m:oMathParaPr>
+                      <m:jc m:val="left"/>
+                    </m:oMathParaPr>
+                    <m:oMath xmlns:m="http://schemas.openxmlformats.org/officeDocument/2006/math">
+                      <m:r>
+                        <a:rPr lang="en-US" sz="4000" b="0" i="1" smtClean="0">
+                          <a:latin typeface="Cambria Math" panose="02040503050406030204" pitchFamily="18" charset="0"/>
+                        </a:rPr>
+                        <m:t>𝑦</m:t>
+                      </m:r>
+                      <m:r>
+                        <a:rPr lang="en-US" sz="4000" b="0" i="1" smtClean="0">
+                          <a:latin typeface="Cambria Math" panose="02040503050406030204" pitchFamily="18" charset="0"/>
+                        </a:rPr>
+                        <m:t>=</m:t>
+                      </m:r>
+                      <m:f>
+                        <m:fPr>
+                          <m:ctrlPr>
+                            <a:rPr lang="en-US" sz="4000" i="1" smtClean="0">
+                              <a:latin typeface="Cambria Math" panose="02040503050406030204" pitchFamily="18" charset="0"/>
+                            </a:rPr>
+                          </m:ctrlPr>
+                        </m:fPr>
+                        <m:num>
+                          <m:sSup>
+                            <m:sSupPr>
+                              <m:ctrlPr>
+                                <a:rPr lang="en-US" sz="4000" i="1" smtClean="0">
+                                  <a:latin typeface="Cambria Math" panose="02040503050406030204" pitchFamily="18" charset="0"/>
+                                </a:rPr>
+                              </m:ctrlPr>
+                            </m:sSupPr>
+                            <m:e>
+                              <m:r>
+                                <a:rPr lang="en-US" sz="4000" b="0" i="1" smtClean="0">
+                                  <a:latin typeface="Cambria Math" panose="02040503050406030204" pitchFamily="18" charset="0"/>
+                                </a:rPr>
+                                <m:t>𝑥</m:t>
+                              </m:r>
+                            </m:e>
+                            <m:sup>
+                              <m:r>
+                                <a:rPr lang="en-US" sz="4000" b="0" i="1" smtClean="0">
+                                  <a:latin typeface="Cambria Math" panose="02040503050406030204" pitchFamily="18" charset="0"/>
+                                </a:rPr>
+                                <m:t>2</m:t>
+                              </m:r>
+                            </m:sup>
+                          </m:sSup>
+                          <m:r>
+                            <a:rPr lang="en-US" sz="4000" b="0" i="1" smtClean="0">
+                              <a:latin typeface="Cambria Math" panose="02040503050406030204" pitchFamily="18" charset="0"/>
+                            </a:rPr>
+                            <m:t>−25</m:t>
+                          </m:r>
+                        </m:num>
+                        <m:den>
+                          <m:r>
+                            <a:rPr lang="en-US" sz="4000" b="0" i="1" smtClean="0">
+                              <a:latin typeface="Cambria Math" panose="02040503050406030204" pitchFamily="18" charset="0"/>
+                            </a:rPr>
+                            <m:t>𝑥</m:t>
+                          </m:r>
+                          <m:r>
+                            <a:rPr lang="en-US" sz="4000" b="0" i="1" smtClean="0">
+                              <a:latin typeface="Cambria Math" panose="02040503050406030204" pitchFamily="18" charset="0"/>
+                            </a:rPr>
+                            <m:t>−5</m:t>
+                          </m:r>
+                        </m:den>
+                      </m:f>
+                      <m:r>
+                        <a:rPr lang="en-US" sz="4000" b="0" i="1" smtClean="0">
+                          <a:latin typeface="Cambria Math" panose="02040503050406030204" pitchFamily="18" charset="0"/>
+                        </a:rPr>
+                        <m:t>=</m:t>
+                      </m:r>
+                      <m:f>
+                        <m:fPr>
+                          <m:ctrlPr>
+                            <a:rPr lang="en-US" sz="4000" i="1">
+                              <a:latin typeface="Cambria Math" panose="02040503050406030204" pitchFamily="18" charset="0"/>
+                            </a:rPr>
+                          </m:ctrlPr>
+                        </m:fPr>
+                        <m:num>
+                          <m:r>
+                            <a:rPr lang="en-US" sz="4000" b="0" i="1" smtClean="0">
+                              <a:latin typeface="Cambria Math" panose="02040503050406030204" pitchFamily="18" charset="0"/>
+                            </a:rPr>
+                            <m:t>(</m:t>
+                          </m:r>
+                          <m:r>
+                            <a:rPr lang="en-US" sz="4000" b="0" i="1" smtClean="0">
+                              <a:latin typeface="Cambria Math" panose="02040503050406030204" pitchFamily="18" charset="0"/>
+                            </a:rPr>
+                            <m:t>𝑥</m:t>
+                          </m:r>
+                          <m:r>
+                            <a:rPr lang="en-US" sz="4000" b="0" i="1" smtClean="0">
+                              <a:latin typeface="Cambria Math" panose="02040503050406030204" pitchFamily="18" charset="0"/>
+                            </a:rPr>
+                            <m:t>+5)(</m:t>
+                          </m:r>
+                          <m:r>
+                            <a:rPr lang="en-US" sz="4000" b="0" i="1" smtClean="0">
+                              <a:latin typeface="Cambria Math" panose="02040503050406030204" pitchFamily="18" charset="0"/>
+                            </a:rPr>
+                            <m:t>𝑥</m:t>
+                          </m:r>
+                          <m:r>
+                            <a:rPr lang="en-US" sz="4000" b="0" i="1" smtClean="0">
+                              <a:latin typeface="Cambria Math" panose="02040503050406030204" pitchFamily="18" charset="0"/>
+                            </a:rPr>
+                            <m:t>−5)</m:t>
+                          </m:r>
+                        </m:num>
+                        <m:den>
+                          <m:r>
+                            <a:rPr lang="en-US" sz="4000" i="1">
+                              <a:latin typeface="Cambria Math" panose="02040503050406030204" pitchFamily="18" charset="0"/>
+                            </a:rPr>
+                            <m:t>𝑥</m:t>
+                          </m:r>
+                          <m:r>
+                            <a:rPr lang="en-US" sz="4000" i="1">
+                              <a:latin typeface="Cambria Math" panose="02040503050406030204" pitchFamily="18" charset="0"/>
+                            </a:rPr>
+                            <m:t>−5</m:t>
+                          </m:r>
+                        </m:den>
+                      </m:f>
+                    </m:oMath>
+                  </m:oMathPara>
+                </a14:m>
+                <a:endParaRPr lang="en-US" sz="4000" dirty="0"/>
+              </a:p>
+            </p:txBody>
+          </p:sp>
+        </mc:Choice>
+        <mc:Fallback>
+          <p:sp>
+            <p:nvSpPr>
+              <p:cNvPr id="4" name="TextBox 3"/>
+              <p:cNvSpPr txBox="1">
+                <a:spLocks noRot="1" noChangeAspect="1" noMove="1" noResize="1" noEditPoints="1" noAdjustHandles="1" noChangeArrowheads="1" noChangeShapeType="1" noTextEdit="1"/>
+              </p:cNvSpPr>
+              <p:nvPr/>
+            </p:nvSpPr>
+            <p:spPr>
+              <a:xfrm>
+                <a:off x="4926886" y="193540"/>
+                <a:ext cx="7265114" cy="1235210"/>
+              </a:xfrm>
+              <a:prstGeom prst="rect">
+                <a:avLst/>
+              </a:prstGeom>
+              <a:blipFill rotWithShape="0">
+                <a:blip r:embed="rId2"/>
+                <a:stretch>
+                  <a:fillRect/>
+                </a:stretch>
+              </a:blipFill>
+            </p:spPr>
+            <p:txBody>
+              <a:bodyPr/>
+              <a:lstStyle/>
+              <a:p>
+                <a:r>
+                  <a:rPr lang="en-US">
+                    <a:noFill/>
+                  </a:rPr>
+                  <a:t> </a:t>
+                </a:r>
+              </a:p>
+            </p:txBody>
+          </p:sp>
+        </mc:Fallback>
+      </mc:AlternateContent>
+    </p:spTree>
+    <p:extLst>
+      <p:ext uri="{BB962C8B-B14F-4D97-AF65-F5344CB8AC3E}">
+        <p14:creationId xmlns:p14="http://schemas.microsoft.com/office/powerpoint/2010/main" val="3217121072"/>
+      </p:ext>
+    </p:extLst>
+  </p:cSld>
+  <p:clrMapOvr>
+    <a:masterClrMapping/>
+  </p:clrMapOvr>
+</p:sld>
+</file>
+
+<file path=ppt/slides/slide20.xml><?xml version="1.0" encoding="utf-8"?>
+<p:sld xmlns:a="http://schemas.openxmlformats.org/drawingml/2006/main" xmlns:r="http://schemas.openxmlformats.org/officeDocument/2006/relationships" xmlns:p="http://schemas.openxmlformats.org/presentationml/2006/main">
+  <p:cSld>
+    <p:spTree>
+      <p:nvGrpSpPr>
+        <p:cNvPr id="1" name=""/>
+        <p:cNvGrpSpPr/>
+        <p:nvPr/>
+      </p:nvGrpSpPr>
+      <p:grpSpPr>
+        <a:xfrm>
+          <a:off x="0" y="0"/>
+          <a:ext cx="0" cy="0"/>
+          <a:chOff x="0" y="0"/>
+          <a:chExt cx="0" cy="0"/>
+        </a:xfrm>
+      </p:grpSpPr>
+      <p:sp>
+        <p:nvSpPr>
+          <p:cNvPr id="2" name="Title 1"/>
+          <p:cNvSpPr>
+            <a:spLocks noGrp="1"/>
+          </p:cNvSpPr>
+          <p:nvPr>
+            <p:ph type="title"/>
+          </p:nvPr>
+        </p:nvSpPr>
+        <p:spPr>
+          <a:xfrm>
+            <a:off x="1371599" y="685800"/>
+            <a:ext cx="10635521" cy="1485900"/>
+          </a:xfrm>
+        </p:spPr>
+        <p:txBody>
+          <a:bodyPr/>
+          <a:lstStyle/>
+          <a:p>
+            <a:r>
+              <a:rPr lang="en-US" dirty="0" smtClean="0"/>
+              <a:t>But what if we approached -3 instead of 3?</a:t>
+            </a:r>
+            <a:endParaRPr lang="en-US" dirty="0"/>
+          </a:p>
+        </p:txBody>
+      </p:sp>
+      <mc:AlternateContent xmlns:mc="http://schemas.openxmlformats.org/markup-compatibility/2006">
+        <mc:Choice xmlns:a14="http://schemas.microsoft.com/office/drawing/2010/main" Requires="a14">
+          <p:sp>
+            <p:nvSpPr>
+              <p:cNvPr id="3" name="Content Placeholder 2"/>
+              <p:cNvSpPr>
+                <a:spLocks noGrp="1"/>
+              </p:cNvSpPr>
+              <p:nvPr>
+                <p:ph idx="1"/>
+              </p:nvPr>
+            </p:nvSpPr>
+            <p:spPr>
+              <a:xfrm>
+                <a:off x="1371600" y="1588957"/>
+                <a:ext cx="10125856" cy="5269043"/>
+              </a:xfrm>
+            </p:spPr>
+            <p:txBody>
+              <a:bodyPr>
+                <a:normAutofit/>
+              </a:bodyPr>
+              <a:lstStyle/>
+              <a:p>
+                <a:pPr marL="0" indent="0">
+                  <a:buNone/>
+                </a:pPr>
                 <a14:m>
                   <m:oMath xmlns:m="http://schemas.openxmlformats.org/officeDocument/2006/math">
                     <m:func>
@@ -5749,7 +8414,20 @@
                 </a:pPr>
                 <a:r>
                   <a:rPr lang="en-US" sz="3400" dirty="0" smtClean="0"/>
-                  <a:t>Therefore, a </a:t>
+                  <a:t>Take it further…</a:t>
+                </a:r>
+              </a:p>
+              <a:p>
+                <a:pPr marL="0" indent="0">
+                  <a:buNone/>
+                </a:pPr>
+                <a:r>
+                  <a:rPr lang="en-US" sz="3400" dirty="0" smtClean="0"/>
+                  <a:t>Therefore</a:t>
+                </a:r>
+                <a:r>
+                  <a:rPr lang="en-US" sz="3400" dirty="0" smtClean="0"/>
+                  <a:t>, a </a:t>
                 </a:r>
                 <a:r>
                   <a:rPr lang="en-US" sz="3400" dirty="0"/>
@@ -5762,6 +8440,10 @@
                 <a:r>
                   <a:rPr lang="en-US" sz="3400" dirty="0"/>
                   <a:t>-3 </a:t>
+                </a:r>
+                <a:r>
+                  <a:rPr lang="en-US" sz="3400" dirty="0" smtClean="0"/>
+                  <a:t>(the graph approaches the hole at (-3, -0.17) but won’t ever get there)</a:t>
                 </a:r>
                 <a:endParaRPr lang="en-US" sz="3400" dirty="0" smtClean="0"/>
               </a:p>
@@ -5787,7 +8469,7 @@
                 </a:r>
                 <a:r>
                   <a:rPr lang="en-US" sz="3400" dirty="0" smtClean="0"/>
-                  <a:t>3</a:t>
+                  <a:t>3 (the graph shoots of towards positive and negative infinity</a:t>
                 </a:r>
                 <a:endParaRPr lang="en-US" sz="3400" dirty="0"/>
               </a:p>
@@ -5800,7 +8482,7 @@
             </p:txBody>
           </p:sp>
         </mc:Choice>
-        <mc:Fallback xmlns="">
+        <mc:Fallback>
           <p:sp>
             <p:nvSpPr>
               <p:cNvPr id="3" name="Content Placeholder 2"/>
@@ -5812,10 +8494,14 @@
               </p:nvPr>
             </p:nvSpPr>
             <p:spPr>
+              <a:xfrm>
+                <a:off x="1371600" y="1588957"/>
+                <a:ext cx="10125856" cy="5269043"/>
+              </a:xfrm>
               <a:blipFill rotWithShape="0">
                 <a:blip r:embed="rId2"/>
                 <a:stretch>
-                  <a:fillRect l="-1778" t="-340"/>
+                  <a:fillRect l="-1686"/>
                 </a:stretch>
               </a:blipFill>
             </p:spPr>
@@ -5837,7 +8523,7 @@
     </p:spTree>
     <p:extLst>
       <p:ext uri="{BB962C8B-B14F-4D97-AF65-F5344CB8AC3E}">
-        <p14:creationId xmlns:p14="http://schemas.microsoft.com/office/powerpoint/2010/main" val="2578824395"/>
+        <p14:creationId xmlns:p14="http://schemas.microsoft.com/office/powerpoint/2010/main" val="3560031184"/>
       </p:ext>
     </p:extLst>
   </p:cSld>
@@ -5854,7 +8540,7 @@
 </p:sld>
 </file>
 
-<file path=ppt/slides/slide15.xml><?xml version="1.0" encoding="utf-8"?>
+<file path=ppt/slides/slide21.xml><?xml version="1.0" encoding="utf-8"?>
 <p:sld xmlns:a="http://schemas.openxmlformats.org/drawingml/2006/main" xmlns:r="http://schemas.openxmlformats.org/officeDocument/2006/relationships" xmlns:p="http://schemas.openxmlformats.org/presentationml/2006/main">
   <p:cSld>
     <p:spTree>
@@ -5949,7 +8635,264 @@
 </p:sld>
 </file>
 
-<file path=ppt/slides/slide2.xml><?xml version="1.0" encoding="utf-8"?>
+<file path=ppt/slides/slide3.xml><?xml version="1.0" encoding="utf-8"?>
+<p:sld xmlns:a="http://schemas.openxmlformats.org/drawingml/2006/main" xmlns:r="http://schemas.openxmlformats.org/officeDocument/2006/relationships" xmlns:p="http://schemas.openxmlformats.org/presentationml/2006/main">
+  <p:cSld>
+    <p:spTree>
+      <p:nvGrpSpPr>
+        <p:cNvPr id="1" name=""/>
+        <p:cNvGrpSpPr/>
+        <p:nvPr/>
+      </p:nvGrpSpPr>
+      <p:grpSpPr>
+        <a:xfrm>
+          <a:off x="0" y="0"/>
+          <a:ext cx="0" cy="0"/>
+          <a:chOff x="0" y="0"/>
+          <a:chExt cx="0" cy="0"/>
+        </a:xfrm>
+      </p:grpSpPr>
+      <p:sp>
+        <p:nvSpPr>
+          <p:cNvPr id="2" name="Title 1"/>
+          <p:cNvSpPr>
+            <a:spLocks noGrp="1"/>
+          </p:cNvSpPr>
+          <p:nvPr>
+            <p:ph type="title"/>
+          </p:nvPr>
+        </p:nvSpPr>
+        <p:spPr>
+          <a:xfrm>
+            <a:off x="1371600" y="0"/>
+            <a:ext cx="10545580" cy="1485900"/>
+          </a:xfrm>
+        </p:spPr>
+        <p:txBody>
+          <a:bodyPr>
+            <a:normAutofit/>
+          </a:bodyPr>
+          <a:lstStyle/>
+          <a:p>
+            <a:r>
+              <a:rPr lang="en-US" b="1" dirty="0" smtClean="0"/>
+              <a:t>Asymptote Rules (From Last Class)</a:t>
+            </a:r>
+            <a:br>
+              <a:rPr lang="en-US" b="1" dirty="0" smtClean="0"/>
+            </a:br>
+            <a:r>
+              <a:rPr lang="en-US" sz="3800" i="1" dirty="0" smtClean="0"/>
+              <a:t>Get this copied into notes if you don’t have it!</a:t>
+            </a:r>
+            <a:endParaRPr lang="en-US" sz="3800" i="1" dirty="0"/>
+          </a:p>
+        </p:txBody>
+      </p:sp>
+      <p:sp>
+        <p:nvSpPr>
+          <p:cNvPr id="3" name="Content Placeholder 2"/>
+          <p:cNvSpPr>
+            <a:spLocks noGrp="1"/>
+          </p:cNvSpPr>
+          <p:nvPr>
+            <p:ph idx="1"/>
+          </p:nvPr>
+        </p:nvSpPr>
+        <p:spPr>
+          <a:xfrm>
+            <a:off x="704538" y="1364105"/>
+            <a:ext cx="11487462" cy="5493894"/>
+          </a:xfrm>
+        </p:spPr>
+        <p:txBody>
+          <a:bodyPr>
+            <a:normAutofit fontScale="92500" lnSpcReduction="10000"/>
+          </a:bodyPr>
+          <a:lstStyle/>
+          <a:p>
+            <a:pPr marL="0" indent="0">
+              <a:buNone/>
+            </a:pPr>
+            <a:r>
+              <a:rPr lang="en-US" sz="3200" b="1" u="sng" dirty="0"/>
+              <a:t>Vertical Asymptote</a:t>
+            </a:r>
+            <a:r>
+              <a:rPr lang="en-US" sz="3200" b="1" dirty="0"/>
+              <a:t>: </a:t>
+            </a:r>
+            <a:r>
+              <a:rPr lang="en-US" sz="3200" dirty="0"/>
+              <a:t>set denominator equal to 0 and solve for </a:t>
+            </a:r>
+            <a:r>
+              <a:rPr lang="en-US" sz="3200" dirty="0" smtClean="0"/>
+              <a:t>x… if the expression (x - #) cancels out… it is actually a hole not a VA</a:t>
+            </a:r>
+            <a:endParaRPr lang="en-US" sz="3200" dirty="0"/>
+          </a:p>
+          <a:p>
+            <a:endParaRPr lang="en-US" sz="3000" dirty="0" smtClean="0"/>
+          </a:p>
+          <a:p>
+            <a:pPr marL="0" indent="0">
+              <a:buNone/>
+            </a:pPr>
+            <a:r>
+              <a:rPr lang="en-US" sz="3200" b="1" u="sng" dirty="0"/>
+              <a:t>Horizontal Asymptote</a:t>
+            </a:r>
+            <a:r>
+              <a:rPr lang="en-US" sz="3200" b="1" dirty="0"/>
+              <a:t>: </a:t>
+            </a:r>
+            <a:br>
+              <a:rPr lang="en-US" sz="3200" b="1" dirty="0"/>
+            </a:br>
+            <a:r>
+              <a:rPr lang="en-US" sz="3200" b="1" dirty="0" smtClean="0"/>
+              <a:t>-- </a:t>
+            </a:r>
+            <a:r>
+              <a:rPr lang="en-US" sz="3200" dirty="0" smtClean="0"/>
+              <a:t>if </a:t>
+            </a:r>
+            <a:r>
+              <a:rPr lang="en-US" sz="3200" dirty="0"/>
+              <a:t>degree in numerator is smaller </a:t>
+            </a:r>
+            <a:r>
+              <a:rPr lang="en-US" sz="3200" dirty="0" smtClean="0"/>
+              <a:t>than degree in </a:t>
+            </a:r>
+            <a:r>
+              <a:rPr lang="en-US" sz="3200" dirty="0" smtClean="0"/>
+              <a:t>the    </a:t>
+            </a:r>
+            <a:br>
+              <a:rPr lang="en-US" sz="3200" dirty="0" smtClean="0"/>
+            </a:br>
+            <a:r>
+              <a:rPr lang="en-US" sz="3200" dirty="0" smtClean="0"/>
+              <a:t>   denominator</a:t>
+            </a:r>
+            <a:r>
+              <a:rPr lang="en-US" sz="3200" dirty="0" smtClean="0"/>
+              <a:t>:  </a:t>
+            </a:r>
+            <a:r>
+              <a:rPr lang="en-US" sz="3200" b="1" dirty="0" smtClean="0"/>
+              <a:t>H.A is at y</a:t>
+            </a:r>
+            <a:r>
+              <a:rPr lang="en-US" sz="3200" b="1" dirty="0" smtClean="0"/>
+              <a:t>=0</a:t>
+            </a:r>
+          </a:p>
+          <a:p>
+            <a:pPr marL="0" indent="0">
+              <a:buNone/>
+            </a:pPr>
+            <a:r>
+              <a:rPr lang="en-US" sz="3200" dirty="0"/>
+              <a:t/>
+            </a:r>
+            <a:br>
+              <a:rPr lang="en-US" sz="3200" dirty="0"/>
+            </a:br>
+            <a:r>
+              <a:rPr lang="en-US" sz="3200" dirty="0" smtClean="0"/>
+              <a:t>-- if </a:t>
+            </a:r>
+            <a:r>
+              <a:rPr lang="en-US" sz="3200" dirty="0"/>
+              <a:t>degree in numerator is bigger than degree in </a:t>
+            </a:r>
+            <a:r>
+              <a:rPr lang="en-US" sz="3200" dirty="0" smtClean="0"/>
+              <a:t>the </a:t>
+            </a:r>
+            <a:r>
+              <a:rPr lang="en-US" sz="3200" dirty="0" smtClean="0"/>
+              <a:t>denominator: </a:t>
+            </a:r>
+            <a:r>
+              <a:rPr lang="en-US" sz="3200" dirty="0" smtClean="0"/>
+              <a:t/>
+            </a:r>
+            <a:br>
+              <a:rPr lang="en-US" sz="3200" dirty="0" smtClean="0"/>
+            </a:br>
+            <a:r>
+              <a:rPr lang="en-US" sz="3200" dirty="0" smtClean="0"/>
+              <a:t>   </a:t>
+            </a:r>
+            <a:r>
+              <a:rPr lang="en-US" sz="3200" b="1" dirty="0" smtClean="0"/>
+              <a:t>no </a:t>
+            </a:r>
+            <a:r>
+              <a:rPr lang="en-US" sz="3200" b="1" dirty="0"/>
+              <a:t>horizontal </a:t>
+            </a:r>
+            <a:r>
+              <a:rPr lang="en-US" sz="3200" b="1" dirty="0" smtClean="0"/>
+              <a:t>asymptote</a:t>
+            </a:r>
+          </a:p>
+          <a:p>
+            <a:pPr marL="0" indent="0">
+              <a:buNone/>
+            </a:pPr>
+            <a:r>
+              <a:rPr lang="en-US" sz="3200" dirty="0"/>
+              <a:t/>
+            </a:r>
+            <a:br>
+              <a:rPr lang="en-US" sz="3200" dirty="0"/>
+            </a:br>
+            <a:r>
+              <a:rPr lang="en-US" sz="3200" dirty="0" smtClean="0"/>
+              <a:t>-- if </a:t>
+            </a:r>
+            <a:r>
+              <a:rPr lang="en-US" sz="3200" dirty="0"/>
+              <a:t>degree is equal then horizontal </a:t>
+            </a:r>
+            <a:r>
+              <a:rPr lang="en-US" sz="3200" dirty="0" smtClean="0"/>
+              <a:t>asymptote is at </a:t>
+            </a:r>
+            <a:r>
+              <a:rPr lang="en-US" sz="3200" b="1" dirty="0" smtClean="0"/>
+              <a:t># you get when you divide the lead coefficients</a:t>
+            </a:r>
+            <a:endParaRPr lang="en-US" sz="3000" b="1" dirty="0"/>
+          </a:p>
+        </p:txBody>
+      </p:sp>
+    </p:spTree>
+    <p:extLst>
+      <p:ext uri="{BB962C8B-B14F-4D97-AF65-F5344CB8AC3E}">
+        <p14:creationId xmlns:p14="http://schemas.microsoft.com/office/powerpoint/2010/main" val="4134144964"/>
+      </p:ext>
+    </p:extLst>
+  </p:cSld>
+  <p:clrMapOvr>
+    <a:masterClrMapping/>
+  </p:clrMapOvr>
+  <p:timing>
+    <p:tnLst>
+      <p:par>
+        <p:cTn id="1" dur="indefinite" restart="never" nodeType="tmRoot"/>
+      </p:par>
+    </p:tnLst>
+  </p:timing>
+</p:sld>
+</file>
+
+<file path=ppt/slides/slide4.xml><?xml version="1.0" encoding="utf-8"?>
 <p:sld xmlns:a="http://schemas.openxmlformats.org/drawingml/2006/main" xmlns:r="http://schemas.openxmlformats.org/officeDocument/2006/relationships" xmlns:p="http://schemas.openxmlformats.org/presentationml/2006/main">
   <p:cSld>
     <p:spTree>
@@ -5983,14 +8926,22 @@
           <a:p>
             <a:r>
               <a:rPr lang="en-US" dirty="0" smtClean="0"/>
-              <a:t>Follow up question… </a:t>
+              <a:t>Follow </a:t>
+            </a:r>
+            <a:r>
+              <a:rPr lang="en-US" dirty="0" smtClean="0"/>
+              <a:t>up question… </a:t>
+            </a:r>
+            <a:r>
+              <a:rPr lang="en-US" dirty="0" smtClean="0"/>
+              <a:t>(5 – 7 minutes)</a:t>
             </a:r>
             <a:endParaRPr lang="en-US" dirty="0"/>
           </a:p>
         </p:txBody>
       </p:sp>
-      <mc:AlternateContent xmlns:mc="http://schemas.openxmlformats.org/markup-compatibility/2006" xmlns:a14="http://schemas.microsoft.com/office/drawing/2010/main">
-        <mc:Choice Requires="a14">
+      <mc:AlternateContent xmlns:mc="http://schemas.openxmlformats.org/markup-compatibility/2006">
+        <mc:Choice xmlns:a14="http://schemas.microsoft.com/office/drawing/2010/main" Requires="a14">
           <p:sp>
             <p:nvSpPr>
               <p:cNvPr id="3" name="Content Placeholder 2"/>
@@ -6192,6 +9143,67 @@
                           </m:r>
                         </m:den>
                       </m:f>
+                      <m:r>
+                        <a:rPr lang="en-US" sz="4000" b="0" i="1" smtClean="0">
+                          <a:latin typeface="Cambria Math" panose="02040503050406030204" pitchFamily="18" charset="0"/>
+                        </a:rPr>
+                        <m:t>=</m:t>
+                      </m:r>
+                      <m:f>
+                        <m:fPr>
+                          <m:ctrlPr>
+                            <a:rPr lang="en-US" sz="4000" i="1">
+                              <a:latin typeface="Cambria Math" panose="02040503050406030204" pitchFamily="18" charset="0"/>
+                            </a:rPr>
+                          </m:ctrlPr>
+                        </m:fPr>
+                        <m:num>
+                          <m:r>
+                            <a:rPr lang="en-US" sz="4000" i="1">
+                              <a:latin typeface="Cambria Math" panose="02040503050406030204" pitchFamily="18" charset="0"/>
+                            </a:rPr>
+                            <m:t>𝑥</m:t>
+                          </m:r>
+                          <m:r>
+                            <a:rPr lang="en-US" sz="4000" i="1">
+                              <a:latin typeface="Cambria Math" panose="02040503050406030204" pitchFamily="18" charset="0"/>
+                            </a:rPr>
+                            <m:t>−5</m:t>
+                          </m:r>
+                        </m:num>
+                        <m:den>
+                          <m:r>
+                            <a:rPr lang="en-US" sz="4000" b="0" i="1" smtClean="0">
+                              <a:latin typeface="Cambria Math" panose="02040503050406030204" pitchFamily="18" charset="0"/>
+                            </a:rPr>
+                            <m:t>(</m:t>
+                          </m:r>
+                          <m:r>
+                            <a:rPr lang="en-US" sz="4000" b="0" i="1" smtClean="0">
+                              <a:latin typeface="Cambria Math" panose="02040503050406030204" pitchFamily="18" charset="0"/>
+                            </a:rPr>
+                            <m:t>𝑥</m:t>
+                          </m:r>
+                          <m:r>
+                            <a:rPr lang="en-US" sz="4000" b="0" i="1" smtClean="0">
+                              <a:latin typeface="Cambria Math" panose="02040503050406030204" pitchFamily="18" charset="0"/>
+                            </a:rPr>
+                            <m:t>+5)(</m:t>
+                          </m:r>
+                          <m:r>
+                            <a:rPr lang="en-US" sz="4000" b="0" i="1" smtClean="0">
+                              <a:latin typeface="Cambria Math" panose="02040503050406030204" pitchFamily="18" charset="0"/>
+                            </a:rPr>
+                            <m:t>𝑥</m:t>
+                          </m:r>
+                          <m:r>
+                            <a:rPr lang="en-US" sz="4000" b="0" i="1" smtClean="0">
+                              <a:latin typeface="Cambria Math" panose="02040503050406030204" pitchFamily="18" charset="0"/>
+                            </a:rPr>
+                            <m:t>−5)</m:t>
+                          </m:r>
+                        </m:den>
+                      </m:f>
                     </m:oMath>
                   </m:oMathPara>
                 </a14:m>
@@ -6200,7 +9212,7 @@
             </p:txBody>
           </p:sp>
         </mc:Choice>
-        <mc:Fallback xmlns="">
+        <mc:Fallback>
           <p:sp>
             <p:nvSpPr>
               <p:cNvPr id="3" name="Content Placeholder 2"/>
@@ -6254,7 +9266,569 @@
 </p:sld>
 </file>
 
-<file path=ppt/slides/slide3.xml><?xml version="1.0" encoding="utf-8"?>
+<file path=ppt/slides/slide5.xml><?xml version="1.0" encoding="utf-8"?>
+<p:sld xmlns:a="http://schemas.openxmlformats.org/drawingml/2006/main" xmlns:r="http://schemas.openxmlformats.org/officeDocument/2006/relationships" xmlns:p="http://schemas.openxmlformats.org/presentationml/2006/main">
+  <p:cSld>
+    <p:spTree>
+      <p:nvGrpSpPr>
+        <p:cNvPr id="1" name=""/>
+        <p:cNvGrpSpPr/>
+        <p:nvPr/>
+      </p:nvGrpSpPr>
+      <p:grpSpPr>
+        <a:xfrm>
+          <a:off x="0" y="0"/>
+          <a:ext cx="0" cy="0"/>
+          <a:chOff x="0" y="0"/>
+          <a:chExt cx="0" cy="0"/>
+        </a:xfrm>
+      </p:grpSpPr>
+      <mc:AlternateContent xmlns:mc="http://schemas.openxmlformats.org/markup-compatibility/2006">
+        <mc:Choice xmlns:a14="http://schemas.microsoft.com/office/drawing/2010/main" Requires="a14">
+          <p:sp>
+            <p:nvSpPr>
+              <p:cNvPr id="2" name="Title 1"/>
+              <p:cNvSpPr>
+                <a:spLocks noGrp="1"/>
+              </p:cNvSpPr>
+              <p:nvPr>
+                <p:ph type="title"/>
+              </p:nvPr>
+            </p:nvSpPr>
+            <p:spPr>
+              <a:xfrm>
+                <a:off x="1371599" y="520908"/>
+                <a:ext cx="9601200" cy="1485900"/>
+              </a:xfrm>
+            </p:spPr>
+            <p:txBody>
+              <a:bodyPr/>
+              <a:lstStyle/>
+              <a:p>
+                <a14:m>
+                  <m:oMathPara xmlns:m="http://schemas.openxmlformats.org/officeDocument/2006/math">
+                    <m:oMathParaPr>
+                      <m:jc m:val="centerGroup"/>
+                    </m:oMathParaPr>
+                    <m:oMath xmlns:m="http://schemas.openxmlformats.org/officeDocument/2006/math">
+                      <m:r>
+                        <a:rPr lang="en-US" i="1">
+                          <a:latin typeface="Cambria Math" panose="02040503050406030204" pitchFamily="18" charset="0"/>
+                        </a:rPr>
+                        <m:t>𝑦</m:t>
+                      </m:r>
+                      <m:r>
+                        <a:rPr lang="en-US" i="1">
+                          <a:latin typeface="Cambria Math" panose="02040503050406030204" pitchFamily="18" charset="0"/>
+                        </a:rPr>
+                        <m:t>=</m:t>
+                      </m:r>
+                      <m:f>
+                        <m:fPr>
+                          <m:ctrlPr>
+                            <a:rPr lang="en-US" i="1">
+                              <a:latin typeface="Cambria Math" panose="02040503050406030204" pitchFamily="18" charset="0"/>
+                            </a:rPr>
+                          </m:ctrlPr>
+                        </m:fPr>
+                        <m:num>
+                          <m:r>
+                            <a:rPr lang="en-US" i="1">
+                              <a:latin typeface="Cambria Math" panose="02040503050406030204" pitchFamily="18" charset="0"/>
+                            </a:rPr>
+                            <m:t>𝑥</m:t>
+                          </m:r>
+                          <m:r>
+                            <a:rPr lang="en-US" i="1">
+                              <a:latin typeface="Cambria Math" panose="02040503050406030204" pitchFamily="18" charset="0"/>
+                            </a:rPr>
+                            <m:t>−5</m:t>
+                          </m:r>
+                        </m:num>
+                        <m:den>
+                          <m:sSup>
+                            <m:sSupPr>
+                              <m:ctrlPr>
+                                <a:rPr lang="en-US" i="1">
+                                  <a:latin typeface="Cambria Math" panose="02040503050406030204" pitchFamily="18" charset="0"/>
+                                </a:rPr>
+                              </m:ctrlPr>
+                            </m:sSupPr>
+                            <m:e>
+                              <m:r>
+                                <a:rPr lang="en-US" i="1">
+                                  <a:latin typeface="Cambria Math" panose="02040503050406030204" pitchFamily="18" charset="0"/>
+                                </a:rPr>
+                                <m:t>𝑥</m:t>
+                              </m:r>
+                            </m:e>
+                            <m:sup>
+                              <m:r>
+                                <a:rPr lang="en-US" i="1">
+                                  <a:latin typeface="Cambria Math" panose="02040503050406030204" pitchFamily="18" charset="0"/>
+                                </a:rPr>
+                                <m:t>2</m:t>
+                              </m:r>
+                            </m:sup>
+                          </m:sSup>
+                          <m:r>
+                            <a:rPr lang="en-US" i="1">
+                              <a:latin typeface="Cambria Math" panose="02040503050406030204" pitchFamily="18" charset="0"/>
+                            </a:rPr>
+                            <m:t>−25</m:t>
+                          </m:r>
+                        </m:den>
+                      </m:f>
+                      <m:r>
+                        <a:rPr lang="en-US" i="1">
+                          <a:latin typeface="Cambria Math" panose="02040503050406030204" pitchFamily="18" charset="0"/>
+                        </a:rPr>
+                        <m:t>=</m:t>
+                      </m:r>
+                      <m:f>
+                        <m:fPr>
+                          <m:ctrlPr>
+                            <a:rPr lang="en-US" i="1">
+                              <a:latin typeface="Cambria Math" panose="02040503050406030204" pitchFamily="18" charset="0"/>
+                            </a:rPr>
+                          </m:ctrlPr>
+                        </m:fPr>
+                        <m:num>
+                          <m:r>
+                            <a:rPr lang="en-US" i="1">
+                              <a:latin typeface="Cambria Math" panose="02040503050406030204" pitchFamily="18" charset="0"/>
+                            </a:rPr>
+                            <m:t>𝑥</m:t>
+                          </m:r>
+                          <m:r>
+                            <a:rPr lang="en-US" i="1">
+                              <a:latin typeface="Cambria Math" panose="02040503050406030204" pitchFamily="18" charset="0"/>
+                            </a:rPr>
+                            <m:t>−5</m:t>
+                          </m:r>
+                        </m:num>
+                        <m:den>
+                          <m:r>
+                            <a:rPr lang="en-US" i="1">
+                              <a:latin typeface="Cambria Math" panose="02040503050406030204" pitchFamily="18" charset="0"/>
+                            </a:rPr>
+                            <m:t>(</m:t>
+                          </m:r>
+                          <m:r>
+                            <a:rPr lang="en-US" i="1">
+                              <a:latin typeface="Cambria Math" panose="02040503050406030204" pitchFamily="18" charset="0"/>
+                            </a:rPr>
+                            <m:t>𝑥</m:t>
+                          </m:r>
+                          <m:r>
+                            <a:rPr lang="en-US" i="1">
+                              <a:latin typeface="Cambria Math" panose="02040503050406030204" pitchFamily="18" charset="0"/>
+                            </a:rPr>
+                            <m:t>+5)(</m:t>
+                          </m:r>
+                          <m:r>
+                            <a:rPr lang="en-US" i="1">
+                              <a:latin typeface="Cambria Math" panose="02040503050406030204" pitchFamily="18" charset="0"/>
+                            </a:rPr>
+                            <m:t>𝑥</m:t>
+                          </m:r>
+                          <m:r>
+                            <a:rPr lang="en-US" i="1">
+                              <a:latin typeface="Cambria Math" panose="02040503050406030204" pitchFamily="18" charset="0"/>
+                            </a:rPr>
+                            <m:t>−5)</m:t>
+                          </m:r>
+                        </m:den>
+                      </m:f>
+                    </m:oMath>
+                  </m:oMathPara>
+                </a14:m>
+                <a:endParaRPr lang="en-US" dirty="0"/>
+              </a:p>
+            </p:txBody>
+          </p:sp>
+        </mc:Choice>
+        <mc:Fallback>
+          <p:sp>
+            <p:nvSpPr>
+              <p:cNvPr id="2" name="Title 1"/>
+              <p:cNvSpPr>
+                <a:spLocks noGrp="1" noRot="1" noChangeAspect="1" noMove="1" noResize="1" noEditPoints="1" noAdjustHandles="1" noChangeArrowheads="1" noChangeShapeType="1" noTextEdit="1"/>
+              </p:cNvSpPr>
+              <p:nvPr>
+                <p:ph type="title"/>
+              </p:nvPr>
+            </p:nvSpPr>
+            <p:spPr>
+              <a:xfrm>
+                <a:off x="1371599" y="520908"/>
+                <a:ext cx="9601200" cy="1485900"/>
+              </a:xfrm>
+              <a:blipFill rotWithShape="0">
+                <a:blip r:embed="rId2"/>
+                <a:stretch>
+                  <a:fillRect/>
+                </a:stretch>
+              </a:blipFill>
+            </p:spPr>
+            <p:txBody>
+              <a:bodyPr/>
+              <a:lstStyle/>
+              <a:p>
+                <a:r>
+                  <a:rPr lang="en-US">
+                    <a:noFill/>
+                  </a:rPr>
+                  <a:t> </a:t>
+                </a:r>
+              </a:p>
+            </p:txBody>
+          </p:sp>
+        </mc:Fallback>
+      </mc:AlternateContent>
+      <mc:AlternateContent xmlns:mc="http://schemas.openxmlformats.org/markup-compatibility/2006">
+        <mc:Choice xmlns:a14="http://schemas.microsoft.com/office/drawing/2010/main" Requires="a14">
+          <p:sp>
+            <p:nvSpPr>
+              <p:cNvPr id="3" name="Content Placeholder 2"/>
+              <p:cNvSpPr>
+                <a:spLocks noGrp="1"/>
+              </p:cNvSpPr>
+              <p:nvPr>
+                <p:ph idx="1"/>
+              </p:nvPr>
+            </p:nvSpPr>
+            <p:spPr>
+              <a:xfrm>
+                <a:off x="1371599" y="2338466"/>
+                <a:ext cx="10080885" cy="4519534"/>
+              </a:xfrm>
+            </p:spPr>
+            <p:txBody>
+              <a:bodyPr>
+                <a:normAutofit/>
+              </a:bodyPr>
+              <a:lstStyle/>
+              <a:p>
+                <a:r>
+                  <a:rPr lang="en-US" sz="3300" dirty="0" smtClean="0"/>
+                  <a:t>Since the </a:t>
+                </a:r>
+                <a14:m>
+                  <m:oMath xmlns:m="http://schemas.openxmlformats.org/officeDocument/2006/math">
+                    <m:r>
+                      <a:rPr lang="en-US" sz="3300" i="1" dirty="0" smtClean="0">
+                        <a:latin typeface="Cambria Math" panose="02040503050406030204" pitchFamily="18" charset="0"/>
+                      </a:rPr>
+                      <m:t>𝑥</m:t>
+                    </m:r>
+                    <m:r>
+                      <a:rPr lang="en-US" sz="3300" i="1" dirty="0" smtClean="0">
+                        <a:latin typeface="Cambria Math" panose="02040503050406030204" pitchFamily="18" charset="0"/>
+                      </a:rPr>
+                      <m:t>−5</m:t>
+                    </m:r>
+                  </m:oMath>
+                </a14:m>
+                <a:r>
+                  <a:rPr lang="en-US" sz="3300" dirty="0" smtClean="0"/>
+                  <a:t> will still cancel, </a:t>
+                </a:r>
+                <a14:m>
+                  <m:oMath xmlns:m="http://schemas.openxmlformats.org/officeDocument/2006/math">
+                    <m:r>
+                      <m:rPr>
+                        <m:sty m:val="p"/>
+                      </m:rPr>
+                      <a:rPr lang="en-US" sz="3300" b="0" i="0" dirty="0" smtClean="0">
+                        <a:latin typeface="Cambria Math" panose="02040503050406030204" pitchFamily="18" charset="0"/>
+                        <a:sym typeface="Wingdings" panose="05000000000000000000" pitchFamily="2" charset="2"/>
+                      </a:rPr>
+                      <m:t>x</m:t>
+                    </m:r>
+                    <m:r>
+                      <a:rPr lang="en-US" sz="3300" b="0" i="1" dirty="0" smtClean="0">
+                        <a:latin typeface="Cambria Math" panose="02040503050406030204" pitchFamily="18" charset="0"/>
+                        <a:sym typeface="Wingdings" panose="05000000000000000000" pitchFamily="2" charset="2"/>
+                      </a:rPr>
+                      <m:t>=</m:t>
+                    </m:r>
+                    <m:r>
+                      <a:rPr lang="en-US" sz="3300" i="1" dirty="0">
+                        <a:latin typeface="Cambria Math" panose="02040503050406030204" pitchFamily="18" charset="0"/>
+                        <a:sym typeface="Wingdings" panose="05000000000000000000" pitchFamily="2" charset="2"/>
+                      </a:rPr>
+                      <m:t>5</m:t>
+                    </m:r>
+                  </m:oMath>
+                </a14:m>
+                <a:r>
+                  <a:rPr lang="en-US" sz="3300" dirty="0" smtClean="0"/>
+                  <a:t> remains a hole… but that leaves </a:t>
+                </a:r>
+                <a14:m>
+                  <m:oMath xmlns:m="http://schemas.openxmlformats.org/officeDocument/2006/math">
+                    <m:r>
+                      <a:rPr lang="en-US" sz="3300" i="1" dirty="0" smtClean="0">
+                        <a:latin typeface="Cambria Math" panose="02040503050406030204" pitchFamily="18" charset="0"/>
+                      </a:rPr>
+                      <m:t>𝑥</m:t>
+                    </m:r>
+                    <m:r>
+                      <a:rPr lang="en-US" sz="3300" i="1" dirty="0" smtClean="0">
+                        <a:latin typeface="Cambria Math" panose="02040503050406030204" pitchFamily="18" charset="0"/>
+                      </a:rPr>
+                      <m:t>+5</m:t>
+                    </m:r>
+                  </m:oMath>
+                </a14:m>
+                <a:r>
+                  <a:rPr lang="en-US" sz="3300" dirty="0" smtClean="0"/>
+                  <a:t> in the denominator </a:t>
+                </a:r>
+                <a:r>
+                  <a:rPr lang="en-US" sz="3300" dirty="0" smtClean="0">
+                    <a:sym typeface="Wingdings" panose="05000000000000000000" pitchFamily="2" charset="2"/>
+                  </a:rPr>
+                  <a:t> which means we can’t use </a:t>
+                </a:r>
+                <a14:m>
+                  <m:oMath xmlns:m="http://schemas.openxmlformats.org/officeDocument/2006/math">
+                    <m:r>
+                      <a:rPr lang="en-US" sz="3300" i="1" dirty="0" smtClean="0">
+                        <a:latin typeface="Cambria Math" panose="02040503050406030204" pitchFamily="18" charset="0"/>
+                        <a:sym typeface="Wingdings" panose="05000000000000000000" pitchFamily="2" charset="2"/>
+                      </a:rPr>
+                      <m:t>−5</m:t>
+                    </m:r>
+                  </m:oMath>
+                </a14:m>
+                <a:r>
+                  <a:rPr lang="en-US" sz="3300" dirty="0" smtClean="0">
+                    <a:sym typeface="Wingdings" panose="05000000000000000000" pitchFamily="2" charset="2"/>
+                  </a:rPr>
+                  <a:t> either… </a:t>
+                </a:r>
+                <a14:m>
+                  <m:oMath xmlns:m="http://schemas.openxmlformats.org/officeDocument/2006/math">
+                    <m:r>
+                      <m:rPr>
+                        <m:sty m:val="p"/>
+                      </m:rPr>
+                      <a:rPr lang="en-US" sz="3300" b="0" i="0" dirty="0" smtClean="0">
+                        <a:latin typeface="Cambria Math" panose="02040503050406030204" pitchFamily="18" charset="0"/>
+                        <a:sym typeface="Wingdings" panose="05000000000000000000" pitchFamily="2" charset="2"/>
+                      </a:rPr>
+                      <m:t>x</m:t>
+                    </m:r>
+                    <m:r>
+                      <a:rPr lang="en-US" sz="3300" b="0" i="1" dirty="0" smtClean="0">
+                        <a:latin typeface="Cambria Math" panose="02040503050406030204" pitchFamily="18" charset="0"/>
+                        <a:sym typeface="Wingdings" panose="05000000000000000000" pitchFamily="2" charset="2"/>
+                      </a:rPr>
+                      <m:t>+</m:t>
+                    </m:r>
+                    <m:r>
+                      <a:rPr lang="en-US" sz="3300" i="1" dirty="0">
+                        <a:latin typeface="Cambria Math" panose="02040503050406030204" pitchFamily="18" charset="0"/>
+                        <a:sym typeface="Wingdings" panose="05000000000000000000" pitchFamily="2" charset="2"/>
+                      </a:rPr>
+                      <m:t>5</m:t>
+                    </m:r>
+                  </m:oMath>
+                </a14:m>
+                <a:r>
+                  <a:rPr lang="en-US" sz="3300" dirty="0">
+                    <a:sym typeface="Wingdings" panose="05000000000000000000" pitchFamily="2" charset="2"/>
+                  </a:rPr>
+                  <a:t> </a:t>
+                </a:r>
+                <a:r>
+                  <a:rPr lang="en-US" sz="3300" dirty="0" smtClean="0">
+                    <a:sym typeface="Wingdings" panose="05000000000000000000" pitchFamily="2" charset="2"/>
+                  </a:rPr>
+                  <a:t>did not cancel out so </a:t>
+                </a:r>
+                <a14:m>
+                  <m:oMath xmlns:m="http://schemas.openxmlformats.org/officeDocument/2006/math">
+                    <m:r>
+                      <m:rPr>
+                        <m:sty m:val="p"/>
+                      </m:rPr>
+                      <a:rPr lang="en-US" sz="3300" b="0" i="0" dirty="0" smtClean="0">
+                        <a:latin typeface="Cambria Math" panose="02040503050406030204" pitchFamily="18" charset="0"/>
+                        <a:sym typeface="Wingdings" panose="05000000000000000000" pitchFamily="2" charset="2"/>
+                      </a:rPr>
+                      <m:t>x</m:t>
+                    </m:r>
+                    <m:r>
+                      <a:rPr lang="en-US" sz="3300" b="0" i="0" dirty="0" smtClean="0">
+                        <a:latin typeface="Cambria Math" panose="02040503050406030204" pitchFamily="18" charset="0"/>
+                        <a:sym typeface="Wingdings" panose="05000000000000000000" pitchFamily="2" charset="2"/>
+                      </a:rPr>
+                      <m:t>=</m:t>
+                    </m:r>
+                    <m:r>
+                      <a:rPr lang="en-US" sz="3300" i="1" dirty="0">
+                        <a:latin typeface="Cambria Math" panose="02040503050406030204" pitchFamily="18" charset="0"/>
+                        <a:sym typeface="Wingdings" panose="05000000000000000000" pitchFamily="2" charset="2"/>
+                      </a:rPr>
+                      <m:t>−5</m:t>
+                    </m:r>
+                  </m:oMath>
+                </a14:m>
+                <a:r>
+                  <a:rPr lang="en-US" sz="3300" dirty="0">
+                    <a:sym typeface="Wingdings" panose="05000000000000000000" pitchFamily="2" charset="2"/>
+                  </a:rPr>
+                  <a:t> </a:t>
+                </a:r>
+                <a:r>
+                  <a:rPr lang="en-US" sz="3300" dirty="0" smtClean="0">
+                    <a:sym typeface="Wingdings" panose="05000000000000000000" pitchFamily="2" charset="2"/>
+                  </a:rPr>
+                  <a:t>is a Vertical Asymptote</a:t>
+                </a:r>
+              </a:p>
+              <a:p>
+                <a:r>
+                  <a:rPr lang="en-US" sz="3300" dirty="0" smtClean="0">
+                    <a:sym typeface="Wingdings" panose="05000000000000000000" pitchFamily="2" charset="2"/>
+                  </a:rPr>
+                  <a:t>Graph it, and look at where </a:t>
+                </a:r>
+                <a14:m>
+                  <m:oMath xmlns:m="http://schemas.openxmlformats.org/officeDocument/2006/math">
+                    <m:r>
+                      <a:rPr lang="en-US" sz="3300" i="1" dirty="0" smtClean="0">
+                        <a:latin typeface="Cambria Math" panose="02040503050406030204" pitchFamily="18" charset="0"/>
+                        <a:sym typeface="Wingdings" panose="05000000000000000000" pitchFamily="2" charset="2"/>
+                      </a:rPr>
+                      <m:t>𝑥</m:t>
+                    </m:r>
+                    <m:r>
+                      <a:rPr lang="en-US" sz="3300" i="1" dirty="0" smtClean="0">
+                        <a:latin typeface="Cambria Math" panose="02040503050406030204" pitchFamily="18" charset="0"/>
+                        <a:sym typeface="Wingdings" panose="05000000000000000000" pitchFamily="2" charset="2"/>
+                      </a:rPr>
+                      <m:t> = −5 </m:t>
+                    </m:r>
+                  </m:oMath>
+                </a14:m>
+                <a:r>
+                  <a:rPr lang="en-US" sz="3300" dirty="0" smtClean="0">
+                    <a:sym typeface="Wingdings" panose="05000000000000000000" pitchFamily="2" charset="2"/>
+                  </a:rPr>
+                  <a:t>and </a:t>
+                </a:r>
+                <a14:m>
+                  <m:oMath xmlns:m="http://schemas.openxmlformats.org/officeDocument/2006/math">
+                    <m:r>
+                      <m:rPr>
+                        <m:sty m:val="p"/>
+                      </m:rPr>
+                      <a:rPr lang="en-US" sz="3300" b="0" i="0" dirty="0" smtClean="0">
+                        <a:latin typeface="Cambria Math" panose="02040503050406030204" pitchFamily="18" charset="0"/>
+                        <a:sym typeface="Wingdings" panose="05000000000000000000" pitchFamily="2" charset="2"/>
+                      </a:rPr>
+                      <m:t>x</m:t>
+                    </m:r>
+                    <m:r>
+                      <a:rPr lang="en-US" sz="3300" b="0" i="1" dirty="0" smtClean="0">
+                        <a:latin typeface="Cambria Math" panose="02040503050406030204" pitchFamily="18" charset="0"/>
+                        <a:sym typeface="Wingdings" panose="05000000000000000000" pitchFamily="2" charset="2"/>
+                      </a:rPr>
+                      <m:t>=</m:t>
+                    </m:r>
+                    <m:r>
+                      <a:rPr lang="en-US" sz="3300" i="1" dirty="0" smtClean="0">
+                        <a:latin typeface="Cambria Math" panose="02040503050406030204" pitchFamily="18" charset="0"/>
+                        <a:sym typeface="Wingdings" panose="05000000000000000000" pitchFamily="2" charset="2"/>
+                      </a:rPr>
+                      <m:t>5</m:t>
+                    </m:r>
+                    <m:r>
+                      <a:rPr lang="en-US" sz="3300" b="0" i="1" dirty="0" smtClean="0">
+                        <a:latin typeface="Cambria Math" panose="02040503050406030204" pitchFamily="18" charset="0"/>
+                        <a:sym typeface="Wingdings" panose="05000000000000000000" pitchFamily="2" charset="2"/>
+                      </a:rPr>
+                      <m:t> </m:t>
+                    </m:r>
+                  </m:oMath>
+                </a14:m>
+                <a:r>
+                  <a:rPr lang="en-US" sz="3300" dirty="0" smtClean="0">
+                    <a:sym typeface="Wingdings" panose="05000000000000000000" pitchFamily="2" charset="2"/>
+                  </a:rPr>
+                  <a:t>trace to the points if needed and see what happens</a:t>
+                </a:r>
+              </a:p>
+              <a:p>
+                <a:r>
+                  <a:rPr lang="en-US" sz="3300" dirty="0" smtClean="0">
+                    <a:sym typeface="Wingdings" panose="05000000000000000000" pitchFamily="2" charset="2"/>
+                  </a:rPr>
+                  <a:t>What do you notice about the Vertical Asymptote now that the degree is larger in the denominator? </a:t>
+                </a:r>
+              </a:p>
+              <a:p>
+                <a:endParaRPr lang="en-US" sz="3300" dirty="0"/>
+              </a:p>
+            </p:txBody>
+          </p:sp>
+        </mc:Choice>
+        <mc:Fallback>
+          <p:sp>
+            <p:nvSpPr>
+              <p:cNvPr id="3" name="Content Placeholder 2"/>
+              <p:cNvSpPr>
+                <a:spLocks noGrp="1" noRot="1" noChangeAspect="1" noMove="1" noResize="1" noEditPoints="1" noAdjustHandles="1" noChangeArrowheads="1" noChangeShapeType="1" noTextEdit="1"/>
+              </p:cNvSpPr>
+              <p:nvPr>
+                <p:ph idx="1"/>
+              </p:nvPr>
+            </p:nvSpPr>
+            <p:spPr>
+              <a:xfrm>
+                <a:off x="1371599" y="2338466"/>
+                <a:ext cx="10080885" cy="4519534"/>
+              </a:xfrm>
+              <a:blipFill rotWithShape="0">
+                <a:blip r:embed="rId3"/>
+                <a:stretch>
+                  <a:fillRect l="-1451" t="-2564" r="-1088"/>
+                </a:stretch>
+              </a:blipFill>
+            </p:spPr>
+            <p:txBody>
+              <a:bodyPr/>
+              <a:lstStyle/>
+              <a:p>
+                <a:r>
+                  <a:rPr lang="en-US">
+                    <a:noFill/>
+                  </a:rPr>
+                  <a:t> </a:t>
+                </a:r>
+              </a:p>
+            </p:txBody>
+          </p:sp>
+        </mc:Fallback>
+      </mc:AlternateContent>
+    </p:spTree>
+    <p:extLst>
+      <p:ext uri="{BB962C8B-B14F-4D97-AF65-F5344CB8AC3E}">
+        <p14:creationId xmlns:p14="http://schemas.microsoft.com/office/powerpoint/2010/main" val="551093039"/>
+      </p:ext>
+    </p:extLst>
+  </p:cSld>
+  <p:clrMapOvr>
+    <a:masterClrMapping/>
+  </p:clrMapOvr>
+</p:sld>
+</file>
+
+<file path=ppt/slides/slide6.xml><?xml version="1.0" encoding="utf-8"?>
 <p:sld xmlns:a="http://schemas.openxmlformats.org/drawingml/2006/main" xmlns:r="http://schemas.openxmlformats.org/officeDocument/2006/relationships" xmlns:p="http://schemas.openxmlformats.org/presentationml/2006/main">
   <p:cSld>
     <p:spTree>
@@ -6281,14 +9855,30 @@
             <p:ph type="title"/>
           </p:nvPr>
         </p:nvSpPr>
-        <p:spPr/>
+        <p:spPr>
+          <a:xfrm>
+            <a:off x="1371600" y="685800"/>
+            <a:ext cx="9601200" cy="2267262"/>
+          </a:xfrm>
+        </p:spPr>
         <p:txBody>
           <a:bodyPr/>
           <a:lstStyle/>
           <a:p>
             <a:r>
               <a:rPr lang="en-US" dirty="0" smtClean="0"/>
-              <a:t>For Last Time…</a:t>
+              <a:t>For Last Time</a:t>
+            </a:r>
+            <a:r>
+              <a:rPr lang="en-US" dirty="0" smtClean="0"/>
+              <a:t>… Work in groups and finish this up, or any other missing work</a:t>
+            </a:r>
+            <a:br>
+              <a:rPr lang="en-US" dirty="0" smtClean="0"/>
+            </a:br>
+            <a:r>
+              <a:rPr lang="en-US" dirty="0" smtClean="0"/>
+              <a:t>(12 – 15 minutes)</a:t>
             </a:r>
             <a:endParaRPr lang="en-US" dirty="0"/>
           </a:p>
@@ -6304,7 +9894,12 @@
             <p:ph idx="1"/>
           </p:nvPr>
         </p:nvSpPr>
-        <p:spPr/>
+        <p:spPr>
+          <a:xfrm>
+            <a:off x="1491522" y="3110459"/>
+            <a:ext cx="9601200" cy="3581400"/>
+          </a:xfrm>
+        </p:spPr>
         <p:txBody>
           <a:bodyPr>
             <a:normAutofit/>
@@ -6368,7 +9963,7 @@
 </p:sld>
 </file>
 
-<file path=ppt/slides/slide4.xml><?xml version="1.0" encoding="utf-8"?>
+<file path=ppt/slides/slide7.xml><?xml version="1.0" encoding="utf-8"?>
 <p:sld xmlns:a="http://schemas.openxmlformats.org/drawingml/2006/main" xmlns:r="http://schemas.openxmlformats.org/officeDocument/2006/relationships" xmlns:p="http://schemas.openxmlformats.org/presentationml/2006/main">
   <p:cSld>
     <p:spTree>
@@ -6459,7 +10054,7 @@
 </p:sld>
 </file>
 
-<file path=ppt/slides/slide5.xml><?xml version="1.0" encoding="utf-8"?>
+<file path=ppt/slides/slide8.xml><?xml version="1.0" encoding="utf-8"?>
 <p:sld xmlns:a="http://schemas.openxmlformats.org/drawingml/2006/main" xmlns:r="http://schemas.openxmlformats.org/officeDocument/2006/relationships" xmlns:p="http://schemas.openxmlformats.org/presentationml/2006/main">
   <p:cSld>
     <p:spTree>
@@ -6524,7 +10119,7 @@
         </p:spPr>
         <p:txBody>
           <a:bodyPr>
-            <a:normAutofit/>
+            <a:normAutofit fontScale="92500" lnSpcReduction="10000"/>
           </a:bodyPr>
           <a:lstStyle/>
           <a:p>
@@ -6534,7 +10129,27 @@
             </a:r>
             <a:r>
               <a:rPr lang="en-US" sz="3600" dirty="0"/>
-              <a:t>: Use definition of limits to determine if limits exist and evaluate them</a:t>
+              <a:t>: Use definition of limits to determine if limits exist and evaluate </a:t>
+            </a:r>
+            <a:r>
+              <a:rPr lang="en-US" sz="3600" dirty="0" smtClean="0"/>
+              <a:t>them</a:t>
+            </a:r>
+          </a:p>
+          <a:p>
+            <a:endParaRPr lang="en-US" sz="3600" dirty="0"/>
+          </a:p>
+          <a:p>
+            <a:endParaRPr lang="en-US" sz="3600" dirty="0" smtClean="0"/>
+          </a:p>
+          <a:p>
+            <a:r>
+              <a:rPr lang="en-US" sz="3600" b="1" dirty="0" smtClean="0"/>
+              <a:t>HLQ</a:t>
+            </a:r>
+            <a:r>
+              <a:rPr lang="en-US" sz="3600" dirty="0" smtClean="0"/>
+              <a:t>: How would a limit that approaches infinity impact a rational expression with the only variable being located in the denominator? </a:t>
             </a:r>
             <a:endParaRPr lang="en-US" sz="3300" dirty="0"/>
           </a:p>
@@ -6560,7 +10175,7 @@
 </p:sld>
 </file>
 
-<file path=ppt/slides/slide6.xml><?xml version="1.0" encoding="utf-8"?>
+<file path=ppt/slides/slide9.xml><?xml version="1.0" encoding="utf-8"?>
 <p:sld xmlns:a="http://schemas.openxmlformats.org/drawingml/2006/main" xmlns:r="http://schemas.openxmlformats.org/officeDocument/2006/relationships" xmlns:p="http://schemas.openxmlformats.org/presentationml/2006/main">
   <p:cSld>
     <p:spTree>
@@ -6602,8 +10217,8 @@
           </a:p>
         </p:txBody>
       </p:sp>
-      <mc:AlternateContent xmlns:mc="http://schemas.openxmlformats.org/markup-compatibility/2006" xmlns:a14="http://schemas.microsoft.com/office/drawing/2010/main">
-        <mc:Choice Requires="a14">
+      <mc:AlternateContent xmlns:mc="http://schemas.openxmlformats.org/markup-compatibility/2006">
+        <mc:Choice xmlns:a14="http://schemas.microsoft.com/office/drawing/2010/main" Requires="a14">
           <p:sp>
             <p:nvSpPr>
               <p:cNvPr id="3" name="Content Placeholder 2"/>
@@ -6616,7 +10231,7 @@
             </p:nvSpPr>
             <p:spPr>
               <a:xfrm>
-                <a:off x="1386590" y="1772182"/>
+                <a:off x="1371600" y="1428750"/>
                 <a:ext cx="9601200" cy="4324120"/>
               </a:xfrm>
             </p:spPr>
@@ -7188,7 +10803,7 @@
             </p:txBody>
           </p:sp>
         </mc:Choice>
-        <mc:Fallback xmlns="">
+        <mc:Fallback>
           <p:sp>
             <p:nvSpPr>
               <p:cNvPr id="3" name="Content Placeholder 2"/>
@@ -7201,7 +10816,7 @@
             </p:nvSpPr>
             <p:spPr>
               <a:xfrm>
-                <a:off x="1386590" y="1772182"/>
+                <a:off x="1371600" y="1428750"/>
                 <a:ext cx="9601200" cy="4324120"/>
               </a:xfrm>
               <a:blipFill rotWithShape="0">
@@ -7289,876 +10904,75 @@
           </a:p>
         </p:txBody>
       </p:sp>
+      <p:sp>
+        <p:nvSpPr>
+          <p:cNvPr id="4" name="TextBox 3"/>
+          <p:cNvSpPr txBox="1"/>
+          <p:nvPr/>
+        </p:nvSpPr>
+        <p:spPr>
+          <a:xfrm>
+            <a:off x="709626" y="4549676"/>
+            <a:ext cx="11482374" cy="2308324"/>
+          </a:xfrm>
+          <a:prstGeom prst="rect">
+            <a:avLst/>
+          </a:prstGeom>
+          <a:noFill/>
+        </p:spPr>
+        <p:txBody>
+          <a:bodyPr wrap="none" rtlCol="0">
+            <a:spAutoFit/>
+          </a:bodyPr>
+          <a:lstStyle/>
+          <a:p>
+            <a:r>
+              <a:rPr lang="en-US" sz="2400" dirty="0" smtClean="0"/>
+              <a:t>Note: </a:t>
+            </a:r>
+          </a:p>
+          <a:p>
+            <a:r>
+              <a:rPr lang="en-US" sz="2400" dirty="0" smtClean="0"/>
+              <a:t>I know this is a bit wordy… basically… if you can’t plug in a number (c) because it would</a:t>
+            </a:r>
+          </a:p>
+          <a:p>
+            <a:r>
+              <a:rPr lang="en-US" sz="2400" dirty="0" smtClean="0"/>
+              <a:t>break the equation (f(x)) (see bell work) we still want to know what the answer (L) would</a:t>
+            </a:r>
+            <a:br>
+              <a:rPr lang="en-US" sz="2400" dirty="0" smtClean="0"/>
+            </a:br>
+            <a:r>
+              <a:rPr lang="en-US" sz="2400" dirty="0" smtClean="0"/>
+              <a:t>be if we were allowed to plug (c) into f(x)…. </a:t>
+            </a:r>
+          </a:p>
+          <a:p>
+            <a:r>
+              <a:rPr lang="en-US" sz="2400" dirty="0" smtClean="0"/>
+              <a:t>So we are going to test points that are really</a:t>
+            </a:r>
+          </a:p>
+          <a:p>
+            <a:r>
+              <a:rPr lang="en-US" sz="2400" dirty="0"/>
+              <a:t>c</a:t>
+            </a:r>
+            <a:r>
+              <a:rPr lang="en-US" sz="2400" dirty="0" smtClean="0"/>
+              <a:t>lose to the c # and see what happens… </a:t>
+            </a:r>
+            <a:endParaRPr lang="en-US" sz="2400" dirty="0"/>
+          </a:p>
+        </p:txBody>
+      </p:sp>
     </p:spTree>
     <p:extLst>
       <p:ext uri="{BB962C8B-B14F-4D97-AF65-F5344CB8AC3E}">
         <p14:creationId xmlns:p14="http://schemas.microsoft.com/office/powerpoint/2010/main" val="2127614"/>
-      </p:ext>
-    </p:extLst>
-  </p:cSld>
-  <p:clrMapOvr>
-    <a:masterClrMapping/>
-  </p:clrMapOvr>
-  <p:timing>
-    <p:tnLst>
-      <p:par>
-        <p:cTn id="1" dur="indefinite" restart="never" nodeType="tmRoot"/>
-      </p:par>
-    </p:tnLst>
-  </p:timing>
-</p:sld>
-</file>
-
-<file path=ppt/slides/slide7.xml><?xml version="1.0" encoding="utf-8"?>
-<p:sld xmlns:a="http://schemas.openxmlformats.org/drawingml/2006/main" xmlns:r="http://schemas.openxmlformats.org/officeDocument/2006/relationships" xmlns:p="http://schemas.openxmlformats.org/presentationml/2006/main">
-  <p:cSld>
-    <p:spTree>
-      <p:nvGrpSpPr>
-        <p:cNvPr id="1" name=""/>
-        <p:cNvGrpSpPr/>
-        <p:nvPr/>
-      </p:nvGrpSpPr>
-      <p:grpSpPr>
-        <a:xfrm>
-          <a:off x="0" y="0"/>
-          <a:ext cx="0" cy="0"/>
-          <a:chOff x="0" y="0"/>
-          <a:chExt cx="0" cy="0"/>
-        </a:xfrm>
-      </p:grpSpPr>
-      <p:sp>
-        <p:nvSpPr>
-          <p:cNvPr id="2" name="Title 1"/>
-          <p:cNvSpPr>
-            <a:spLocks noGrp="1"/>
-          </p:cNvSpPr>
-          <p:nvPr>
-            <p:ph type="title"/>
-          </p:nvPr>
-        </p:nvSpPr>
-        <p:spPr>
-          <a:xfrm>
-            <a:off x="1371600" y="400987"/>
-            <a:ext cx="9601200" cy="1485900"/>
-          </a:xfrm>
-        </p:spPr>
-        <p:txBody>
-          <a:bodyPr>
-            <a:normAutofit/>
-          </a:bodyPr>
-          <a:lstStyle/>
-          <a:p>
-            <a:r>
-              <a:rPr lang="en-US" b="1" dirty="0" smtClean="0"/>
-              <a:t>Estimating </a:t>
-            </a:r>
-            <a:r>
-              <a:rPr lang="en-US" b="1" dirty="0"/>
-              <a:t>a Limit Numerically </a:t>
-            </a:r>
-            <a:r>
-              <a:rPr lang="en-US" b="1" dirty="0" smtClean="0"/>
-              <a:t/>
-            </a:r>
-            <a:br>
-              <a:rPr lang="en-US" b="1" dirty="0" smtClean="0"/>
-            </a:br>
-            <a:r>
-              <a:rPr lang="en-US" b="1" dirty="0" smtClean="0"/>
-              <a:t>(</a:t>
-            </a:r>
-            <a:r>
-              <a:rPr lang="en-US" b="1" dirty="0"/>
-              <a:t>whether f(x) at x = c exists or not)</a:t>
-            </a:r>
-            <a:endParaRPr lang="en-US" dirty="0"/>
-          </a:p>
-        </p:txBody>
-      </p:sp>
-      <mc:AlternateContent xmlns:mc="http://schemas.openxmlformats.org/markup-compatibility/2006" xmlns:a14="http://schemas.microsoft.com/office/drawing/2010/main">
-        <mc:Choice Requires="a14">
-          <p:sp>
-            <p:nvSpPr>
-              <p:cNvPr id="3" name="Content Placeholder 2"/>
-              <p:cNvSpPr>
-                <a:spLocks noGrp="1"/>
-              </p:cNvSpPr>
-              <p:nvPr>
-                <p:ph idx="1"/>
-              </p:nvPr>
-            </p:nvSpPr>
-            <p:spPr>
-              <a:xfrm>
-                <a:off x="599608" y="2623279"/>
-                <a:ext cx="11592392" cy="3822490"/>
-              </a:xfrm>
-            </p:spPr>
-            <p:txBody>
-              <a:bodyPr>
-                <a:normAutofit/>
-              </a:bodyPr>
-              <a:lstStyle/>
-              <a:p>
-                <a:r>
-                  <a:rPr lang="en-US" sz="3200" b="1" dirty="0"/>
-                  <a:t>Example 1: </a:t>
-                </a:r>
-                <a:r>
-                  <a:rPr lang="en-US" sz="3200" b="1" dirty="0" smtClean="0"/>
-                  <a:t>    </a:t>
-                </a:r>
-                <a14:m>
-                  <m:oMath xmlns:m="http://schemas.openxmlformats.org/officeDocument/2006/math">
-                    <m:func>
-                      <m:funcPr>
-                        <m:ctrlPr>
-                          <a:rPr lang="en-US" sz="3200" i="1">
-                            <a:latin typeface="Cambria Math" panose="02040503050406030204" pitchFamily="18" charset="0"/>
-                          </a:rPr>
-                        </m:ctrlPr>
-                      </m:funcPr>
-                      <m:fName>
-                        <m:limLow>
-                          <m:limLowPr>
-                            <m:ctrlPr>
-                              <a:rPr lang="en-US" sz="3200" i="1">
-                                <a:latin typeface="Cambria Math" panose="02040503050406030204" pitchFamily="18" charset="0"/>
-                              </a:rPr>
-                            </m:ctrlPr>
-                          </m:limLowPr>
-                          <m:e>
-                            <m:r>
-                              <a:rPr lang="en-US" sz="3200" i="1">
-                                <a:latin typeface="Cambria Math" panose="02040503050406030204" pitchFamily="18" charset="0"/>
-                              </a:rPr>
-                              <m:t>𝑙𝑖𝑚</m:t>
-                            </m:r>
-                          </m:e>
-                          <m:lim>
-                            <m:r>
-                              <a:rPr lang="en-US" sz="3200" i="1">
-                                <a:latin typeface="Cambria Math" panose="02040503050406030204" pitchFamily="18" charset="0"/>
-                              </a:rPr>
-                              <m:t>𝑥</m:t>
-                            </m:r>
-                            <m:r>
-                              <a:rPr lang="en-US" sz="3200" i="1">
-                                <a:latin typeface="Cambria Math" panose="02040503050406030204" pitchFamily="18" charset="0"/>
-                              </a:rPr>
-                              <m:t>→2</m:t>
-                            </m:r>
-                          </m:lim>
-                        </m:limLow>
-                      </m:fName>
-                      <m:e>
-                        <m:r>
-                          <a:rPr lang="en-US" sz="3200" i="1">
-                            <a:latin typeface="Cambria Math" panose="02040503050406030204" pitchFamily="18" charset="0"/>
-                          </a:rPr>
-                          <m:t> (3</m:t>
-                        </m:r>
-                        <m:r>
-                          <a:rPr lang="en-US" sz="3200" i="1">
-                            <a:latin typeface="Cambria Math" panose="02040503050406030204" pitchFamily="18" charset="0"/>
-                          </a:rPr>
-                          <m:t>𝑥</m:t>
-                        </m:r>
-                        <m:r>
-                          <a:rPr lang="en-US" sz="3200" i="1">
-                            <a:latin typeface="Cambria Math" panose="02040503050406030204" pitchFamily="18" charset="0"/>
-                          </a:rPr>
-                          <m:t>−2)</m:t>
-                        </m:r>
-                      </m:e>
-                    </m:func>
-                  </m:oMath>
-                </a14:m>
-                <a:endParaRPr lang="en-US" sz="3000" dirty="0" smtClean="0"/>
-              </a:p>
-              <a:p>
-                <a:endParaRPr lang="en-US" sz="3000" dirty="0"/>
-              </a:p>
-              <a:p>
-                <a:r>
-                  <a:rPr lang="en-US" sz="3200" b="1" u="sng" dirty="0"/>
-                  <a:t> x   </a:t>
-                </a:r>
-                <a:r>
-                  <a:rPr lang="en-US" sz="3200" b="1" u="sng" dirty="0" smtClean="0"/>
-                  <a:t>|</a:t>
-                </a:r>
-                <a:r>
-                  <a:rPr lang="en-US" sz="3200" u="sng" dirty="0" smtClean="0"/>
-                  <a:t>1.9</a:t>
-                </a:r>
-                <a:r>
-                  <a:rPr lang="en-US" sz="3200" u="sng" dirty="0"/>
-                  <a:t>	    1.99	 1.999	</a:t>
-                </a:r>
-                <a:r>
-                  <a:rPr lang="en-US" sz="3200" b="1" u="sng" dirty="0"/>
-                  <a:t>2.0</a:t>
-                </a:r>
-                <a:r>
-                  <a:rPr lang="en-US" sz="3200" u="sng" dirty="0"/>
-                  <a:t>	</a:t>
-                </a:r>
-                <a:r>
-                  <a:rPr lang="en-US" sz="3200" u="sng" dirty="0" smtClean="0"/>
-                  <a:t> 2.001</a:t>
-                </a:r>
-                <a:r>
-                  <a:rPr lang="en-US" sz="3200" u="sng" dirty="0"/>
-                  <a:t>	2.01		2.1</a:t>
-                </a:r>
-                <a:endParaRPr lang="en-US" sz="3200" dirty="0"/>
-              </a:p>
-              <a:p>
-                <a:r>
-                  <a:rPr lang="en-US" sz="3200" b="1" dirty="0"/>
-                  <a:t>f(x) </a:t>
-                </a:r>
-                <a:r>
-                  <a:rPr lang="en-US" sz="3200" b="1" dirty="0" smtClean="0"/>
-                  <a:t>|</a:t>
-                </a:r>
-                <a:endParaRPr lang="en-US" sz="3000" dirty="0"/>
-              </a:p>
-            </p:txBody>
-          </p:sp>
-        </mc:Choice>
-        <mc:Fallback xmlns="">
-          <p:sp>
-            <p:nvSpPr>
-              <p:cNvPr id="3" name="Content Placeholder 2"/>
-              <p:cNvSpPr>
-                <a:spLocks noGrp="1" noRot="1" noChangeAspect="1" noMove="1" noResize="1" noEditPoints="1" noAdjustHandles="1" noChangeArrowheads="1" noChangeShapeType="1" noTextEdit="1"/>
-              </p:cNvSpPr>
-              <p:nvPr>
-                <p:ph idx="1"/>
-              </p:nvPr>
-            </p:nvSpPr>
-            <p:spPr>
-              <a:xfrm>
-                <a:off x="599608" y="2623279"/>
-                <a:ext cx="11592392" cy="3822490"/>
-              </a:xfrm>
-              <a:blipFill rotWithShape="0">
-                <a:blip r:embed="rId2"/>
-                <a:stretch>
-                  <a:fillRect l="-1209" t="-2871"/>
-                </a:stretch>
-              </a:blipFill>
-            </p:spPr>
-            <p:txBody>
-              <a:bodyPr/>
-              <a:lstStyle/>
-              <a:p>
-                <a:r>
-                  <a:rPr lang="en-US">
-                    <a:noFill/>
-                  </a:rPr>
-                  <a:t> </a:t>
-                </a:r>
-              </a:p>
-            </p:txBody>
-          </p:sp>
-        </mc:Fallback>
-      </mc:AlternateContent>
-    </p:spTree>
-    <p:extLst>
-      <p:ext uri="{BB962C8B-B14F-4D97-AF65-F5344CB8AC3E}">
-        <p14:creationId xmlns:p14="http://schemas.microsoft.com/office/powerpoint/2010/main" val="2414323866"/>
-      </p:ext>
-    </p:extLst>
-  </p:cSld>
-  <p:clrMapOvr>
-    <a:masterClrMapping/>
-  </p:clrMapOvr>
-  <p:timing>
-    <p:tnLst>
-      <p:par>
-        <p:cTn id="1" dur="indefinite" restart="never" nodeType="tmRoot"/>
-      </p:par>
-    </p:tnLst>
-  </p:timing>
-</p:sld>
-</file>
-
-<file path=ppt/slides/slide8.xml><?xml version="1.0" encoding="utf-8"?>
-<p:sld xmlns:a="http://schemas.openxmlformats.org/drawingml/2006/main" xmlns:r="http://schemas.openxmlformats.org/officeDocument/2006/relationships" xmlns:p="http://schemas.openxmlformats.org/presentationml/2006/main">
-  <p:cSld>
-    <p:spTree>
-      <p:nvGrpSpPr>
-        <p:cNvPr id="1" name=""/>
-        <p:cNvGrpSpPr/>
-        <p:nvPr/>
-      </p:nvGrpSpPr>
-      <p:grpSpPr>
-        <a:xfrm>
-          <a:off x="0" y="0"/>
-          <a:ext cx="0" cy="0"/>
-          <a:chOff x="0" y="0"/>
-          <a:chExt cx="0" cy="0"/>
-        </a:xfrm>
-      </p:grpSpPr>
-      <p:sp>
-        <p:nvSpPr>
-          <p:cNvPr id="2" name="Title 1"/>
-          <p:cNvSpPr>
-            <a:spLocks noGrp="1"/>
-          </p:cNvSpPr>
-          <p:nvPr>
-            <p:ph type="title"/>
-          </p:nvPr>
-        </p:nvSpPr>
-        <p:spPr>
-          <a:xfrm>
-            <a:off x="1371600" y="400987"/>
-            <a:ext cx="9601200" cy="1485900"/>
-          </a:xfrm>
-        </p:spPr>
-        <p:txBody>
-          <a:bodyPr>
-            <a:normAutofit/>
-          </a:bodyPr>
-          <a:lstStyle/>
-          <a:p>
-            <a:r>
-              <a:rPr lang="en-US" b="1" dirty="0" smtClean="0"/>
-              <a:t>Estimating </a:t>
-            </a:r>
-            <a:r>
-              <a:rPr lang="en-US" b="1" dirty="0"/>
-              <a:t>a Limit Numerically </a:t>
-            </a:r>
-            <a:r>
-              <a:rPr lang="en-US" b="1" dirty="0" smtClean="0"/>
-              <a:t/>
-            </a:r>
-            <a:br>
-              <a:rPr lang="en-US" b="1" dirty="0" smtClean="0"/>
-            </a:br>
-            <a:r>
-              <a:rPr lang="en-US" b="1" dirty="0" smtClean="0"/>
-              <a:t>(</a:t>
-            </a:r>
-            <a:r>
-              <a:rPr lang="en-US" b="1" dirty="0"/>
-              <a:t>whether f(x) at x = c exists or not)</a:t>
-            </a:r>
-            <a:endParaRPr lang="en-US" dirty="0"/>
-          </a:p>
-        </p:txBody>
-      </p:sp>
-      <mc:AlternateContent xmlns:mc="http://schemas.openxmlformats.org/markup-compatibility/2006" xmlns:a14="http://schemas.microsoft.com/office/drawing/2010/main">
-        <mc:Choice Requires="a14">
-          <p:sp>
-            <p:nvSpPr>
-              <p:cNvPr id="3" name="Content Placeholder 2"/>
-              <p:cNvSpPr>
-                <a:spLocks noGrp="1"/>
-              </p:cNvSpPr>
-              <p:nvPr>
-                <p:ph idx="1"/>
-              </p:nvPr>
-            </p:nvSpPr>
-            <p:spPr>
-              <a:xfrm>
-                <a:off x="599608" y="2299117"/>
-                <a:ext cx="11592392" cy="4558883"/>
-              </a:xfrm>
-            </p:spPr>
-            <p:txBody>
-              <a:bodyPr>
-                <a:normAutofit/>
-              </a:bodyPr>
-              <a:lstStyle/>
-              <a:p>
-                <a:pPr marL="0" indent="0">
-                  <a:buNone/>
-                </a:pPr>
-                <a:r>
-                  <a:rPr lang="en-US" sz="3200" b="1" dirty="0" smtClean="0"/>
-                  <a:t> Example </a:t>
-                </a:r>
-                <a:r>
-                  <a:rPr lang="en-US" sz="3200" b="1" dirty="0"/>
-                  <a:t>1</a:t>
-                </a:r>
-                <a:r>
-                  <a:rPr lang="en-US" sz="3200" b="1" dirty="0" smtClean="0"/>
-                  <a:t>:     </a:t>
-                </a:r>
-                <a14:m>
-                  <m:oMath xmlns:m="http://schemas.openxmlformats.org/officeDocument/2006/math">
-                    <m:func>
-                      <m:funcPr>
-                        <m:ctrlPr>
-                          <a:rPr lang="en-US" sz="3200" i="1">
-                            <a:latin typeface="Cambria Math" panose="02040503050406030204" pitchFamily="18" charset="0"/>
-                          </a:rPr>
-                        </m:ctrlPr>
-                      </m:funcPr>
-                      <m:fName>
-                        <m:limLow>
-                          <m:limLowPr>
-                            <m:ctrlPr>
-                              <a:rPr lang="en-US" sz="3200" i="1">
-                                <a:latin typeface="Cambria Math" panose="02040503050406030204" pitchFamily="18" charset="0"/>
-                              </a:rPr>
-                            </m:ctrlPr>
-                          </m:limLowPr>
-                          <m:e>
-                            <m:r>
-                              <a:rPr lang="en-US" sz="3200" i="1">
-                                <a:latin typeface="Cambria Math" panose="02040503050406030204" pitchFamily="18" charset="0"/>
-                              </a:rPr>
-                              <m:t>𝑙𝑖𝑚</m:t>
-                            </m:r>
-                          </m:e>
-                          <m:lim>
-                            <m:r>
-                              <a:rPr lang="en-US" sz="3200" i="1">
-                                <a:latin typeface="Cambria Math" panose="02040503050406030204" pitchFamily="18" charset="0"/>
-                              </a:rPr>
-                              <m:t>𝑥</m:t>
-                            </m:r>
-                            <m:r>
-                              <a:rPr lang="en-US" sz="3200" i="1">
-                                <a:latin typeface="Cambria Math" panose="02040503050406030204" pitchFamily="18" charset="0"/>
-                              </a:rPr>
-                              <m:t>→2</m:t>
-                            </m:r>
-                          </m:lim>
-                        </m:limLow>
-                      </m:fName>
-                      <m:e>
-                        <m:r>
-                          <a:rPr lang="en-US" sz="3200" i="1">
-                            <a:latin typeface="Cambria Math" panose="02040503050406030204" pitchFamily="18" charset="0"/>
-                          </a:rPr>
-                          <m:t> (3</m:t>
-                        </m:r>
-                        <m:r>
-                          <a:rPr lang="en-US" sz="3200" i="1">
-                            <a:latin typeface="Cambria Math" panose="02040503050406030204" pitchFamily="18" charset="0"/>
-                          </a:rPr>
-                          <m:t>𝑥</m:t>
-                        </m:r>
-                        <m:r>
-                          <a:rPr lang="en-US" sz="3200" i="1">
-                            <a:latin typeface="Cambria Math" panose="02040503050406030204" pitchFamily="18" charset="0"/>
-                          </a:rPr>
-                          <m:t>−2)</m:t>
-                        </m:r>
-                      </m:e>
-                    </m:func>
-                  </m:oMath>
-                </a14:m>
-                <a:endParaRPr lang="en-US" sz="3000" dirty="0" smtClean="0"/>
-              </a:p>
-              <a:p>
-                <a:endParaRPr lang="en-US" sz="3000" dirty="0"/>
-              </a:p>
-              <a:p>
-                <a:pPr marL="0" indent="0">
-                  <a:buNone/>
-                </a:pPr>
-                <a:r>
-                  <a:rPr lang="en-US" sz="3200" b="1" u="sng" dirty="0"/>
-                  <a:t> </a:t>
-                </a:r>
-                <a:r>
-                  <a:rPr lang="en-US" sz="3200" b="1" u="sng" dirty="0" smtClean="0"/>
-                  <a:t>   x   |</a:t>
-                </a:r>
-                <a:r>
-                  <a:rPr lang="en-US" sz="3200" u="sng" dirty="0" smtClean="0"/>
-                  <a:t>1.9</a:t>
-                </a:r>
-                <a:r>
-                  <a:rPr lang="en-US" sz="3200" u="sng" dirty="0"/>
-                  <a:t>	    1.99	 1.999	</a:t>
-                </a:r>
-                <a:r>
-                  <a:rPr lang="en-US" sz="3200" b="1" u="sng" dirty="0"/>
-                  <a:t>2.0</a:t>
-                </a:r>
-                <a:r>
-                  <a:rPr lang="en-US" sz="3200" u="sng" dirty="0"/>
-                  <a:t>	</a:t>
-                </a:r>
-                <a:r>
-                  <a:rPr lang="en-US" sz="3200" u="sng" dirty="0" smtClean="0"/>
-                  <a:t> 2.001</a:t>
-                </a:r>
-                <a:r>
-                  <a:rPr lang="en-US" sz="3200" u="sng" dirty="0"/>
-                  <a:t>	2.01		2.1</a:t>
-                </a:r>
-                <a:endParaRPr lang="en-US" sz="3200" dirty="0"/>
-              </a:p>
-              <a:p>
-                <a:pPr marL="0" indent="0">
-                  <a:buNone/>
-                </a:pPr>
-                <a:r>
-                  <a:rPr lang="en-US" sz="3200" b="1" dirty="0" smtClean="0"/>
-                  <a:t>  f(x</a:t>
-                </a:r>
-                <a:r>
-                  <a:rPr lang="en-US" sz="3200" b="1" dirty="0"/>
-                  <a:t>) </a:t>
-                </a:r>
-                <a:r>
-                  <a:rPr lang="en-US" sz="3200" b="1" dirty="0" smtClean="0"/>
-                  <a:t>|</a:t>
-                </a:r>
-                <a:r>
-                  <a:rPr lang="en-US" sz="3200" dirty="0" smtClean="0"/>
-                  <a:t>3.7</a:t>
-                </a:r>
-                <a:r>
-                  <a:rPr lang="en-US" sz="3200" dirty="0"/>
-                  <a:t>	    3.97	 </a:t>
-                </a:r>
-                <a:r>
-                  <a:rPr lang="en-US" sz="3200" dirty="0" smtClean="0"/>
-                  <a:t>3.997     ____    4.003</a:t>
-                </a:r>
-                <a:r>
-                  <a:rPr lang="en-US" sz="3200" dirty="0"/>
-                  <a:t>	4.03		</a:t>
-                </a:r>
-                <a:r>
-                  <a:rPr lang="en-US" sz="3200" dirty="0" smtClean="0"/>
-                  <a:t>4.3</a:t>
-                </a:r>
-              </a:p>
-              <a:p>
-                <a:endParaRPr lang="en-US" sz="3200" dirty="0"/>
-              </a:p>
-              <a:p>
-                <a:pPr marL="0" indent="0">
-                  <a:buNone/>
-                </a:pPr>
-                <a:r>
-                  <a:rPr lang="en-US" sz="3200" dirty="0" smtClean="0"/>
-                  <a:t>  Two </a:t>
-                </a:r>
-                <a:r>
-                  <a:rPr lang="en-US" sz="3200" dirty="0"/>
-                  <a:t>sets (one from both the left and the right) of x-values </a:t>
-                </a:r>
-                <a:r>
-                  <a:rPr lang="en-US" sz="3200" dirty="0" smtClean="0"/>
-                  <a:t> </a:t>
-                </a:r>
-                <a:br>
-                  <a:rPr lang="en-US" sz="3200" dirty="0" smtClean="0"/>
-                </a:br>
-                <a:r>
-                  <a:rPr lang="en-US" sz="3200" dirty="0" smtClean="0"/>
-                  <a:t>  approach </a:t>
-                </a:r>
-                <a:r>
-                  <a:rPr lang="en-US" sz="3200" dirty="0"/>
-                  <a:t>4…</a:t>
-                </a:r>
-              </a:p>
-              <a:p>
-                <a:endParaRPr lang="en-US" sz="3000" dirty="0"/>
-              </a:p>
-            </p:txBody>
-          </p:sp>
-        </mc:Choice>
-        <mc:Fallback xmlns="">
-          <p:sp>
-            <p:nvSpPr>
-              <p:cNvPr id="3" name="Content Placeholder 2"/>
-              <p:cNvSpPr>
-                <a:spLocks noGrp="1" noRot="1" noChangeAspect="1" noMove="1" noResize="1" noEditPoints="1" noAdjustHandles="1" noChangeArrowheads="1" noChangeShapeType="1" noTextEdit="1"/>
-              </p:cNvSpPr>
-              <p:nvPr>
-                <p:ph idx="1"/>
-              </p:nvPr>
-            </p:nvSpPr>
-            <p:spPr>
-              <a:xfrm>
-                <a:off x="599608" y="2299117"/>
-                <a:ext cx="11592392" cy="4558883"/>
-              </a:xfrm>
-              <a:blipFill rotWithShape="0">
-                <a:blip r:embed="rId2"/>
-                <a:stretch>
-                  <a:fillRect l="-421" t="-2406"/>
-                </a:stretch>
-              </a:blipFill>
-            </p:spPr>
-            <p:txBody>
-              <a:bodyPr/>
-              <a:lstStyle/>
-              <a:p>
-                <a:r>
-                  <a:rPr lang="en-US">
-                    <a:noFill/>
-                  </a:rPr>
-                  <a:t> </a:t>
-                </a:r>
-              </a:p>
-            </p:txBody>
-          </p:sp>
-        </mc:Fallback>
-      </mc:AlternateContent>
-    </p:spTree>
-    <p:extLst>
-      <p:ext uri="{BB962C8B-B14F-4D97-AF65-F5344CB8AC3E}">
-        <p14:creationId xmlns:p14="http://schemas.microsoft.com/office/powerpoint/2010/main" val="3265417302"/>
-      </p:ext>
-    </p:extLst>
-  </p:cSld>
-  <p:clrMapOvr>
-    <a:masterClrMapping/>
-  </p:clrMapOvr>
-  <p:timing>
-    <p:tnLst>
-      <p:par>
-        <p:cTn id="1" dur="indefinite" restart="never" nodeType="tmRoot"/>
-      </p:par>
-    </p:tnLst>
-  </p:timing>
-</p:sld>
-</file>
-
-<file path=ppt/slides/slide9.xml><?xml version="1.0" encoding="utf-8"?>
-<p:sld xmlns:a="http://schemas.openxmlformats.org/drawingml/2006/main" xmlns:r="http://schemas.openxmlformats.org/officeDocument/2006/relationships" xmlns:p="http://schemas.openxmlformats.org/presentationml/2006/main">
-  <p:cSld>
-    <p:spTree>
-      <p:nvGrpSpPr>
-        <p:cNvPr id="1" name=""/>
-        <p:cNvGrpSpPr/>
-        <p:nvPr/>
-      </p:nvGrpSpPr>
-      <p:grpSpPr>
-        <a:xfrm>
-          <a:off x="0" y="0"/>
-          <a:ext cx="0" cy="0"/>
-          <a:chOff x="0" y="0"/>
-          <a:chExt cx="0" cy="0"/>
-        </a:xfrm>
-      </p:grpSpPr>
-      <p:sp>
-        <p:nvSpPr>
-          <p:cNvPr id="2" name="Title 1"/>
-          <p:cNvSpPr>
-            <a:spLocks noGrp="1"/>
-          </p:cNvSpPr>
-          <p:nvPr>
-            <p:ph type="title"/>
-          </p:nvPr>
-        </p:nvSpPr>
-        <p:spPr/>
-        <p:txBody>
-          <a:bodyPr/>
-          <a:lstStyle/>
-          <a:p>
-            <a:r>
-              <a:rPr lang="en-US" dirty="0" smtClean="0"/>
-              <a:t>Example 1 Solution: </a:t>
-            </a:r>
-            <a:endParaRPr lang="en-US" dirty="0"/>
-          </a:p>
-        </p:txBody>
-      </p:sp>
-      <mc:AlternateContent xmlns:mc="http://schemas.openxmlformats.org/markup-compatibility/2006" xmlns:a14="http://schemas.microsoft.com/office/drawing/2010/main">
-        <mc:Choice Requires="a14">
-          <p:sp>
-            <p:nvSpPr>
-              <p:cNvPr id="3" name="Content Placeholder 2"/>
-              <p:cNvSpPr>
-                <a:spLocks noGrp="1"/>
-              </p:cNvSpPr>
-              <p:nvPr>
-                <p:ph idx="1"/>
-              </p:nvPr>
-            </p:nvSpPr>
-            <p:spPr/>
-            <p:txBody>
-              <a:bodyPr/>
-              <a:lstStyle/>
-              <a:p>
-                <a:pPr marL="0" indent="0">
-                  <a:buNone/>
-                </a:pPr>
-                <a14:m>
-                  <m:oMathPara xmlns:m="http://schemas.openxmlformats.org/officeDocument/2006/math">
-                    <m:oMathParaPr>
-                      <m:jc m:val="left"/>
-                    </m:oMathParaPr>
-                    <m:oMath xmlns:m="http://schemas.openxmlformats.org/officeDocument/2006/math">
-                      <m:func>
-                        <m:funcPr>
-                          <m:ctrlPr>
-                            <a:rPr lang="en-US" sz="3400" b="1" i="1">
-                              <a:latin typeface="Cambria Math" panose="02040503050406030204" pitchFamily="18" charset="0"/>
-                            </a:rPr>
-                          </m:ctrlPr>
-                        </m:funcPr>
-                        <m:fName>
-                          <m:limLow>
-                            <m:limLowPr>
-                              <m:ctrlPr>
-                                <a:rPr lang="en-US" sz="3400" b="1" i="1">
-                                  <a:latin typeface="Cambria Math" panose="02040503050406030204" pitchFamily="18" charset="0"/>
-                                </a:rPr>
-                              </m:ctrlPr>
-                            </m:limLowPr>
-                            <m:e>
-                              <m:r>
-                                <a:rPr lang="en-US" sz="3400" b="1" i="1">
-                                  <a:latin typeface="Cambria Math" panose="02040503050406030204" pitchFamily="18" charset="0"/>
-                                </a:rPr>
-                                <m:t>𝒍𝒊𝒎</m:t>
-                              </m:r>
-                            </m:e>
-                            <m:lim>
-                              <m:r>
-                                <a:rPr lang="en-US" sz="3400" b="1" i="1">
-                                  <a:latin typeface="Cambria Math" panose="02040503050406030204" pitchFamily="18" charset="0"/>
-                                </a:rPr>
-                                <m:t>𝒙</m:t>
-                              </m:r>
-                              <m:r>
-                                <a:rPr lang="en-US" sz="3400" b="1" i="1">
-                                  <a:latin typeface="Cambria Math" panose="02040503050406030204" pitchFamily="18" charset="0"/>
-                                </a:rPr>
-                                <m:t>→</m:t>
-                              </m:r>
-                              <m:r>
-                                <a:rPr lang="en-US" sz="3400" b="1" i="1">
-                                  <a:latin typeface="Cambria Math" panose="02040503050406030204" pitchFamily="18" charset="0"/>
-                                </a:rPr>
-                                <m:t>𝟐</m:t>
-                              </m:r>
-                            </m:lim>
-                          </m:limLow>
-                        </m:fName>
-                        <m:e>
-                          <m:r>
-                            <a:rPr lang="en-US" sz="3400" b="1" i="1">
-                              <a:latin typeface="Cambria Math" panose="02040503050406030204" pitchFamily="18" charset="0"/>
-                            </a:rPr>
-                            <m:t> (</m:t>
-                          </m:r>
-                          <m:r>
-                            <a:rPr lang="en-US" sz="3400" b="1" i="1">
-                              <a:latin typeface="Cambria Math" panose="02040503050406030204" pitchFamily="18" charset="0"/>
-                            </a:rPr>
-                            <m:t>𝟑</m:t>
-                          </m:r>
-                          <m:r>
-                            <a:rPr lang="en-US" sz="3400" b="1" i="1">
-                              <a:latin typeface="Cambria Math" panose="02040503050406030204" pitchFamily="18" charset="0"/>
-                            </a:rPr>
-                            <m:t>𝒙</m:t>
-                          </m:r>
-                          <m:r>
-                            <a:rPr lang="en-US" sz="3400" b="1" i="1">
-                              <a:latin typeface="Cambria Math" panose="02040503050406030204" pitchFamily="18" charset="0"/>
-                            </a:rPr>
-                            <m:t>−</m:t>
-                          </m:r>
-                          <m:r>
-                            <a:rPr lang="en-US" sz="3400" b="1" i="1">
-                              <a:latin typeface="Cambria Math" panose="02040503050406030204" pitchFamily="18" charset="0"/>
-                            </a:rPr>
-                            <m:t>𝟐</m:t>
-                          </m:r>
-                          <m:r>
-                            <a:rPr lang="en-US" sz="3400" b="1" i="1">
-                              <a:latin typeface="Cambria Math" panose="02040503050406030204" pitchFamily="18" charset="0"/>
-                            </a:rPr>
-                            <m:t>)</m:t>
-                          </m:r>
-                        </m:e>
-                      </m:func>
-                      <m:r>
-                        <a:rPr lang="en-US" sz="3400" b="1" i="1">
-                          <a:latin typeface="Cambria Math" panose="02040503050406030204" pitchFamily="18" charset="0"/>
-                        </a:rPr>
-                        <m:t>=</m:t>
-                      </m:r>
-                      <m:r>
-                        <a:rPr lang="en-US" sz="3400" b="1" i="1">
-                          <a:latin typeface="Cambria Math" panose="02040503050406030204" pitchFamily="18" charset="0"/>
-                        </a:rPr>
-                        <m:t>𝟒</m:t>
-                      </m:r>
-                    </m:oMath>
-                  </m:oMathPara>
-                </a14:m>
-                <a:endParaRPr lang="en-US" sz="3400" dirty="0"/>
-              </a:p>
-              <a:p>
-                <a:endParaRPr lang="en-US" sz="3400" dirty="0"/>
-              </a:p>
-              <a:p>
-                <a:pPr marL="0" indent="0">
-                  <a:buNone/>
-                </a:pPr>
-                <a:r>
-                  <a:rPr lang="en-US" sz="3400" dirty="0"/>
-                  <a:t>* Note: You can find the limit with direct substitution 3(2) – 2 = 4 *</a:t>
-                </a:r>
-              </a:p>
-              <a:p>
-                <a:pPr marL="0" indent="0">
-                  <a:buNone/>
-                </a:pPr>
-                <a:endParaRPr lang="en-US" dirty="0"/>
-              </a:p>
-            </p:txBody>
-          </p:sp>
-        </mc:Choice>
-        <mc:Fallback xmlns="">
-          <p:sp>
-            <p:nvSpPr>
-              <p:cNvPr id="3" name="Content Placeholder 2"/>
-              <p:cNvSpPr>
-                <a:spLocks noGrp="1" noRot="1" noChangeAspect="1" noMove="1" noResize="1" noEditPoints="1" noAdjustHandles="1" noChangeArrowheads="1" noChangeShapeType="1" noTextEdit="1"/>
-              </p:cNvSpPr>
-              <p:nvPr>
-                <p:ph idx="1"/>
-              </p:nvPr>
-            </p:nvSpPr>
-            <p:spPr>
-              <a:blipFill rotWithShape="0">
-                <a:blip r:embed="rId2"/>
-                <a:stretch>
-                  <a:fillRect l="-1778"/>
-                </a:stretch>
-              </a:blipFill>
-            </p:spPr>
-            <p:txBody>
-              <a:bodyPr/>
-              <a:lstStyle/>
-              <a:p>
-                <a:r>
-                  <a:rPr lang="en-US">
-                    <a:noFill/>
-                  </a:rPr>
-                  <a:t> </a:t>
-                </a:r>
-              </a:p>
-            </p:txBody>
-          </p:sp>
-        </mc:Fallback>
-      </mc:AlternateContent>
-    </p:spTree>
-    <p:extLst>
-      <p:ext uri="{BB962C8B-B14F-4D97-AF65-F5344CB8AC3E}">
-        <p14:creationId xmlns:p14="http://schemas.microsoft.com/office/powerpoint/2010/main" val="2255725310"/>
       </p:ext>
     </p:extLst>
   </p:cSld>
